--- a/Schemas.pptx
+++ b/Schemas.pptx
@@ -6,9 +6,11 @@
   </p:sldMasterIdLst>
   <p:sldIdLst>
     <p:sldId id="256" r:id="rId2"/>
-    <p:sldId id="260" r:id="rId3"/>
-    <p:sldId id="259" r:id="rId4"/>
-    <p:sldId id="258" r:id="rId5"/>
+    <p:sldId id="261" r:id="rId3"/>
+    <p:sldId id="262" r:id="rId4"/>
+    <p:sldId id="260" r:id="rId5"/>
+    <p:sldId id="259" r:id="rId6"/>
+    <p:sldId id="258" r:id="rId7"/>
   </p:sldIdLst>
   <p:sldSz cx="12192000" cy="6858000"/>
   <p:notesSz cx="6858000" cy="9144000"/>
@@ -107,6 +109,11 @@
       </a:defRPr>
     </a:lvl9pPr>
   </p:defaultTextStyle>
+  <p:extLst>
+    <p:ext uri="{EFAFB233-063F-42B5-8137-9DF3F51BA10A}">
+      <p15:sldGuideLst xmlns:p15="http://schemas.microsoft.com/office/powerpoint/2012/main"/>
+    </p:ext>
+  </p:extLst>
 </p:presentation>
 </file>
 
@@ -4694,6 +4701,6213 @@
           <a:chExt cx="0" cy="0"/>
         </a:xfrm>
       </p:grpSpPr>
+      <p:sp>
+        <p:nvSpPr>
+          <p:cNvPr id="13" name="Rectangle 12">
+            <a:extLst>
+              <a:ext uri="{FF2B5EF4-FFF2-40B4-BE49-F238E27FC236}">
+                <a16:creationId xmlns:a16="http://schemas.microsoft.com/office/drawing/2014/main" id="{16EC5DF9-199C-8F6A-0AB0-20C62A9131D0}"/>
+              </a:ext>
+            </a:extLst>
+          </p:cNvPr>
+          <p:cNvSpPr/>
+          <p:nvPr/>
+        </p:nvSpPr>
+        <p:spPr>
+          <a:xfrm rot="16200000">
+            <a:off x="3924432" y="3718812"/>
+            <a:ext cx="3170023" cy="539253"/>
+          </a:xfrm>
+          <a:prstGeom prst="rect">
+            <a:avLst/>
+          </a:prstGeom>
+          <a:solidFill>
+            <a:schemeClr val="accent2">
+              <a:lumMod val="20000"/>
+              <a:lumOff val="80000"/>
+            </a:schemeClr>
+          </a:solidFill>
+          <a:ln w="28575">
+            <a:solidFill>
+              <a:schemeClr val="accent2">
+                <a:lumMod val="75000"/>
+              </a:schemeClr>
+            </a:solidFill>
+          </a:ln>
+        </p:spPr>
+        <p:style>
+          <a:lnRef idx="2">
+            <a:schemeClr val="accent1">
+              <a:shade val="50000"/>
+            </a:schemeClr>
+          </a:lnRef>
+          <a:fillRef idx="1">
+            <a:schemeClr val="accent1"/>
+          </a:fillRef>
+          <a:effectRef idx="0">
+            <a:schemeClr val="accent1"/>
+          </a:effectRef>
+          <a:fontRef idx="minor">
+            <a:schemeClr val="lt1"/>
+          </a:fontRef>
+        </p:style>
+        <p:txBody>
+          <a:bodyPr rtlCol="0" anchor="ctr"/>
+          <a:lstStyle/>
+          <a:p>
+            <a:pPr algn="ctr"/>
+            <a:endParaRPr lang="fr-FR"/>
+          </a:p>
+        </p:txBody>
+      </p:sp>
+      <p:sp>
+        <p:nvSpPr>
+          <p:cNvPr id="20" name="Rectangle: Top Corners Snipped 19">
+            <a:extLst>
+              <a:ext uri="{FF2B5EF4-FFF2-40B4-BE49-F238E27FC236}">
+                <a16:creationId xmlns:a16="http://schemas.microsoft.com/office/drawing/2014/main" id="{9CC79078-C24F-A05A-19ED-AA63E248A1E8}"/>
+              </a:ext>
+            </a:extLst>
+          </p:cNvPr>
+          <p:cNvSpPr/>
+          <p:nvPr/>
+        </p:nvSpPr>
+        <p:spPr>
+          <a:xfrm>
+            <a:off x="5028430" y="1308053"/>
+            <a:ext cx="962025" cy="1095375"/>
+          </a:xfrm>
+          <a:prstGeom prst="snip2SameRect">
+            <a:avLst/>
+          </a:prstGeom>
+          <a:solidFill>
+            <a:schemeClr val="accent2">
+              <a:lumMod val="20000"/>
+              <a:lumOff val="80000"/>
+            </a:schemeClr>
+          </a:solidFill>
+          <a:ln w="28575">
+            <a:solidFill>
+              <a:schemeClr val="accent2">
+                <a:lumMod val="75000"/>
+              </a:schemeClr>
+            </a:solidFill>
+          </a:ln>
+        </p:spPr>
+        <p:style>
+          <a:lnRef idx="2">
+            <a:schemeClr val="accent1">
+              <a:shade val="50000"/>
+            </a:schemeClr>
+          </a:lnRef>
+          <a:fillRef idx="1">
+            <a:schemeClr val="accent1"/>
+          </a:fillRef>
+          <a:effectRef idx="0">
+            <a:schemeClr val="accent1"/>
+          </a:effectRef>
+          <a:fontRef idx="minor">
+            <a:schemeClr val="lt1"/>
+          </a:fontRef>
+        </p:style>
+        <p:txBody>
+          <a:bodyPr rtlCol="0" anchor="ctr"/>
+          <a:lstStyle/>
+          <a:p>
+            <a:pPr algn="ctr"/>
+            <a:endParaRPr lang="fr-FR"/>
+          </a:p>
+        </p:txBody>
+      </p:sp>
+      <p:sp>
+        <p:nvSpPr>
+          <p:cNvPr id="2" name="Rectangle 1">
+            <a:extLst>
+              <a:ext uri="{FF2B5EF4-FFF2-40B4-BE49-F238E27FC236}">
+                <a16:creationId xmlns:a16="http://schemas.microsoft.com/office/drawing/2014/main" id="{67F9A806-6254-A180-6546-7B9C6AF895B7}"/>
+              </a:ext>
+            </a:extLst>
+          </p:cNvPr>
+          <p:cNvSpPr/>
+          <p:nvPr/>
+        </p:nvSpPr>
+        <p:spPr>
+          <a:xfrm rot="486461">
+            <a:off x="5091326" y="1815255"/>
+            <a:ext cx="2291416" cy="307910"/>
+          </a:xfrm>
+          <a:prstGeom prst="rect">
+            <a:avLst/>
+          </a:prstGeom>
+          <a:solidFill>
+            <a:schemeClr val="accent2">
+              <a:lumMod val="20000"/>
+              <a:lumOff val="80000"/>
+            </a:schemeClr>
+          </a:solidFill>
+          <a:ln w="28575">
+            <a:solidFill>
+              <a:schemeClr val="accent2">
+                <a:lumMod val="75000"/>
+              </a:schemeClr>
+            </a:solidFill>
+          </a:ln>
+        </p:spPr>
+        <p:style>
+          <a:lnRef idx="2">
+            <a:schemeClr val="accent1">
+              <a:shade val="50000"/>
+            </a:schemeClr>
+          </a:lnRef>
+          <a:fillRef idx="1">
+            <a:schemeClr val="accent1"/>
+          </a:fillRef>
+          <a:effectRef idx="0">
+            <a:schemeClr val="accent1"/>
+          </a:effectRef>
+          <a:fontRef idx="minor">
+            <a:schemeClr val="lt1"/>
+          </a:fontRef>
+        </p:style>
+        <p:txBody>
+          <a:bodyPr rtlCol="0" anchor="ctr"/>
+          <a:lstStyle/>
+          <a:p>
+            <a:pPr algn="ctr"/>
+            <a:endParaRPr lang="fr-FR"/>
+          </a:p>
+        </p:txBody>
+      </p:sp>
+      <p:sp>
+        <p:nvSpPr>
+          <p:cNvPr id="27" name="Flowchart: Terminator 26">
+            <a:extLst>
+              <a:ext uri="{FF2B5EF4-FFF2-40B4-BE49-F238E27FC236}">
+                <a16:creationId xmlns:a16="http://schemas.microsoft.com/office/drawing/2014/main" id="{DDC91842-0A29-5176-A7E9-5233C3A7B0C6}"/>
+              </a:ext>
+            </a:extLst>
+          </p:cNvPr>
+          <p:cNvSpPr/>
+          <p:nvPr/>
+        </p:nvSpPr>
+        <p:spPr>
+          <a:xfrm rot="5400000">
+            <a:off x="4400290" y="4157562"/>
+            <a:ext cx="2218302" cy="230436"/>
+          </a:xfrm>
+          <a:prstGeom prst="flowChartTerminator">
+            <a:avLst/>
+          </a:prstGeom>
+          <a:noFill/>
+          <a:ln w="38100">
+            <a:solidFill>
+              <a:schemeClr val="tx1"/>
+            </a:solidFill>
+          </a:ln>
+        </p:spPr>
+        <p:style>
+          <a:lnRef idx="2">
+            <a:schemeClr val="accent1">
+              <a:shade val="50000"/>
+            </a:schemeClr>
+          </a:lnRef>
+          <a:fillRef idx="1">
+            <a:schemeClr val="accent1"/>
+          </a:fillRef>
+          <a:effectRef idx="0">
+            <a:schemeClr val="accent1"/>
+          </a:effectRef>
+          <a:fontRef idx="minor">
+            <a:schemeClr val="lt1"/>
+          </a:fontRef>
+        </p:style>
+        <p:txBody>
+          <a:bodyPr rtlCol="0" anchor="ctr"/>
+          <a:lstStyle/>
+          <a:p>
+            <a:pPr algn="ctr"/>
+            <a:endParaRPr lang="fr-FR"/>
+          </a:p>
+        </p:txBody>
+      </p:sp>
+      <p:sp>
+        <p:nvSpPr>
+          <p:cNvPr id="29" name="Oval 28">
+            <a:extLst>
+              <a:ext uri="{FF2B5EF4-FFF2-40B4-BE49-F238E27FC236}">
+                <a16:creationId xmlns:a16="http://schemas.microsoft.com/office/drawing/2014/main" id="{6D8512D5-AC79-B133-32CB-9922D1C888B9}"/>
+              </a:ext>
+            </a:extLst>
+          </p:cNvPr>
+          <p:cNvSpPr/>
+          <p:nvPr/>
+        </p:nvSpPr>
+        <p:spPr>
+          <a:xfrm>
+            <a:off x="5399904" y="5162855"/>
+            <a:ext cx="219075" cy="219075"/>
+          </a:xfrm>
+          <a:prstGeom prst="ellipse">
+            <a:avLst/>
+          </a:prstGeom>
+          <a:solidFill>
+            <a:schemeClr val="bg2">
+              <a:lumMod val="90000"/>
+            </a:schemeClr>
+          </a:solidFill>
+          <a:ln w="19050">
+            <a:solidFill>
+              <a:schemeClr val="tx1">
+                <a:lumMod val="85000"/>
+                <a:lumOff val="15000"/>
+              </a:schemeClr>
+            </a:solidFill>
+          </a:ln>
+        </p:spPr>
+        <p:style>
+          <a:lnRef idx="2">
+            <a:schemeClr val="accent1">
+              <a:shade val="50000"/>
+            </a:schemeClr>
+          </a:lnRef>
+          <a:fillRef idx="1">
+            <a:schemeClr val="accent1"/>
+          </a:fillRef>
+          <a:effectRef idx="0">
+            <a:schemeClr val="accent1"/>
+          </a:effectRef>
+          <a:fontRef idx="minor">
+            <a:schemeClr val="lt1"/>
+          </a:fontRef>
+        </p:style>
+        <p:txBody>
+          <a:bodyPr rtlCol="0" anchor="ctr"/>
+          <a:lstStyle/>
+          <a:p>
+            <a:pPr algn="ctr"/>
+            <a:endParaRPr lang="fr-FR"/>
+          </a:p>
+        </p:txBody>
+      </p:sp>
+      <p:cxnSp>
+        <p:nvCxnSpPr>
+          <p:cNvPr id="32" name="Straight Connector 31">
+            <a:extLst>
+              <a:ext uri="{FF2B5EF4-FFF2-40B4-BE49-F238E27FC236}">
+                <a16:creationId xmlns:a16="http://schemas.microsoft.com/office/drawing/2014/main" id="{AF12C56F-C08F-697B-765E-A722029F4D91}"/>
+              </a:ext>
+            </a:extLst>
+          </p:cNvPr>
+          <p:cNvCxnSpPr>
+            <a:cxnSpLocks/>
+            <a:endCxn id="27" idx="1"/>
+          </p:cNvCxnSpPr>
+          <p:nvPr/>
+        </p:nvCxnSpPr>
+        <p:spPr>
+          <a:xfrm>
+            <a:off x="5113403" y="1803647"/>
+            <a:ext cx="396038" cy="1359982"/>
+          </a:xfrm>
+          <a:prstGeom prst="line">
+            <a:avLst/>
+          </a:prstGeom>
+          <a:ln w="12700">
+            <a:solidFill>
+              <a:srgbClr val="000000"/>
+            </a:solidFill>
+          </a:ln>
+        </p:spPr>
+        <p:style>
+          <a:lnRef idx="1">
+            <a:schemeClr val="accent1"/>
+          </a:lnRef>
+          <a:fillRef idx="0">
+            <a:schemeClr val="accent1"/>
+          </a:fillRef>
+          <a:effectRef idx="0">
+            <a:schemeClr val="accent1"/>
+          </a:effectRef>
+          <a:fontRef idx="minor">
+            <a:schemeClr val="tx1"/>
+          </a:fontRef>
+        </p:style>
+      </p:cxnSp>
+      <p:sp>
+        <p:nvSpPr>
+          <p:cNvPr id="35" name="Oval 34">
+            <a:extLst>
+              <a:ext uri="{FF2B5EF4-FFF2-40B4-BE49-F238E27FC236}">
+                <a16:creationId xmlns:a16="http://schemas.microsoft.com/office/drawing/2014/main" id="{F5CAA981-21BB-862A-AEF1-56E02B61FF7F}"/>
+              </a:ext>
+            </a:extLst>
+          </p:cNvPr>
+          <p:cNvSpPr/>
+          <p:nvPr/>
+        </p:nvSpPr>
+        <p:spPr>
+          <a:xfrm>
+            <a:off x="5877064" y="1773167"/>
+            <a:ext cx="60960" cy="60960"/>
+          </a:xfrm>
+          <a:prstGeom prst="ellipse">
+            <a:avLst/>
+          </a:prstGeom>
+          <a:solidFill>
+            <a:schemeClr val="tx1"/>
+          </a:solidFill>
+          <a:ln>
+            <a:solidFill>
+              <a:srgbClr val="000000"/>
+            </a:solidFill>
+          </a:ln>
+        </p:spPr>
+        <p:style>
+          <a:lnRef idx="2">
+            <a:schemeClr val="accent1">
+              <a:shade val="50000"/>
+            </a:schemeClr>
+          </a:lnRef>
+          <a:fillRef idx="1">
+            <a:schemeClr val="accent1"/>
+          </a:fillRef>
+          <a:effectRef idx="0">
+            <a:schemeClr val="accent1"/>
+          </a:effectRef>
+          <a:fontRef idx="minor">
+            <a:schemeClr val="lt1"/>
+          </a:fontRef>
+        </p:style>
+        <p:txBody>
+          <a:bodyPr rtlCol="0" anchor="ctr"/>
+          <a:lstStyle/>
+          <a:p>
+            <a:pPr algn="ctr"/>
+            <a:endParaRPr lang="fr-FR"/>
+          </a:p>
+        </p:txBody>
+      </p:sp>
+      <p:cxnSp>
+        <p:nvCxnSpPr>
+          <p:cNvPr id="31" name="Straight Connector 30">
+            <a:extLst>
+              <a:ext uri="{FF2B5EF4-FFF2-40B4-BE49-F238E27FC236}">
+                <a16:creationId xmlns:a16="http://schemas.microsoft.com/office/drawing/2014/main" id="{FC695C6A-8F15-85EE-5D72-FBE2FEED7A33}"/>
+              </a:ext>
+            </a:extLst>
+          </p:cNvPr>
+          <p:cNvCxnSpPr>
+            <a:stCxn id="3" idx="3"/>
+            <a:endCxn id="27" idx="1"/>
+          </p:cNvCxnSpPr>
+          <p:nvPr/>
+        </p:nvCxnSpPr>
+        <p:spPr>
+          <a:xfrm flipH="1">
+            <a:off x="5509441" y="1807656"/>
+            <a:ext cx="376600" cy="1355973"/>
+          </a:xfrm>
+          <a:prstGeom prst="line">
+            <a:avLst/>
+          </a:prstGeom>
+          <a:ln w="12700">
+            <a:solidFill>
+              <a:srgbClr val="000000"/>
+            </a:solidFill>
+          </a:ln>
+        </p:spPr>
+        <p:style>
+          <a:lnRef idx="1">
+            <a:schemeClr val="accent1"/>
+          </a:lnRef>
+          <a:fillRef idx="0">
+            <a:schemeClr val="accent1"/>
+          </a:fillRef>
+          <a:effectRef idx="0">
+            <a:schemeClr val="accent1"/>
+          </a:effectRef>
+          <a:fontRef idx="minor">
+            <a:schemeClr val="tx1"/>
+          </a:fontRef>
+        </p:style>
+      </p:cxnSp>
+      <p:sp>
+        <p:nvSpPr>
+          <p:cNvPr id="37" name="Oval 36">
+            <a:extLst>
+              <a:ext uri="{FF2B5EF4-FFF2-40B4-BE49-F238E27FC236}">
+                <a16:creationId xmlns:a16="http://schemas.microsoft.com/office/drawing/2014/main" id="{96A8261F-5171-8347-039C-FADD4CE944B2}"/>
+              </a:ext>
+            </a:extLst>
+          </p:cNvPr>
+          <p:cNvSpPr/>
+          <p:nvPr/>
+        </p:nvSpPr>
+        <p:spPr>
+          <a:xfrm>
+            <a:off x="5071886" y="1773167"/>
+            <a:ext cx="60960" cy="60960"/>
+          </a:xfrm>
+          <a:prstGeom prst="ellipse">
+            <a:avLst/>
+          </a:prstGeom>
+          <a:solidFill>
+            <a:schemeClr val="tx1"/>
+          </a:solidFill>
+          <a:ln>
+            <a:solidFill>
+              <a:srgbClr val="000000"/>
+            </a:solidFill>
+          </a:ln>
+        </p:spPr>
+        <p:style>
+          <a:lnRef idx="2">
+            <a:schemeClr val="accent1">
+              <a:shade val="50000"/>
+            </a:schemeClr>
+          </a:lnRef>
+          <a:fillRef idx="1">
+            <a:schemeClr val="accent1"/>
+          </a:fillRef>
+          <a:effectRef idx="0">
+            <a:schemeClr val="accent1"/>
+          </a:effectRef>
+          <a:fontRef idx="minor">
+            <a:schemeClr val="lt1"/>
+          </a:fontRef>
+        </p:style>
+        <p:txBody>
+          <a:bodyPr rtlCol="0" anchor="ctr"/>
+          <a:lstStyle/>
+          <a:p>
+            <a:pPr algn="ctr"/>
+            <a:endParaRPr lang="fr-FR"/>
+          </a:p>
+        </p:txBody>
+      </p:sp>
+      <p:sp>
+        <p:nvSpPr>
+          <p:cNvPr id="3" name="Rectangle 2">
+            <a:extLst>
+              <a:ext uri="{FF2B5EF4-FFF2-40B4-BE49-F238E27FC236}">
+                <a16:creationId xmlns:a16="http://schemas.microsoft.com/office/drawing/2014/main" id="{7339B490-C65C-70A3-E9E8-09F915978681}"/>
+              </a:ext>
+            </a:extLst>
+          </p:cNvPr>
+          <p:cNvSpPr/>
+          <p:nvPr/>
+        </p:nvSpPr>
+        <p:spPr>
+          <a:xfrm rot="21118281">
+            <a:off x="3575338" y="1815862"/>
+            <a:ext cx="2322083" cy="307910"/>
+          </a:xfrm>
+          <a:prstGeom prst="rect">
+            <a:avLst/>
+          </a:prstGeom>
+          <a:solidFill>
+            <a:srgbClr val="FBE5D6">
+              <a:alpha val="41176"/>
+            </a:srgbClr>
+          </a:solidFill>
+          <a:ln w="28575">
+            <a:solidFill>
+              <a:schemeClr val="accent2">
+                <a:lumMod val="75000"/>
+              </a:schemeClr>
+            </a:solidFill>
+          </a:ln>
+        </p:spPr>
+        <p:style>
+          <a:lnRef idx="2">
+            <a:schemeClr val="accent1">
+              <a:shade val="50000"/>
+            </a:schemeClr>
+          </a:lnRef>
+          <a:fillRef idx="1">
+            <a:schemeClr val="accent1"/>
+          </a:fillRef>
+          <a:effectRef idx="0">
+            <a:schemeClr val="accent1"/>
+          </a:effectRef>
+          <a:fontRef idx="minor">
+            <a:schemeClr val="lt1"/>
+          </a:fontRef>
+        </p:style>
+        <p:txBody>
+          <a:bodyPr rtlCol="0" anchor="ctr"/>
+          <a:lstStyle/>
+          <a:p>
+            <a:pPr algn="ctr"/>
+            <a:endParaRPr lang="fr-FR"/>
+          </a:p>
+        </p:txBody>
+      </p:sp>
+      <p:sp>
+        <p:nvSpPr>
+          <p:cNvPr id="23" name="Oval 22">
+            <a:extLst>
+              <a:ext uri="{FF2B5EF4-FFF2-40B4-BE49-F238E27FC236}">
+                <a16:creationId xmlns:a16="http://schemas.microsoft.com/office/drawing/2014/main" id="{259B2D36-9130-1C1E-42B9-BE374AB05ABA}"/>
+              </a:ext>
+            </a:extLst>
+          </p:cNvPr>
+          <p:cNvSpPr/>
+          <p:nvPr/>
+        </p:nvSpPr>
+        <p:spPr>
+          <a:xfrm>
+            <a:off x="5399904" y="1746202"/>
+            <a:ext cx="219075" cy="219075"/>
+          </a:xfrm>
+          <a:prstGeom prst="ellipse">
+            <a:avLst/>
+          </a:prstGeom>
+          <a:solidFill>
+            <a:schemeClr val="bg2">
+              <a:lumMod val="90000"/>
+            </a:schemeClr>
+          </a:solidFill>
+          <a:ln w="19050">
+            <a:solidFill>
+              <a:schemeClr val="tx1">
+                <a:lumMod val="85000"/>
+                <a:lumOff val="15000"/>
+              </a:schemeClr>
+            </a:solidFill>
+          </a:ln>
+        </p:spPr>
+        <p:style>
+          <a:lnRef idx="2">
+            <a:schemeClr val="accent1">
+              <a:shade val="50000"/>
+            </a:schemeClr>
+          </a:lnRef>
+          <a:fillRef idx="1">
+            <a:schemeClr val="accent1"/>
+          </a:fillRef>
+          <a:effectRef idx="0">
+            <a:schemeClr val="accent1"/>
+          </a:effectRef>
+          <a:fontRef idx="minor">
+            <a:schemeClr val="lt1"/>
+          </a:fontRef>
+        </p:style>
+        <p:txBody>
+          <a:bodyPr rtlCol="0" anchor="ctr"/>
+          <a:lstStyle/>
+          <a:p>
+            <a:pPr algn="ctr"/>
+            <a:endParaRPr lang="fr-FR"/>
+          </a:p>
+        </p:txBody>
+      </p:sp>
+      <p:sp>
+        <p:nvSpPr>
+          <p:cNvPr id="51" name="Rectangle 50">
+            <a:extLst>
+              <a:ext uri="{FF2B5EF4-FFF2-40B4-BE49-F238E27FC236}">
+                <a16:creationId xmlns:a16="http://schemas.microsoft.com/office/drawing/2014/main" id="{B65E5BD7-A186-2A70-9F13-AA0B151A0F9F}"/>
+              </a:ext>
+            </a:extLst>
+          </p:cNvPr>
+          <p:cNvSpPr/>
+          <p:nvPr/>
+        </p:nvSpPr>
+        <p:spPr>
+          <a:xfrm>
+            <a:off x="4921818" y="1642219"/>
+            <a:ext cx="106612" cy="88106"/>
+          </a:xfrm>
+          <a:prstGeom prst="rect">
+            <a:avLst/>
+          </a:prstGeom>
+          <a:solidFill>
+            <a:schemeClr val="accent2">
+              <a:lumMod val="20000"/>
+              <a:lumOff val="80000"/>
+            </a:schemeClr>
+          </a:solidFill>
+          <a:ln w="28575">
+            <a:solidFill>
+              <a:schemeClr val="accent2">
+                <a:lumMod val="75000"/>
+              </a:schemeClr>
+            </a:solidFill>
+          </a:ln>
+        </p:spPr>
+        <p:style>
+          <a:lnRef idx="2">
+            <a:schemeClr val="accent1">
+              <a:shade val="50000"/>
+            </a:schemeClr>
+          </a:lnRef>
+          <a:fillRef idx="1">
+            <a:schemeClr val="accent1"/>
+          </a:fillRef>
+          <a:effectRef idx="0">
+            <a:schemeClr val="accent1"/>
+          </a:effectRef>
+          <a:fontRef idx="minor">
+            <a:schemeClr val="lt1"/>
+          </a:fontRef>
+        </p:style>
+        <p:txBody>
+          <a:bodyPr rtlCol="0" anchor="ctr"/>
+          <a:lstStyle/>
+          <a:p>
+            <a:pPr algn="ctr"/>
+            <a:endParaRPr lang="fr-FR"/>
+          </a:p>
+        </p:txBody>
+      </p:sp>
+      <p:sp>
+        <p:nvSpPr>
+          <p:cNvPr id="52" name="Rectangle 51">
+            <a:extLst>
+              <a:ext uri="{FF2B5EF4-FFF2-40B4-BE49-F238E27FC236}">
+                <a16:creationId xmlns:a16="http://schemas.microsoft.com/office/drawing/2014/main" id="{14B4E0CC-0127-0F2A-76EC-F5971AFB040A}"/>
+              </a:ext>
+            </a:extLst>
+          </p:cNvPr>
+          <p:cNvSpPr/>
+          <p:nvPr/>
+        </p:nvSpPr>
+        <p:spPr>
+          <a:xfrm>
+            <a:off x="5999633" y="1642219"/>
+            <a:ext cx="106612" cy="88106"/>
+          </a:xfrm>
+          <a:prstGeom prst="rect">
+            <a:avLst/>
+          </a:prstGeom>
+          <a:solidFill>
+            <a:schemeClr val="accent2">
+              <a:lumMod val="20000"/>
+              <a:lumOff val="80000"/>
+            </a:schemeClr>
+          </a:solidFill>
+          <a:ln w="28575">
+            <a:solidFill>
+              <a:schemeClr val="accent2">
+                <a:lumMod val="75000"/>
+              </a:schemeClr>
+            </a:solidFill>
+          </a:ln>
+        </p:spPr>
+        <p:style>
+          <a:lnRef idx="2">
+            <a:schemeClr val="accent1">
+              <a:shade val="50000"/>
+            </a:schemeClr>
+          </a:lnRef>
+          <a:fillRef idx="1">
+            <a:schemeClr val="accent1"/>
+          </a:fillRef>
+          <a:effectRef idx="0">
+            <a:schemeClr val="accent1"/>
+          </a:effectRef>
+          <a:fontRef idx="minor">
+            <a:schemeClr val="lt1"/>
+          </a:fontRef>
+        </p:style>
+        <p:txBody>
+          <a:bodyPr rtlCol="0" anchor="ctr"/>
+          <a:lstStyle/>
+          <a:p>
+            <a:pPr algn="ctr"/>
+            <a:endParaRPr lang="fr-FR"/>
+          </a:p>
+        </p:txBody>
+      </p:sp>
+      <p:sp>
+        <p:nvSpPr>
+          <p:cNvPr id="53" name="Rectangle 52">
+            <a:extLst>
+              <a:ext uri="{FF2B5EF4-FFF2-40B4-BE49-F238E27FC236}">
+                <a16:creationId xmlns:a16="http://schemas.microsoft.com/office/drawing/2014/main" id="{C2F7CEF8-3B7A-5063-648F-466CEC803565}"/>
+              </a:ext>
+            </a:extLst>
+          </p:cNvPr>
+          <p:cNvSpPr/>
+          <p:nvPr/>
+        </p:nvSpPr>
+        <p:spPr>
+          <a:xfrm rot="16200000">
+            <a:off x="-129784" y="3669862"/>
+            <a:ext cx="3170023" cy="539253"/>
+          </a:xfrm>
+          <a:prstGeom prst="rect">
+            <a:avLst/>
+          </a:prstGeom>
+          <a:solidFill>
+            <a:schemeClr val="accent2">
+              <a:lumMod val="20000"/>
+              <a:lumOff val="80000"/>
+            </a:schemeClr>
+          </a:solidFill>
+          <a:ln w="28575">
+            <a:solidFill>
+              <a:schemeClr val="accent2">
+                <a:lumMod val="75000"/>
+              </a:schemeClr>
+            </a:solidFill>
+          </a:ln>
+        </p:spPr>
+        <p:style>
+          <a:lnRef idx="2">
+            <a:schemeClr val="accent1">
+              <a:shade val="50000"/>
+            </a:schemeClr>
+          </a:lnRef>
+          <a:fillRef idx="1">
+            <a:schemeClr val="accent1"/>
+          </a:fillRef>
+          <a:effectRef idx="0">
+            <a:schemeClr val="accent1"/>
+          </a:effectRef>
+          <a:fontRef idx="minor">
+            <a:schemeClr val="lt1"/>
+          </a:fontRef>
+        </p:style>
+        <p:txBody>
+          <a:bodyPr rtlCol="0" anchor="ctr"/>
+          <a:lstStyle/>
+          <a:p>
+            <a:pPr algn="ctr"/>
+            <a:endParaRPr lang="fr-FR"/>
+          </a:p>
+        </p:txBody>
+      </p:sp>
+      <p:sp>
+        <p:nvSpPr>
+          <p:cNvPr id="54" name="Rectangle: Top Corners Snipped 53">
+            <a:extLst>
+              <a:ext uri="{FF2B5EF4-FFF2-40B4-BE49-F238E27FC236}">
+                <a16:creationId xmlns:a16="http://schemas.microsoft.com/office/drawing/2014/main" id="{6532F2A5-AEA5-F5A1-2849-DF8F9A16B06F}"/>
+              </a:ext>
+            </a:extLst>
+          </p:cNvPr>
+          <p:cNvSpPr/>
+          <p:nvPr/>
+        </p:nvSpPr>
+        <p:spPr>
+          <a:xfrm>
+            <a:off x="974214" y="1259103"/>
+            <a:ext cx="962025" cy="1095375"/>
+          </a:xfrm>
+          <a:prstGeom prst="snip2SameRect">
+            <a:avLst/>
+          </a:prstGeom>
+          <a:solidFill>
+            <a:schemeClr val="accent2">
+              <a:lumMod val="20000"/>
+              <a:lumOff val="80000"/>
+            </a:schemeClr>
+          </a:solidFill>
+          <a:ln w="28575">
+            <a:solidFill>
+              <a:schemeClr val="accent2">
+                <a:lumMod val="75000"/>
+              </a:schemeClr>
+            </a:solidFill>
+          </a:ln>
+        </p:spPr>
+        <p:style>
+          <a:lnRef idx="2">
+            <a:schemeClr val="accent1">
+              <a:shade val="50000"/>
+            </a:schemeClr>
+          </a:lnRef>
+          <a:fillRef idx="1">
+            <a:schemeClr val="accent1"/>
+          </a:fillRef>
+          <a:effectRef idx="0">
+            <a:schemeClr val="accent1"/>
+          </a:effectRef>
+          <a:fontRef idx="minor">
+            <a:schemeClr val="lt1"/>
+          </a:fontRef>
+        </p:style>
+        <p:txBody>
+          <a:bodyPr rtlCol="0" anchor="ctr"/>
+          <a:lstStyle/>
+          <a:p>
+            <a:pPr algn="ctr"/>
+            <a:endParaRPr lang="fr-FR"/>
+          </a:p>
+        </p:txBody>
+      </p:sp>
+      <p:sp>
+        <p:nvSpPr>
+          <p:cNvPr id="55" name="Rectangle 54">
+            <a:extLst>
+              <a:ext uri="{FF2B5EF4-FFF2-40B4-BE49-F238E27FC236}">
+                <a16:creationId xmlns:a16="http://schemas.microsoft.com/office/drawing/2014/main" id="{6A35AF03-09AB-BAE2-98FF-04F807C49186}"/>
+              </a:ext>
+            </a:extLst>
+          </p:cNvPr>
+          <p:cNvSpPr/>
+          <p:nvPr/>
+        </p:nvSpPr>
+        <p:spPr>
+          <a:xfrm rot="4287520">
+            <a:off x="567560" y="2391738"/>
+            <a:ext cx="2291416" cy="307910"/>
+          </a:xfrm>
+          <a:prstGeom prst="rect">
+            <a:avLst/>
+          </a:prstGeom>
+          <a:solidFill>
+            <a:schemeClr val="accent2">
+              <a:lumMod val="20000"/>
+              <a:lumOff val="80000"/>
+            </a:schemeClr>
+          </a:solidFill>
+          <a:ln w="28575">
+            <a:solidFill>
+              <a:schemeClr val="accent2">
+                <a:lumMod val="75000"/>
+              </a:schemeClr>
+            </a:solidFill>
+          </a:ln>
+        </p:spPr>
+        <p:style>
+          <a:lnRef idx="2">
+            <a:schemeClr val="accent1">
+              <a:shade val="50000"/>
+            </a:schemeClr>
+          </a:lnRef>
+          <a:fillRef idx="1">
+            <a:schemeClr val="accent1"/>
+          </a:fillRef>
+          <a:effectRef idx="0">
+            <a:schemeClr val="accent1"/>
+          </a:effectRef>
+          <a:fontRef idx="minor">
+            <a:schemeClr val="lt1"/>
+          </a:fontRef>
+        </p:style>
+        <p:txBody>
+          <a:bodyPr rtlCol="0" anchor="ctr"/>
+          <a:lstStyle/>
+          <a:p>
+            <a:pPr algn="ctr"/>
+            <a:endParaRPr lang="fr-FR"/>
+          </a:p>
+        </p:txBody>
+      </p:sp>
+      <p:sp>
+        <p:nvSpPr>
+          <p:cNvPr id="56" name="Flowchart: Terminator 55">
+            <a:extLst>
+              <a:ext uri="{FF2B5EF4-FFF2-40B4-BE49-F238E27FC236}">
+                <a16:creationId xmlns:a16="http://schemas.microsoft.com/office/drawing/2014/main" id="{B1BAE6D8-BEA1-4A73-39CF-C04C7CBDA6DD}"/>
+              </a:ext>
+            </a:extLst>
+          </p:cNvPr>
+          <p:cNvSpPr/>
+          <p:nvPr/>
+        </p:nvSpPr>
+        <p:spPr>
+          <a:xfrm rot="5400000">
+            <a:off x="153191" y="3915730"/>
+            <a:ext cx="2604067" cy="230436"/>
+          </a:xfrm>
+          <a:prstGeom prst="flowChartTerminator">
+            <a:avLst/>
+          </a:prstGeom>
+          <a:noFill/>
+          <a:ln w="38100">
+            <a:solidFill>
+              <a:schemeClr val="tx1"/>
+            </a:solidFill>
+          </a:ln>
+        </p:spPr>
+        <p:style>
+          <a:lnRef idx="2">
+            <a:schemeClr val="accent1">
+              <a:shade val="50000"/>
+            </a:schemeClr>
+          </a:lnRef>
+          <a:fillRef idx="1">
+            <a:schemeClr val="accent1"/>
+          </a:fillRef>
+          <a:effectRef idx="0">
+            <a:schemeClr val="accent1"/>
+          </a:effectRef>
+          <a:fontRef idx="minor">
+            <a:schemeClr val="lt1"/>
+          </a:fontRef>
+        </p:style>
+        <p:txBody>
+          <a:bodyPr rtlCol="0" anchor="ctr"/>
+          <a:lstStyle/>
+          <a:p>
+            <a:pPr algn="ctr"/>
+            <a:endParaRPr lang="fr-FR"/>
+          </a:p>
+        </p:txBody>
+      </p:sp>
+      <p:sp>
+        <p:nvSpPr>
+          <p:cNvPr id="57" name="Oval 56">
+            <a:extLst>
+              <a:ext uri="{FF2B5EF4-FFF2-40B4-BE49-F238E27FC236}">
+                <a16:creationId xmlns:a16="http://schemas.microsoft.com/office/drawing/2014/main" id="{84B2D56C-D26E-FB63-3702-67121906B204}"/>
+              </a:ext>
+            </a:extLst>
+          </p:cNvPr>
+          <p:cNvSpPr/>
+          <p:nvPr/>
+        </p:nvSpPr>
+        <p:spPr>
+          <a:xfrm>
+            <a:off x="1345688" y="5113905"/>
+            <a:ext cx="219075" cy="219075"/>
+          </a:xfrm>
+          <a:prstGeom prst="ellipse">
+            <a:avLst/>
+          </a:prstGeom>
+          <a:solidFill>
+            <a:schemeClr val="bg2">
+              <a:lumMod val="90000"/>
+            </a:schemeClr>
+          </a:solidFill>
+          <a:ln w="19050">
+            <a:solidFill>
+              <a:schemeClr val="tx1">
+                <a:lumMod val="85000"/>
+                <a:lumOff val="15000"/>
+              </a:schemeClr>
+            </a:solidFill>
+          </a:ln>
+        </p:spPr>
+        <p:style>
+          <a:lnRef idx="2">
+            <a:schemeClr val="accent1">
+              <a:shade val="50000"/>
+            </a:schemeClr>
+          </a:lnRef>
+          <a:fillRef idx="1">
+            <a:schemeClr val="accent1"/>
+          </a:fillRef>
+          <a:effectRef idx="0">
+            <a:schemeClr val="accent1"/>
+          </a:effectRef>
+          <a:fontRef idx="minor">
+            <a:schemeClr val="lt1"/>
+          </a:fontRef>
+        </p:style>
+        <p:txBody>
+          <a:bodyPr rtlCol="0" anchor="ctr"/>
+          <a:lstStyle/>
+          <a:p>
+            <a:pPr algn="ctr"/>
+            <a:endParaRPr lang="fr-FR"/>
+          </a:p>
+        </p:txBody>
+      </p:sp>
+      <p:cxnSp>
+        <p:nvCxnSpPr>
+          <p:cNvPr id="58" name="Straight Connector 57">
+            <a:extLst>
+              <a:ext uri="{FF2B5EF4-FFF2-40B4-BE49-F238E27FC236}">
+                <a16:creationId xmlns:a16="http://schemas.microsoft.com/office/drawing/2014/main" id="{576633D1-E365-E0C0-9E72-E8B157E6FC9A}"/>
+              </a:ext>
+            </a:extLst>
+          </p:cNvPr>
+          <p:cNvCxnSpPr>
+            <a:cxnSpLocks/>
+            <a:stCxn id="61" idx="4"/>
+            <a:endCxn id="56" idx="1"/>
+          </p:cNvCxnSpPr>
+          <p:nvPr/>
+        </p:nvCxnSpPr>
+        <p:spPr>
+          <a:xfrm>
+            <a:off x="1334641" y="1486098"/>
+            <a:ext cx="120584" cy="1242817"/>
+          </a:xfrm>
+          <a:prstGeom prst="line">
+            <a:avLst/>
+          </a:prstGeom>
+          <a:ln w="12700">
+            <a:solidFill>
+              <a:srgbClr val="000000"/>
+            </a:solidFill>
+          </a:ln>
+        </p:spPr>
+        <p:style>
+          <a:lnRef idx="1">
+            <a:schemeClr val="accent1"/>
+          </a:lnRef>
+          <a:fillRef idx="0">
+            <a:schemeClr val="accent1"/>
+          </a:fillRef>
+          <a:effectRef idx="0">
+            <a:schemeClr val="accent1"/>
+          </a:effectRef>
+          <a:fontRef idx="minor">
+            <a:schemeClr val="tx1"/>
+          </a:fontRef>
+        </p:style>
+      </p:cxnSp>
+      <p:sp>
+        <p:nvSpPr>
+          <p:cNvPr id="59" name="Oval 58">
+            <a:extLst>
+              <a:ext uri="{FF2B5EF4-FFF2-40B4-BE49-F238E27FC236}">
+                <a16:creationId xmlns:a16="http://schemas.microsoft.com/office/drawing/2014/main" id="{343173B6-9998-0E31-46DE-932CE9050290}"/>
+              </a:ext>
+            </a:extLst>
+          </p:cNvPr>
+          <p:cNvSpPr/>
+          <p:nvPr/>
+        </p:nvSpPr>
+        <p:spPr>
+          <a:xfrm>
+            <a:off x="1528260" y="1430037"/>
+            <a:ext cx="60960" cy="60960"/>
+          </a:xfrm>
+          <a:prstGeom prst="ellipse">
+            <a:avLst/>
+          </a:prstGeom>
+          <a:solidFill>
+            <a:schemeClr val="tx1"/>
+          </a:solidFill>
+          <a:ln>
+            <a:solidFill>
+              <a:srgbClr val="000000"/>
+            </a:solidFill>
+          </a:ln>
+        </p:spPr>
+        <p:style>
+          <a:lnRef idx="2">
+            <a:schemeClr val="accent1">
+              <a:shade val="50000"/>
+            </a:schemeClr>
+          </a:lnRef>
+          <a:fillRef idx="1">
+            <a:schemeClr val="accent1"/>
+          </a:fillRef>
+          <a:effectRef idx="0">
+            <a:schemeClr val="accent1"/>
+          </a:effectRef>
+          <a:fontRef idx="minor">
+            <a:schemeClr val="lt1"/>
+          </a:fontRef>
+        </p:style>
+        <p:txBody>
+          <a:bodyPr rtlCol="0" anchor="ctr"/>
+          <a:lstStyle/>
+          <a:p>
+            <a:pPr algn="ctr"/>
+            <a:endParaRPr lang="fr-FR"/>
+          </a:p>
+        </p:txBody>
+      </p:sp>
+      <p:cxnSp>
+        <p:nvCxnSpPr>
+          <p:cNvPr id="60" name="Straight Connector 59">
+            <a:extLst>
+              <a:ext uri="{FF2B5EF4-FFF2-40B4-BE49-F238E27FC236}">
+                <a16:creationId xmlns:a16="http://schemas.microsoft.com/office/drawing/2014/main" id="{E5151CD9-0C51-CE7C-EEEB-3E97A3BDF85C}"/>
+              </a:ext>
+            </a:extLst>
+          </p:cNvPr>
+          <p:cNvCxnSpPr>
+            <a:cxnSpLocks/>
+            <a:stCxn id="62" idx="3"/>
+            <a:endCxn id="56" idx="1"/>
+          </p:cNvCxnSpPr>
+          <p:nvPr/>
+        </p:nvCxnSpPr>
+        <p:spPr>
+          <a:xfrm flipH="1">
+            <a:off x="1455225" y="1451700"/>
+            <a:ext cx="121290" cy="1277215"/>
+          </a:xfrm>
+          <a:prstGeom prst="line">
+            <a:avLst/>
+          </a:prstGeom>
+          <a:ln w="12700">
+            <a:solidFill>
+              <a:srgbClr val="000000"/>
+            </a:solidFill>
+          </a:ln>
+        </p:spPr>
+        <p:style>
+          <a:lnRef idx="1">
+            <a:schemeClr val="accent1"/>
+          </a:lnRef>
+          <a:fillRef idx="0">
+            <a:schemeClr val="accent1"/>
+          </a:fillRef>
+          <a:effectRef idx="0">
+            <a:schemeClr val="accent1"/>
+          </a:effectRef>
+          <a:fontRef idx="minor">
+            <a:schemeClr val="tx1"/>
+          </a:fontRef>
+        </p:style>
+      </p:cxnSp>
+      <p:sp>
+        <p:nvSpPr>
+          <p:cNvPr id="61" name="Oval 60">
+            <a:extLst>
+              <a:ext uri="{FF2B5EF4-FFF2-40B4-BE49-F238E27FC236}">
+                <a16:creationId xmlns:a16="http://schemas.microsoft.com/office/drawing/2014/main" id="{5C5FEA47-D9AF-14B9-2206-841F16266DCA}"/>
+              </a:ext>
+            </a:extLst>
+          </p:cNvPr>
+          <p:cNvSpPr/>
+          <p:nvPr/>
+        </p:nvSpPr>
+        <p:spPr>
+          <a:xfrm>
+            <a:off x="1304161" y="1425138"/>
+            <a:ext cx="60960" cy="60960"/>
+          </a:xfrm>
+          <a:prstGeom prst="ellipse">
+            <a:avLst/>
+          </a:prstGeom>
+          <a:solidFill>
+            <a:schemeClr val="tx1"/>
+          </a:solidFill>
+          <a:ln>
+            <a:solidFill>
+              <a:srgbClr val="000000"/>
+            </a:solidFill>
+          </a:ln>
+        </p:spPr>
+        <p:style>
+          <a:lnRef idx="2">
+            <a:schemeClr val="accent1">
+              <a:shade val="50000"/>
+            </a:schemeClr>
+          </a:lnRef>
+          <a:fillRef idx="1">
+            <a:schemeClr val="accent1"/>
+          </a:fillRef>
+          <a:effectRef idx="0">
+            <a:schemeClr val="accent1"/>
+          </a:effectRef>
+          <a:fontRef idx="minor">
+            <a:schemeClr val="lt1"/>
+          </a:fontRef>
+        </p:style>
+        <p:txBody>
+          <a:bodyPr rtlCol="0" anchor="ctr"/>
+          <a:lstStyle/>
+          <a:p>
+            <a:pPr algn="ctr"/>
+            <a:endParaRPr lang="fr-FR"/>
+          </a:p>
+        </p:txBody>
+      </p:sp>
+      <p:sp>
+        <p:nvSpPr>
+          <p:cNvPr id="62" name="Rectangle 61">
+            <a:extLst>
+              <a:ext uri="{FF2B5EF4-FFF2-40B4-BE49-F238E27FC236}">
+                <a16:creationId xmlns:a16="http://schemas.microsoft.com/office/drawing/2014/main" id="{30F15CAB-1389-4BFA-C35A-22E72624677D}"/>
+              </a:ext>
+            </a:extLst>
+          </p:cNvPr>
+          <p:cNvSpPr/>
+          <p:nvPr/>
+        </p:nvSpPr>
+        <p:spPr>
+          <a:xfrm rot="17131455">
+            <a:off x="104725" y="2416429"/>
+            <a:ext cx="2322083" cy="307910"/>
+          </a:xfrm>
+          <a:prstGeom prst="rect">
+            <a:avLst/>
+          </a:prstGeom>
+          <a:solidFill>
+            <a:srgbClr val="FBE5D6">
+              <a:alpha val="41176"/>
+            </a:srgbClr>
+          </a:solidFill>
+          <a:ln w="28575">
+            <a:solidFill>
+              <a:schemeClr val="accent2">
+                <a:lumMod val="75000"/>
+              </a:schemeClr>
+            </a:solidFill>
+          </a:ln>
+        </p:spPr>
+        <p:style>
+          <a:lnRef idx="2">
+            <a:schemeClr val="accent1">
+              <a:shade val="50000"/>
+            </a:schemeClr>
+          </a:lnRef>
+          <a:fillRef idx="1">
+            <a:schemeClr val="accent1"/>
+          </a:fillRef>
+          <a:effectRef idx="0">
+            <a:schemeClr val="accent1"/>
+          </a:effectRef>
+          <a:fontRef idx="minor">
+            <a:schemeClr val="lt1"/>
+          </a:fontRef>
+        </p:style>
+        <p:txBody>
+          <a:bodyPr rtlCol="0" anchor="ctr"/>
+          <a:lstStyle/>
+          <a:p>
+            <a:pPr algn="ctr"/>
+            <a:endParaRPr lang="fr-FR"/>
+          </a:p>
+        </p:txBody>
+      </p:sp>
+      <p:sp>
+        <p:nvSpPr>
+          <p:cNvPr id="63" name="Oval 62">
+            <a:extLst>
+              <a:ext uri="{FF2B5EF4-FFF2-40B4-BE49-F238E27FC236}">
+                <a16:creationId xmlns:a16="http://schemas.microsoft.com/office/drawing/2014/main" id="{C8883024-4BDA-1FED-8FF0-053632E3AE2D}"/>
+              </a:ext>
+            </a:extLst>
+          </p:cNvPr>
+          <p:cNvSpPr/>
+          <p:nvPr/>
+        </p:nvSpPr>
+        <p:spPr>
+          <a:xfrm>
+            <a:off x="1345688" y="1697252"/>
+            <a:ext cx="219075" cy="219075"/>
+          </a:xfrm>
+          <a:prstGeom prst="ellipse">
+            <a:avLst/>
+          </a:prstGeom>
+          <a:solidFill>
+            <a:schemeClr val="bg2">
+              <a:lumMod val="90000"/>
+            </a:schemeClr>
+          </a:solidFill>
+          <a:ln w="19050">
+            <a:solidFill>
+              <a:schemeClr val="tx1">
+                <a:lumMod val="85000"/>
+                <a:lumOff val="15000"/>
+              </a:schemeClr>
+            </a:solidFill>
+          </a:ln>
+        </p:spPr>
+        <p:style>
+          <a:lnRef idx="2">
+            <a:schemeClr val="accent1">
+              <a:shade val="50000"/>
+            </a:schemeClr>
+          </a:lnRef>
+          <a:fillRef idx="1">
+            <a:schemeClr val="accent1"/>
+          </a:fillRef>
+          <a:effectRef idx="0">
+            <a:schemeClr val="accent1"/>
+          </a:effectRef>
+          <a:fontRef idx="minor">
+            <a:schemeClr val="lt1"/>
+          </a:fontRef>
+        </p:style>
+        <p:txBody>
+          <a:bodyPr rtlCol="0" anchor="ctr"/>
+          <a:lstStyle/>
+          <a:p>
+            <a:pPr algn="ctr"/>
+            <a:endParaRPr lang="fr-FR"/>
+          </a:p>
+        </p:txBody>
+      </p:sp>
+      <p:sp>
+        <p:nvSpPr>
+          <p:cNvPr id="64" name="Rectangle 63">
+            <a:extLst>
+              <a:ext uri="{FF2B5EF4-FFF2-40B4-BE49-F238E27FC236}">
+                <a16:creationId xmlns:a16="http://schemas.microsoft.com/office/drawing/2014/main" id="{C19216C4-5602-93FE-607D-048F389A0117}"/>
+              </a:ext>
+            </a:extLst>
+          </p:cNvPr>
+          <p:cNvSpPr/>
+          <p:nvPr/>
+        </p:nvSpPr>
+        <p:spPr>
+          <a:xfrm>
+            <a:off x="867602" y="1593269"/>
+            <a:ext cx="106612" cy="88106"/>
+          </a:xfrm>
+          <a:prstGeom prst="rect">
+            <a:avLst/>
+          </a:prstGeom>
+          <a:solidFill>
+            <a:schemeClr val="accent2">
+              <a:lumMod val="20000"/>
+              <a:lumOff val="80000"/>
+            </a:schemeClr>
+          </a:solidFill>
+          <a:ln w="28575">
+            <a:solidFill>
+              <a:schemeClr val="accent2">
+                <a:lumMod val="75000"/>
+              </a:schemeClr>
+            </a:solidFill>
+          </a:ln>
+        </p:spPr>
+        <p:style>
+          <a:lnRef idx="2">
+            <a:schemeClr val="accent1">
+              <a:shade val="50000"/>
+            </a:schemeClr>
+          </a:lnRef>
+          <a:fillRef idx="1">
+            <a:schemeClr val="accent1"/>
+          </a:fillRef>
+          <a:effectRef idx="0">
+            <a:schemeClr val="accent1"/>
+          </a:effectRef>
+          <a:fontRef idx="minor">
+            <a:schemeClr val="lt1"/>
+          </a:fontRef>
+        </p:style>
+        <p:txBody>
+          <a:bodyPr rtlCol="0" anchor="ctr"/>
+          <a:lstStyle/>
+          <a:p>
+            <a:pPr algn="ctr"/>
+            <a:endParaRPr lang="fr-FR"/>
+          </a:p>
+        </p:txBody>
+      </p:sp>
+      <p:sp>
+        <p:nvSpPr>
+          <p:cNvPr id="65" name="Rectangle 64">
+            <a:extLst>
+              <a:ext uri="{FF2B5EF4-FFF2-40B4-BE49-F238E27FC236}">
+                <a16:creationId xmlns:a16="http://schemas.microsoft.com/office/drawing/2014/main" id="{4A089D56-EF1C-74DA-93FB-F9F113A8F263}"/>
+              </a:ext>
+            </a:extLst>
+          </p:cNvPr>
+          <p:cNvSpPr/>
+          <p:nvPr/>
+        </p:nvSpPr>
+        <p:spPr>
+          <a:xfrm>
+            <a:off x="1945417" y="1593269"/>
+            <a:ext cx="106612" cy="88106"/>
+          </a:xfrm>
+          <a:prstGeom prst="rect">
+            <a:avLst/>
+          </a:prstGeom>
+          <a:solidFill>
+            <a:schemeClr val="accent2">
+              <a:lumMod val="20000"/>
+              <a:lumOff val="80000"/>
+            </a:schemeClr>
+          </a:solidFill>
+          <a:ln w="28575">
+            <a:solidFill>
+              <a:schemeClr val="accent2">
+                <a:lumMod val="75000"/>
+              </a:schemeClr>
+            </a:solidFill>
+          </a:ln>
+        </p:spPr>
+        <p:style>
+          <a:lnRef idx="2">
+            <a:schemeClr val="accent1">
+              <a:shade val="50000"/>
+            </a:schemeClr>
+          </a:lnRef>
+          <a:fillRef idx="1">
+            <a:schemeClr val="accent1"/>
+          </a:fillRef>
+          <a:effectRef idx="0">
+            <a:schemeClr val="accent1"/>
+          </a:effectRef>
+          <a:fontRef idx="minor">
+            <a:schemeClr val="lt1"/>
+          </a:fontRef>
+        </p:style>
+        <p:txBody>
+          <a:bodyPr rtlCol="0" anchor="ctr"/>
+          <a:lstStyle/>
+          <a:p>
+            <a:pPr algn="ctr"/>
+            <a:endParaRPr lang="fr-FR"/>
+          </a:p>
+        </p:txBody>
+      </p:sp>
+      <p:sp>
+        <p:nvSpPr>
+          <p:cNvPr id="72" name="Arrow: Striped Right 71">
+            <a:extLst>
+              <a:ext uri="{FF2B5EF4-FFF2-40B4-BE49-F238E27FC236}">
+                <a16:creationId xmlns:a16="http://schemas.microsoft.com/office/drawing/2014/main" id="{EBD27C7C-B030-30FF-F802-845CDF73437E}"/>
+              </a:ext>
+            </a:extLst>
+          </p:cNvPr>
+          <p:cNvSpPr/>
+          <p:nvPr/>
+        </p:nvSpPr>
+        <p:spPr>
+          <a:xfrm>
+            <a:off x="3016066" y="3177508"/>
+            <a:ext cx="928581" cy="810931"/>
+          </a:xfrm>
+          <a:prstGeom prst="stripedRightArrow">
+            <a:avLst/>
+          </a:prstGeom>
+          <a:solidFill>
+            <a:schemeClr val="bg2">
+              <a:lumMod val="50000"/>
+            </a:schemeClr>
+          </a:solidFill>
+          <a:ln>
+            <a:noFill/>
+          </a:ln>
+        </p:spPr>
+        <p:style>
+          <a:lnRef idx="2">
+            <a:schemeClr val="accent1">
+              <a:shade val="50000"/>
+            </a:schemeClr>
+          </a:lnRef>
+          <a:fillRef idx="1">
+            <a:schemeClr val="accent1"/>
+          </a:fillRef>
+          <a:effectRef idx="0">
+            <a:schemeClr val="accent1"/>
+          </a:effectRef>
+          <a:fontRef idx="minor">
+            <a:schemeClr val="lt1"/>
+          </a:fontRef>
+        </p:style>
+        <p:txBody>
+          <a:bodyPr rtlCol="0" anchor="ctr"/>
+          <a:lstStyle/>
+          <a:p>
+            <a:pPr algn="ctr"/>
+            <a:endParaRPr lang="fr-FR"/>
+          </a:p>
+        </p:txBody>
+      </p:sp>
+      <p:sp>
+        <p:nvSpPr>
+          <p:cNvPr id="73" name="Arrow: Down 72">
+            <a:extLst>
+              <a:ext uri="{FF2B5EF4-FFF2-40B4-BE49-F238E27FC236}">
+                <a16:creationId xmlns:a16="http://schemas.microsoft.com/office/drawing/2014/main" id="{0D2BCABA-164B-DED8-15A3-BB3404BBCA25}"/>
+              </a:ext>
+            </a:extLst>
+          </p:cNvPr>
+          <p:cNvSpPr/>
+          <p:nvPr/>
+        </p:nvSpPr>
+        <p:spPr>
+          <a:xfrm rot="10297024">
+            <a:off x="3669149" y="1813588"/>
+            <a:ext cx="99060" cy="504300"/>
+          </a:xfrm>
+          <a:prstGeom prst="downArrow">
+            <a:avLst/>
+          </a:prstGeom>
+          <a:solidFill>
+            <a:schemeClr val="bg2">
+              <a:lumMod val="50000"/>
+            </a:schemeClr>
+          </a:solidFill>
+          <a:ln>
+            <a:noFill/>
+          </a:ln>
+        </p:spPr>
+        <p:style>
+          <a:lnRef idx="2">
+            <a:schemeClr val="accent1">
+              <a:shade val="50000"/>
+            </a:schemeClr>
+          </a:lnRef>
+          <a:fillRef idx="1">
+            <a:schemeClr val="accent1"/>
+          </a:fillRef>
+          <a:effectRef idx="0">
+            <a:schemeClr val="accent1"/>
+          </a:effectRef>
+          <a:fontRef idx="minor">
+            <a:schemeClr val="lt1"/>
+          </a:fontRef>
+        </p:style>
+        <p:txBody>
+          <a:bodyPr rtlCol="0" anchor="ctr"/>
+          <a:lstStyle/>
+          <a:p>
+            <a:pPr algn="ctr"/>
+            <a:endParaRPr lang="fr-FR"/>
+          </a:p>
+        </p:txBody>
+      </p:sp>
+      <p:sp>
+        <p:nvSpPr>
+          <p:cNvPr id="74" name="Arrow: Down 73">
+            <a:extLst>
+              <a:ext uri="{FF2B5EF4-FFF2-40B4-BE49-F238E27FC236}">
+                <a16:creationId xmlns:a16="http://schemas.microsoft.com/office/drawing/2014/main" id="{6359AB5B-2611-9D95-2407-E1FF4D62DBAD}"/>
+              </a:ext>
+            </a:extLst>
+          </p:cNvPr>
+          <p:cNvSpPr/>
+          <p:nvPr/>
+        </p:nvSpPr>
+        <p:spPr>
+          <a:xfrm rot="10297024">
+            <a:off x="3902491" y="1774382"/>
+            <a:ext cx="99060" cy="504300"/>
+          </a:xfrm>
+          <a:prstGeom prst="downArrow">
+            <a:avLst/>
+          </a:prstGeom>
+          <a:solidFill>
+            <a:schemeClr val="bg2">
+              <a:lumMod val="50000"/>
+            </a:schemeClr>
+          </a:solidFill>
+          <a:ln>
+            <a:noFill/>
+          </a:ln>
+        </p:spPr>
+        <p:style>
+          <a:lnRef idx="2">
+            <a:schemeClr val="accent1">
+              <a:shade val="50000"/>
+            </a:schemeClr>
+          </a:lnRef>
+          <a:fillRef idx="1">
+            <a:schemeClr val="accent1"/>
+          </a:fillRef>
+          <a:effectRef idx="0">
+            <a:schemeClr val="accent1"/>
+          </a:effectRef>
+          <a:fontRef idx="minor">
+            <a:schemeClr val="lt1"/>
+          </a:fontRef>
+        </p:style>
+        <p:txBody>
+          <a:bodyPr rtlCol="0" anchor="ctr"/>
+          <a:lstStyle/>
+          <a:p>
+            <a:pPr algn="ctr"/>
+            <a:endParaRPr lang="fr-FR"/>
+          </a:p>
+        </p:txBody>
+      </p:sp>
+      <p:sp>
+        <p:nvSpPr>
+          <p:cNvPr id="75" name="Arrow: Down 74">
+            <a:extLst>
+              <a:ext uri="{FF2B5EF4-FFF2-40B4-BE49-F238E27FC236}">
+                <a16:creationId xmlns:a16="http://schemas.microsoft.com/office/drawing/2014/main" id="{9BB4F7CB-405B-BC3E-4465-51A6212E1164}"/>
+              </a:ext>
+            </a:extLst>
+          </p:cNvPr>
+          <p:cNvSpPr/>
+          <p:nvPr/>
+        </p:nvSpPr>
+        <p:spPr>
+          <a:xfrm rot="10297024">
+            <a:off x="4132216" y="1734852"/>
+            <a:ext cx="99060" cy="504300"/>
+          </a:xfrm>
+          <a:prstGeom prst="downArrow">
+            <a:avLst/>
+          </a:prstGeom>
+          <a:solidFill>
+            <a:schemeClr val="bg2">
+              <a:lumMod val="50000"/>
+            </a:schemeClr>
+          </a:solidFill>
+          <a:ln>
+            <a:noFill/>
+          </a:ln>
+        </p:spPr>
+        <p:style>
+          <a:lnRef idx="2">
+            <a:schemeClr val="accent1">
+              <a:shade val="50000"/>
+            </a:schemeClr>
+          </a:lnRef>
+          <a:fillRef idx="1">
+            <a:schemeClr val="accent1"/>
+          </a:fillRef>
+          <a:effectRef idx="0">
+            <a:schemeClr val="accent1"/>
+          </a:effectRef>
+          <a:fontRef idx="minor">
+            <a:schemeClr val="lt1"/>
+          </a:fontRef>
+        </p:style>
+        <p:txBody>
+          <a:bodyPr rtlCol="0" anchor="ctr"/>
+          <a:lstStyle/>
+          <a:p>
+            <a:pPr algn="ctr"/>
+            <a:endParaRPr lang="fr-FR"/>
+          </a:p>
+        </p:txBody>
+      </p:sp>
+      <p:sp>
+        <p:nvSpPr>
+          <p:cNvPr id="76" name="Arrow: Down 75">
+            <a:extLst>
+              <a:ext uri="{FF2B5EF4-FFF2-40B4-BE49-F238E27FC236}">
+                <a16:creationId xmlns:a16="http://schemas.microsoft.com/office/drawing/2014/main" id="{493FF35B-761D-6847-134F-D9D86733CA41}"/>
+              </a:ext>
+            </a:extLst>
+          </p:cNvPr>
+          <p:cNvSpPr/>
+          <p:nvPr/>
+        </p:nvSpPr>
+        <p:spPr>
+          <a:xfrm rot="10297024">
+            <a:off x="4377006" y="1690800"/>
+            <a:ext cx="99060" cy="504300"/>
+          </a:xfrm>
+          <a:prstGeom prst="downArrow">
+            <a:avLst/>
+          </a:prstGeom>
+          <a:solidFill>
+            <a:schemeClr val="bg2">
+              <a:lumMod val="50000"/>
+            </a:schemeClr>
+          </a:solidFill>
+          <a:ln>
+            <a:noFill/>
+          </a:ln>
+        </p:spPr>
+        <p:style>
+          <a:lnRef idx="2">
+            <a:schemeClr val="accent1">
+              <a:shade val="50000"/>
+            </a:schemeClr>
+          </a:lnRef>
+          <a:fillRef idx="1">
+            <a:schemeClr val="accent1"/>
+          </a:fillRef>
+          <a:effectRef idx="0">
+            <a:schemeClr val="accent1"/>
+          </a:effectRef>
+          <a:fontRef idx="minor">
+            <a:schemeClr val="lt1"/>
+          </a:fontRef>
+        </p:style>
+        <p:txBody>
+          <a:bodyPr rtlCol="0" anchor="ctr"/>
+          <a:lstStyle/>
+          <a:p>
+            <a:pPr algn="ctr"/>
+            <a:endParaRPr lang="fr-FR"/>
+          </a:p>
+        </p:txBody>
+      </p:sp>
+      <p:sp>
+        <p:nvSpPr>
+          <p:cNvPr id="77" name="Arrow: Down 76">
+            <a:extLst>
+              <a:ext uri="{FF2B5EF4-FFF2-40B4-BE49-F238E27FC236}">
+                <a16:creationId xmlns:a16="http://schemas.microsoft.com/office/drawing/2014/main" id="{438D799F-6FBC-0791-5392-A4FC9EBFE0D3}"/>
+              </a:ext>
+            </a:extLst>
+          </p:cNvPr>
+          <p:cNvSpPr/>
+          <p:nvPr/>
+        </p:nvSpPr>
+        <p:spPr>
+          <a:xfrm rot="10800000">
+            <a:off x="5212362" y="1055903"/>
+            <a:ext cx="99060" cy="504300"/>
+          </a:xfrm>
+          <a:prstGeom prst="downArrow">
+            <a:avLst/>
+          </a:prstGeom>
+          <a:solidFill>
+            <a:schemeClr val="bg2">
+              <a:lumMod val="50000"/>
+            </a:schemeClr>
+          </a:solidFill>
+          <a:ln>
+            <a:noFill/>
+          </a:ln>
+        </p:spPr>
+        <p:style>
+          <a:lnRef idx="2">
+            <a:schemeClr val="accent1">
+              <a:shade val="50000"/>
+            </a:schemeClr>
+          </a:lnRef>
+          <a:fillRef idx="1">
+            <a:schemeClr val="accent1"/>
+          </a:fillRef>
+          <a:effectRef idx="0">
+            <a:schemeClr val="accent1"/>
+          </a:effectRef>
+          <a:fontRef idx="minor">
+            <a:schemeClr val="lt1"/>
+          </a:fontRef>
+        </p:style>
+        <p:txBody>
+          <a:bodyPr rtlCol="0" anchor="ctr"/>
+          <a:lstStyle/>
+          <a:p>
+            <a:pPr algn="ctr"/>
+            <a:endParaRPr lang="fr-FR"/>
+          </a:p>
+        </p:txBody>
+      </p:sp>
+      <p:sp>
+        <p:nvSpPr>
+          <p:cNvPr id="79" name="Arrow: Down 78">
+            <a:extLst>
+              <a:ext uri="{FF2B5EF4-FFF2-40B4-BE49-F238E27FC236}">
+                <a16:creationId xmlns:a16="http://schemas.microsoft.com/office/drawing/2014/main" id="{59DA6E03-8DEA-34EE-349D-1FDB330AF1B8}"/>
+              </a:ext>
+            </a:extLst>
+          </p:cNvPr>
+          <p:cNvSpPr/>
+          <p:nvPr/>
+        </p:nvSpPr>
+        <p:spPr>
+          <a:xfrm rot="10800000">
+            <a:off x="5697741" y="1047455"/>
+            <a:ext cx="99060" cy="504300"/>
+          </a:xfrm>
+          <a:prstGeom prst="downArrow">
+            <a:avLst/>
+          </a:prstGeom>
+          <a:solidFill>
+            <a:schemeClr val="bg2">
+              <a:lumMod val="50000"/>
+            </a:schemeClr>
+          </a:solidFill>
+          <a:ln>
+            <a:noFill/>
+          </a:ln>
+        </p:spPr>
+        <p:style>
+          <a:lnRef idx="2">
+            <a:schemeClr val="accent1">
+              <a:shade val="50000"/>
+            </a:schemeClr>
+          </a:lnRef>
+          <a:fillRef idx="1">
+            <a:schemeClr val="accent1"/>
+          </a:fillRef>
+          <a:effectRef idx="0">
+            <a:schemeClr val="accent1"/>
+          </a:effectRef>
+          <a:fontRef idx="minor">
+            <a:schemeClr val="lt1"/>
+          </a:fontRef>
+        </p:style>
+        <p:txBody>
+          <a:bodyPr rtlCol="0" anchor="ctr"/>
+          <a:lstStyle/>
+          <a:p>
+            <a:pPr algn="ctr"/>
+            <a:endParaRPr lang="fr-FR"/>
+          </a:p>
+        </p:txBody>
+      </p:sp>
+      <p:sp>
+        <p:nvSpPr>
+          <p:cNvPr id="80" name="Arrow: Down 79">
+            <a:extLst>
+              <a:ext uri="{FF2B5EF4-FFF2-40B4-BE49-F238E27FC236}">
+                <a16:creationId xmlns:a16="http://schemas.microsoft.com/office/drawing/2014/main" id="{E47C0320-E6BB-2256-D868-82DC7F98B60D}"/>
+              </a:ext>
+            </a:extLst>
+          </p:cNvPr>
+          <p:cNvSpPr/>
+          <p:nvPr/>
+        </p:nvSpPr>
+        <p:spPr>
+          <a:xfrm rot="10800000">
+            <a:off x="5455856" y="977332"/>
+            <a:ext cx="99060" cy="504300"/>
+          </a:xfrm>
+          <a:prstGeom prst="downArrow">
+            <a:avLst/>
+          </a:prstGeom>
+          <a:solidFill>
+            <a:schemeClr val="bg2">
+              <a:lumMod val="50000"/>
+            </a:schemeClr>
+          </a:solidFill>
+          <a:ln>
+            <a:noFill/>
+          </a:ln>
+        </p:spPr>
+        <p:style>
+          <a:lnRef idx="2">
+            <a:schemeClr val="accent1">
+              <a:shade val="50000"/>
+            </a:schemeClr>
+          </a:lnRef>
+          <a:fillRef idx="1">
+            <a:schemeClr val="accent1"/>
+          </a:fillRef>
+          <a:effectRef idx="0">
+            <a:schemeClr val="accent1"/>
+          </a:effectRef>
+          <a:fontRef idx="minor">
+            <a:schemeClr val="lt1"/>
+          </a:fontRef>
+        </p:style>
+        <p:txBody>
+          <a:bodyPr rtlCol="0" anchor="ctr"/>
+          <a:lstStyle/>
+          <a:p>
+            <a:pPr algn="ctr"/>
+            <a:endParaRPr lang="fr-FR"/>
+          </a:p>
+        </p:txBody>
+      </p:sp>
+      <p:grpSp>
+        <p:nvGrpSpPr>
+          <p:cNvPr id="85" name="Group 84">
+            <a:extLst>
+              <a:ext uri="{FF2B5EF4-FFF2-40B4-BE49-F238E27FC236}">
+                <a16:creationId xmlns:a16="http://schemas.microsoft.com/office/drawing/2014/main" id="{BD7F287F-5170-9308-991C-37D661345F1A}"/>
+              </a:ext>
+            </a:extLst>
+          </p:cNvPr>
+          <p:cNvGrpSpPr/>
+          <p:nvPr/>
+        </p:nvGrpSpPr>
+        <p:grpSpPr>
+          <a:xfrm rot="1128961">
+            <a:off x="6520006" y="1719102"/>
+            <a:ext cx="806917" cy="627088"/>
+            <a:chOff x="5705842" y="2876121"/>
+            <a:chExt cx="806917" cy="627088"/>
+          </a:xfrm>
+        </p:grpSpPr>
+        <p:sp>
+          <p:nvSpPr>
+            <p:cNvPr id="81" name="Arrow: Down 80">
+              <a:extLst>
+                <a:ext uri="{FF2B5EF4-FFF2-40B4-BE49-F238E27FC236}">
+                  <a16:creationId xmlns:a16="http://schemas.microsoft.com/office/drawing/2014/main" id="{C34E4BEC-71A6-3D16-06E3-C1EA7B6E40FC}"/>
+                </a:ext>
+              </a:extLst>
+            </p:cNvPr>
+            <p:cNvSpPr/>
+            <p:nvPr/>
+          </p:nvSpPr>
+          <p:spPr>
+            <a:xfrm rot="10297024">
+              <a:off x="5705842" y="2998909"/>
+              <a:ext cx="99060" cy="504300"/>
+            </a:xfrm>
+            <a:prstGeom prst="downArrow">
+              <a:avLst/>
+            </a:prstGeom>
+            <a:solidFill>
+              <a:schemeClr val="bg2">
+                <a:lumMod val="50000"/>
+              </a:schemeClr>
+            </a:solidFill>
+            <a:ln>
+              <a:noFill/>
+            </a:ln>
+          </p:spPr>
+          <p:style>
+            <a:lnRef idx="2">
+              <a:schemeClr val="accent1">
+                <a:shade val="50000"/>
+              </a:schemeClr>
+            </a:lnRef>
+            <a:fillRef idx="1">
+              <a:schemeClr val="accent1"/>
+            </a:fillRef>
+            <a:effectRef idx="0">
+              <a:schemeClr val="accent1"/>
+            </a:effectRef>
+            <a:fontRef idx="minor">
+              <a:schemeClr val="lt1"/>
+            </a:fontRef>
+          </p:style>
+          <p:txBody>
+            <a:bodyPr rtlCol="0" anchor="ctr"/>
+            <a:lstStyle/>
+            <a:p>
+              <a:pPr algn="ctr"/>
+              <a:endParaRPr lang="fr-FR"/>
+            </a:p>
+          </p:txBody>
+        </p:sp>
+        <p:sp>
+          <p:nvSpPr>
+            <p:cNvPr id="82" name="Arrow: Down 81">
+              <a:extLst>
+                <a:ext uri="{FF2B5EF4-FFF2-40B4-BE49-F238E27FC236}">
+                  <a16:creationId xmlns:a16="http://schemas.microsoft.com/office/drawing/2014/main" id="{8871F57C-AFDB-B754-2B91-4542C6D329F7}"/>
+                </a:ext>
+              </a:extLst>
+            </p:cNvPr>
+            <p:cNvSpPr/>
+            <p:nvPr/>
+          </p:nvSpPr>
+          <p:spPr>
+            <a:xfrm rot="10297024">
+              <a:off x="5939184" y="2959703"/>
+              <a:ext cx="99060" cy="504300"/>
+            </a:xfrm>
+            <a:prstGeom prst="downArrow">
+              <a:avLst/>
+            </a:prstGeom>
+            <a:solidFill>
+              <a:schemeClr val="bg2">
+                <a:lumMod val="50000"/>
+              </a:schemeClr>
+            </a:solidFill>
+            <a:ln>
+              <a:noFill/>
+            </a:ln>
+          </p:spPr>
+          <p:style>
+            <a:lnRef idx="2">
+              <a:schemeClr val="accent1">
+                <a:shade val="50000"/>
+              </a:schemeClr>
+            </a:lnRef>
+            <a:fillRef idx="1">
+              <a:schemeClr val="accent1"/>
+            </a:fillRef>
+            <a:effectRef idx="0">
+              <a:schemeClr val="accent1"/>
+            </a:effectRef>
+            <a:fontRef idx="minor">
+              <a:schemeClr val="lt1"/>
+            </a:fontRef>
+          </p:style>
+          <p:txBody>
+            <a:bodyPr rtlCol="0" anchor="ctr"/>
+            <a:lstStyle/>
+            <a:p>
+              <a:pPr algn="ctr"/>
+              <a:endParaRPr lang="fr-FR"/>
+            </a:p>
+          </p:txBody>
+        </p:sp>
+        <p:sp>
+          <p:nvSpPr>
+            <p:cNvPr id="83" name="Arrow: Down 82">
+              <a:extLst>
+                <a:ext uri="{FF2B5EF4-FFF2-40B4-BE49-F238E27FC236}">
+                  <a16:creationId xmlns:a16="http://schemas.microsoft.com/office/drawing/2014/main" id="{684BCB5E-A467-3369-1DED-B966F5E3EA28}"/>
+                </a:ext>
+              </a:extLst>
+            </p:cNvPr>
+            <p:cNvSpPr/>
+            <p:nvPr/>
+          </p:nvSpPr>
+          <p:spPr>
+            <a:xfrm rot="10297024">
+              <a:off x="6168909" y="2920173"/>
+              <a:ext cx="99060" cy="504300"/>
+            </a:xfrm>
+            <a:prstGeom prst="downArrow">
+              <a:avLst/>
+            </a:prstGeom>
+            <a:solidFill>
+              <a:schemeClr val="bg2">
+                <a:lumMod val="50000"/>
+              </a:schemeClr>
+            </a:solidFill>
+            <a:ln>
+              <a:noFill/>
+            </a:ln>
+          </p:spPr>
+          <p:style>
+            <a:lnRef idx="2">
+              <a:schemeClr val="accent1">
+                <a:shade val="50000"/>
+              </a:schemeClr>
+            </a:lnRef>
+            <a:fillRef idx="1">
+              <a:schemeClr val="accent1"/>
+            </a:fillRef>
+            <a:effectRef idx="0">
+              <a:schemeClr val="accent1"/>
+            </a:effectRef>
+            <a:fontRef idx="minor">
+              <a:schemeClr val="lt1"/>
+            </a:fontRef>
+          </p:style>
+          <p:txBody>
+            <a:bodyPr rtlCol="0" anchor="ctr"/>
+            <a:lstStyle/>
+            <a:p>
+              <a:pPr algn="ctr"/>
+              <a:endParaRPr lang="fr-FR"/>
+            </a:p>
+          </p:txBody>
+        </p:sp>
+        <p:sp>
+          <p:nvSpPr>
+            <p:cNvPr id="84" name="Arrow: Down 83">
+              <a:extLst>
+                <a:ext uri="{FF2B5EF4-FFF2-40B4-BE49-F238E27FC236}">
+                  <a16:creationId xmlns:a16="http://schemas.microsoft.com/office/drawing/2014/main" id="{AF2A41F4-FCA8-2A07-F5C0-43B367DAF003}"/>
+                </a:ext>
+              </a:extLst>
+            </p:cNvPr>
+            <p:cNvSpPr/>
+            <p:nvPr/>
+          </p:nvSpPr>
+          <p:spPr>
+            <a:xfrm rot="10297024">
+              <a:off x="6413699" y="2876121"/>
+              <a:ext cx="99060" cy="504300"/>
+            </a:xfrm>
+            <a:prstGeom prst="downArrow">
+              <a:avLst/>
+            </a:prstGeom>
+            <a:solidFill>
+              <a:schemeClr val="bg2">
+                <a:lumMod val="50000"/>
+              </a:schemeClr>
+            </a:solidFill>
+            <a:ln>
+              <a:noFill/>
+            </a:ln>
+          </p:spPr>
+          <p:style>
+            <a:lnRef idx="2">
+              <a:schemeClr val="accent1">
+                <a:shade val="50000"/>
+              </a:schemeClr>
+            </a:lnRef>
+            <a:fillRef idx="1">
+              <a:schemeClr val="accent1"/>
+            </a:fillRef>
+            <a:effectRef idx="0">
+              <a:schemeClr val="accent1"/>
+            </a:effectRef>
+            <a:fontRef idx="minor">
+              <a:schemeClr val="lt1"/>
+            </a:fontRef>
+          </p:style>
+          <p:txBody>
+            <a:bodyPr rtlCol="0" anchor="ctr"/>
+            <a:lstStyle/>
+            <a:p>
+              <a:pPr algn="ctr"/>
+              <a:endParaRPr lang="fr-FR"/>
+            </a:p>
+          </p:txBody>
+        </p:sp>
+      </p:grpSp>
+      <p:grpSp>
+        <p:nvGrpSpPr>
+          <p:cNvPr id="86" name="Group 85">
+            <a:extLst>
+              <a:ext uri="{FF2B5EF4-FFF2-40B4-BE49-F238E27FC236}">
+                <a16:creationId xmlns:a16="http://schemas.microsoft.com/office/drawing/2014/main" id="{EB3A41E2-99BF-61CF-6EB0-D9FAA1965D05}"/>
+              </a:ext>
+            </a:extLst>
+          </p:cNvPr>
+          <p:cNvGrpSpPr/>
+          <p:nvPr/>
+        </p:nvGrpSpPr>
+        <p:grpSpPr>
+          <a:xfrm rot="4899421">
+            <a:off x="1595265" y="2860053"/>
+            <a:ext cx="806917" cy="627088"/>
+            <a:chOff x="5705842" y="2876121"/>
+            <a:chExt cx="806917" cy="627088"/>
+          </a:xfrm>
+        </p:grpSpPr>
+        <p:sp>
+          <p:nvSpPr>
+            <p:cNvPr id="87" name="Arrow: Down 86">
+              <a:extLst>
+                <a:ext uri="{FF2B5EF4-FFF2-40B4-BE49-F238E27FC236}">
+                  <a16:creationId xmlns:a16="http://schemas.microsoft.com/office/drawing/2014/main" id="{80976CA0-B12F-0705-7567-63F693EF593D}"/>
+                </a:ext>
+              </a:extLst>
+            </p:cNvPr>
+            <p:cNvSpPr/>
+            <p:nvPr/>
+          </p:nvSpPr>
+          <p:spPr>
+            <a:xfrm rot="10297024">
+              <a:off x="5705842" y="2998909"/>
+              <a:ext cx="99060" cy="504300"/>
+            </a:xfrm>
+            <a:prstGeom prst="downArrow">
+              <a:avLst/>
+            </a:prstGeom>
+            <a:solidFill>
+              <a:schemeClr val="bg2">
+                <a:lumMod val="50000"/>
+              </a:schemeClr>
+            </a:solidFill>
+            <a:ln>
+              <a:noFill/>
+            </a:ln>
+          </p:spPr>
+          <p:style>
+            <a:lnRef idx="2">
+              <a:schemeClr val="accent1">
+                <a:shade val="50000"/>
+              </a:schemeClr>
+            </a:lnRef>
+            <a:fillRef idx="1">
+              <a:schemeClr val="accent1"/>
+            </a:fillRef>
+            <a:effectRef idx="0">
+              <a:schemeClr val="accent1"/>
+            </a:effectRef>
+            <a:fontRef idx="minor">
+              <a:schemeClr val="lt1"/>
+            </a:fontRef>
+          </p:style>
+          <p:txBody>
+            <a:bodyPr rtlCol="0" anchor="ctr"/>
+            <a:lstStyle/>
+            <a:p>
+              <a:pPr algn="ctr"/>
+              <a:endParaRPr lang="fr-FR"/>
+            </a:p>
+          </p:txBody>
+        </p:sp>
+        <p:sp>
+          <p:nvSpPr>
+            <p:cNvPr id="88" name="Arrow: Down 87">
+              <a:extLst>
+                <a:ext uri="{FF2B5EF4-FFF2-40B4-BE49-F238E27FC236}">
+                  <a16:creationId xmlns:a16="http://schemas.microsoft.com/office/drawing/2014/main" id="{ECF289D0-CD3B-A398-F0CA-C66885048AE4}"/>
+                </a:ext>
+              </a:extLst>
+            </p:cNvPr>
+            <p:cNvSpPr/>
+            <p:nvPr/>
+          </p:nvSpPr>
+          <p:spPr>
+            <a:xfrm rot="10297024">
+              <a:off x="5939184" y="2959703"/>
+              <a:ext cx="99060" cy="504300"/>
+            </a:xfrm>
+            <a:prstGeom prst="downArrow">
+              <a:avLst/>
+            </a:prstGeom>
+            <a:solidFill>
+              <a:schemeClr val="bg2">
+                <a:lumMod val="50000"/>
+              </a:schemeClr>
+            </a:solidFill>
+            <a:ln>
+              <a:noFill/>
+            </a:ln>
+          </p:spPr>
+          <p:style>
+            <a:lnRef idx="2">
+              <a:schemeClr val="accent1">
+                <a:shade val="50000"/>
+              </a:schemeClr>
+            </a:lnRef>
+            <a:fillRef idx="1">
+              <a:schemeClr val="accent1"/>
+            </a:fillRef>
+            <a:effectRef idx="0">
+              <a:schemeClr val="accent1"/>
+            </a:effectRef>
+            <a:fontRef idx="minor">
+              <a:schemeClr val="lt1"/>
+            </a:fontRef>
+          </p:style>
+          <p:txBody>
+            <a:bodyPr rtlCol="0" anchor="ctr"/>
+            <a:lstStyle/>
+            <a:p>
+              <a:pPr algn="ctr"/>
+              <a:endParaRPr lang="fr-FR"/>
+            </a:p>
+          </p:txBody>
+        </p:sp>
+        <p:sp>
+          <p:nvSpPr>
+            <p:cNvPr id="89" name="Arrow: Down 88">
+              <a:extLst>
+                <a:ext uri="{FF2B5EF4-FFF2-40B4-BE49-F238E27FC236}">
+                  <a16:creationId xmlns:a16="http://schemas.microsoft.com/office/drawing/2014/main" id="{4977F144-550A-0CEB-8B1D-1932EC4639EB}"/>
+                </a:ext>
+              </a:extLst>
+            </p:cNvPr>
+            <p:cNvSpPr/>
+            <p:nvPr/>
+          </p:nvSpPr>
+          <p:spPr>
+            <a:xfrm rot="10297024">
+              <a:off x="6168909" y="2920173"/>
+              <a:ext cx="99060" cy="504300"/>
+            </a:xfrm>
+            <a:prstGeom prst="downArrow">
+              <a:avLst/>
+            </a:prstGeom>
+            <a:solidFill>
+              <a:schemeClr val="bg2">
+                <a:lumMod val="50000"/>
+              </a:schemeClr>
+            </a:solidFill>
+            <a:ln>
+              <a:noFill/>
+            </a:ln>
+          </p:spPr>
+          <p:style>
+            <a:lnRef idx="2">
+              <a:schemeClr val="accent1">
+                <a:shade val="50000"/>
+              </a:schemeClr>
+            </a:lnRef>
+            <a:fillRef idx="1">
+              <a:schemeClr val="accent1"/>
+            </a:fillRef>
+            <a:effectRef idx="0">
+              <a:schemeClr val="accent1"/>
+            </a:effectRef>
+            <a:fontRef idx="minor">
+              <a:schemeClr val="lt1"/>
+            </a:fontRef>
+          </p:style>
+          <p:txBody>
+            <a:bodyPr rtlCol="0" anchor="ctr"/>
+            <a:lstStyle/>
+            <a:p>
+              <a:pPr algn="ctr"/>
+              <a:endParaRPr lang="fr-FR"/>
+            </a:p>
+          </p:txBody>
+        </p:sp>
+        <p:sp>
+          <p:nvSpPr>
+            <p:cNvPr id="90" name="Arrow: Down 89">
+              <a:extLst>
+                <a:ext uri="{FF2B5EF4-FFF2-40B4-BE49-F238E27FC236}">
+                  <a16:creationId xmlns:a16="http://schemas.microsoft.com/office/drawing/2014/main" id="{563DC93E-01E3-99EA-7FAC-2C8D06880429}"/>
+                </a:ext>
+              </a:extLst>
+            </p:cNvPr>
+            <p:cNvSpPr/>
+            <p:nvPr/>
+          </p:nvSpPr>
+          <p:spPr>
+            <a:xfrm rot="10297024">
+              <a:off x="6413699" y="2876121"/>
+              <a:ext cx="99060" cy="504300"/>
+            </a:xfrm>
+            <a:prstGeom prst="downArrow">
+              <a:avLst/>
+            </a:prstGeom>
+            <a:solidFill>
+              <a:schemeClr val="bg2">
+                <a:lumMod val="50000"/>
+              </a:schemeClr>
+            </a:solidFill>
+            <a:ln>
+              <a:noFill/>
+            </a:ln>
+          </p:spPr>
+          <p:style>
+            <a:lnRef idx="2">
+              <a:schemeClr val="accent1">
+                <a:shade val="50000"/>
+              </a:schemeClr>
+            </a:lnRef>
+            <a:fillRef idx="1">
+              <a:schemeClr val="accent1"/>
+            </a:fillRef>
+            <a:effectRef idx="0">
+              <a:schemeClr val="accent1"/>
+            </a:effectRef>
+            <a:fontRef idx="minor">
+              <a:schemeClr val="lt1"/>
+            </a:fontRef>
+          </p:style>
+          <p:txBody>
+            <a:bodyPr rtlCol="0" anchor="ctr"/>
+            <a:lstStyle/>
+            <a:p>
+              <a:pPr algn="ctr"/>
+              <a:endParaRPr lang="fr-FR"/>
+            </a:p>
+          </p:txBody>
+        </p:sp>
+      </p:grpSp>
+      <p:grpSp>
+        <p:nvGrpSpPr>
+          <p:cNvPr id="91" name="Group 90">
+            <a:extLst>
+              <a:ext uri="{FF2B5EF4-FFF2-40B4-BE49-F238E27FC236}">
+                <a16:creationId xmlns:a16="http://schemas.microsoft.com/office/drawing/2014/main" id="{86AC3835-BBCC-DBA0-B9AA-790209623C11}"/>
+              </a:ext>
+            </a:extLst>
+          </p:cNvPr>
+          <p:cNvGrpSpPr/>
+          <p:nvPr/>
+        </p:nvGrpSpPr>
+        <p:grpSpPr>
+          <a:xfrm rot="17831414">
+            <a:off x="598008" y="2941656"/>
+            <a:ext cx="806917" cy="627088"/>
+            <a:chOff x="5705842" y="2876121"/>
+            <a:chExt cx="806917" cy="627088"/>
+          </a:xfrm>
+        </p:grpSpPr>
+        <p:sp>
+          <p:nvSpPr>
+            <p:cNvPr id="92" name="Arrow: Down 91">
+              <a:extLst>
+                <a:ext uri="{FF2B5EF4-FFF2-40B4-BE49-F238E27FC236}">
+                  <a16:creationId xmlns:a16="http://schemas.microsoft.com/office/drawing/2014/main" id="{25CBC13E-6728-42B2-F454-5A7E206296CA}"/>
+                </a:ext>
+              </a:extLst>
+            </p:cNvPr>
+            <p:cNvSpPr/>
+            <p:nvPr/>
+          </p:nvSpPr>
+          <p:spPr>
+            <a:xfrm rot="10297024">
+              <a:off x="5705842" y="2998909"/>
+              <a:ext cx="99060" cy="504300"/>
+            </a:xfrm>
+            <a:prstGeom prst="downArrow">
+              <a:avLst/>
+            </a:prstGeom>
+            <a:solidFill>
+              <a:schemeClr val="bg2">
+                <a:lumMod val="50000"/>
+              </a:schemeClr>
+            </a:solidFill>
+            <a:ln>
+              <a:noFill/>
+            </a:ln>
+          </p:spPr>
+          <p:style>
+            <a:lnRef idx="2">
+              <a:schemeClr val="accent1">
+                <a:shade val="50000"/>
+              </a:schemeClr>
+            </a:lnRef>
+            <a:fillRef idx="1">
+              <a:schemeClr val="accent1"/>
+            </a:fillRef>
+            <a:effectRef idx="0">
+              <a:schemeClr val="accent1"/>
+            </a:effectRef>
+            <a:fontRef idx="minor">
+              <a:schemeClr val="lt1"/>
+            </a:fontRef>
+          </p:style>
+          <p:txBody>
+            <a:bodyPr rtlCol="0" anchor="ctr"/>
+            <a:lstStyle/>
+            <a:p>
+              <a:pPr algn="ctr"/>
+              <a:endParaRPr lang="fr-FR"/>
+            </a:p>
+          </p:txBody>
+        </p:sp>
+        <p:sp>
+          <p:nvSpPr>
+            <p:cNvPr id="93" name="Arrow: Down 92">
+              <a:extLst>
+                <a:ext uri="{FF2B5EF4-FFF2-40B4-BE49-F238E27FC236}">
+                  <a16:creationId xmlns:a16="http://schemas.microsoft.com/office/drawing/2014/main" id="{6BFD3BD2-FE1A-CB2D-1536-ED5A381A97D6}"/>
+                </a:ext>
+              </a:extLst>
+            </p:cNvPr>
+            <p:cNvSpPr/>
+            <p:nvPr/>
+          </p:nvSpPr>
+          <p:spPr>
+            <a:xfrm rot="10297024">
+              <a:off x="5939184" y="2959703"/>
+              <a:ext cx="99060" cy="504300"/>
+            </a:xfrm>
+            <a:prstGeom prst="downArrow">
+              <a:avLst/>
+            </a:prstGeom>
+            <a:solidFill>
+              <a:schemeClr val="bg2">
+                <a:lumMod val="50000"/>
+              </a:schemeClr>
+            </a:solidFill>
+            <a:ln>
+              <a:noFill/>
+            </a:ln>
+          </p:spPr>
+          <p:style>
+            <a:lnRef idx="2">
+              <a:schemeClr val="accent1">
+                <a:shade val="50000"/>
+              </a:schemeClr>
+            </a:lnRef>
+            <a:fillRef idx="1">
+              <a:schemeClr val="accent1"/>
+            </a:fillRef>
+            <a:effectRef idx="0">
+              <a:schemeClr val="accent1"/>
+            </a:effectRef>
+            <a:fontRef idx="minor">
+              <a:schemeClr val="lt1"/>
+            </a:fontRef>
+          </p:style>
+          <p:txBody>
+            <a:bodyPr rtlCol="0" anchor="ctr"/>
+            <a:lstStyle/>
+            <a:p>
+              <a:pPr algn="ctr"/>
+              <a:endParaRPr lang="fr-FR"/>
+            </a:p>
+          </p:txBody>
+        </p:sp>
+        <p:sp>
+          <p:nvSpPr>
+            <p:cNvPr id="94" name="Arrow: Down 93">
+              <a:extLst>
+                <a:ext uri="{FF2B5EF4-FFF2-40B4-BE49-F238E27FC236}">
+                  <a16:creationId xmlns:a16="http://schemas.microsoft.com/office/drawing/2014/main" id="{E998B909-5C6A-F49E-7BA3-9BF83CFC036F}"/>
+                </a:ext>
+              </a:extLst>
+            </p:cNvPr>
+            <p:cNvSpPr/>
+            <p:nvPr/>
+          </p:nvSpPr>
+          <p:spPr>
+            <a:xfrm rot="10297024">
+              <a:off x="6168909" y="2920173"/>
+              <a:ext cx="99060" cy="504300"/>
+            </a:xfrm>
+            <a:prstGeom prst="downArrow">
+              <a:avLst/>
+            </a:prstGeom>
+            <a:solidFill>
+              <a:schemeClr val="bg2">
+                <a:lumMod val="50000"/>
+              </a:schemeClr>
+            </a:solidFill>
+            <a:ln>
+              <a:noFill/>
+            </a:ln>
+          </p:spPr>
+          <p:style>
+            <a:lnRef idx="2">
+              <a:schemeClr val="accent1">
+                <a:shade val="50000"/>
+              </a:schemeClr>
+            </a:lnRef>
+            <a:fillRef idx="1">
+              <a:schemeClr val="accent1"/>
+            </a:fillRef>
+            <a:effectRef idx="0">
+              <a:schemeClr val="accent1"/>
+            </a:effectRef>
+            <a:fontRef idx="minor">
+              <a:schemeClr val="lt1"/>
+            </a:fontRef>
+          </p:style>
+          <p:txBody>
+            <a:bodyPr rtlCol="0" anchor="ctr"/>
+            <a:lstStyle/>
+            <a:p>
+              <a:pPr algn="ctr"/>
+              <a:endParaRPr lang="fr-FR"/>
+            </a:p>
+          </p:txBody>
+        </p:sp>
+        <p:sp>
+          <p:nvSpPr>
+            <p:cNvPr id="95" name="Arrow: Down 94">
+              <a:extLst>
+                <a:ext uri="{FF2B5EF4-FFF2-40B4-BE49-F238E27FC236}">
+                  <a16:creationId xmlns:a16="http://schemas.microsoft.com/office/drawing/2014/main" id="{2160DEEE-1D7A-551E-CA5A-FF151EDB5BB1}"/>
+                </a:ext>
+              </a:extLst>
+            </p:cNvPr>
+            <p:cNvSpPr/>
+            <p:nvPr/>
+          </p:nvSpPr>
+          <p:spPr>
+            <a:xfrm rot="10297024">
+              <a:off x="6413699" y="2876121"/>
+              <a:ext cx="99060" cy="504300"/>
+            </a:xfrm>
+            <a:prstGeom prst="downArrow">
+              <a:avLst/>
+            </a:prstGeom>
+            <a:solidFill>
+              <a:schemeClr val="bg2">
+                <a:lumMod val="50000"/>
+              </a:schemeClr>
+            </a:solidFill>
+            <a:ln>
+              <a:noFill/>
+            </a:ln>
+          </p:spPr>
+          <p:style>
+            <a:lnRef idx="2">
+              <a:schemeClr val="accent1">
+                <a:shade val="50000"/>
+              </a:schemeClr>
+            </a:lnRef>
+            <a:fillRef idx="1">
+              <a:schemeClr val="accent1"/>
+            </a:fillRef>
+            <a:effectRef idx="0">
+              <a:schemeClr val="accent1"/>
+            </a:effectRef>
+            <a:fontRef idx="minor">
+              <a:schemeClr val="lt1"/>
+            </a:fontRef>
+          </p:style>
+          <p:txBody>
+            <a:bodyPr rtlCol="0" anchor="ctr"/>
+            <a:lstStyle/>
+            <a:p>
+              <a:pPr algn="ctr"/>
+              <a:endParaRPr lang="fr-FR"/>
+            </a:p>
+          </p:txBody>
+        </p:sp>
+      </p:grpSp>
+      <p:sp>
+        <p:nvSpPr>
+          <p:cNvPr id="96" name="Rectangle 95">
+            <a:extLst>
+              <a:ext uri="{FF2B5EF4-FFF2-40B4-BE49-F238E27FC236}">
+                <a16:creationId xmlns:a16="http://schemas.microsoft.com/office/drawing/2014/main" id="{99AC82FD-1857-4D98-42A9-B8D51C054DA7}"/>
+              </a:ext>
+            </a:extLst>
+          </p:cNvPr>
+          <p:cNvSpPr/>
+          <p:nvPr/>
+        </p:nvSpPr>
+        <p:spPr>
+          <a:xfrm rot="16200000">
+            <a:off x="8291419" y="3734259"/>
+            <a:ext cx="3170023" cy="539253"/>
+          </a:xfrm>
+          <a:prstGeom prst="rect">
+            <a:avLst/>
+          </a:prstGeom>
+          <a:solidFill>
+            <a:srgbClr val="FBE5D6">
+              <a:alpha val="45098"/>
+            </a:srgbClr>
+          </a:solidFill>
+          <a:ln w="28575">
+            <a:solidFill>
+              <a:srgbClr val="C55A11">
+                <a:alpha val="63922"/>
+              </a:srgbClr>
+            </a:solidFill>
+          </a:ln>
+        </p:spPr>
+        <p:style>
+          <a:lnRef idx="2">
+            <a:schemeClr val="accent1">
+              <a:shade val="50000"/>
+            </a:schemeClr>
+          </a:lnRef>
+          <a:fillRef idx="1">
+            <a:schemeClr val="accent1"/>
+          </a:fillRef>
+          <a:effectRef idx="0">
+            <a:schemeClr val="accent1"/>
+          </a:effectRef>
+          <a:fontRef idx="minor">
+            <a:schemeClr val="lt1"/>
+          </a:fontRef>
+        </p:style>
+        <p:txBody>
+          <a:bodyPr rtlCol="0" anchor="ctr"/>
+          <a:lstStyle/>
+          <a:p>
+            <a:pPr algn="ctr"/>
+            <a:endParaRPr lang="fr-FR"/>
+          </a:p>
+        </p:txBody>
+      </p:sp>
+      <p:sp>
+        <p:nvSpPr>
+          <p:cNvPr id="97" name="Rectangle: Top Corners Snipped 96">
+            <a:extLst>
+              <a:ext uri="{FF2B5EF4-FFF2-40B4-BE49-F238E27FC236}">
+                <a16:creationId xmlns:a16="http://schemas.microsoft.com/office/drawing/2014/main" id="{BA235B34-FFFD-409E-00DC-BBF0E7ADC66B}"/>
+              </a:ext>
+            </a:extLst>
+          </p:cNvPr>
+          <p:cNvSpPr/>
+          <p:nvPr/>
+        </p:nvSpPr>
+        <p:spPr>
+          <a:xfrm>
+            <a:off x="9395417" y="1323500"/>
+            <a:ext cx="962025" cy="1095375"/>
+          </a:xfrm>
+          <a:prstGeom prst="snip2SameRect">
+            <a:avLst/>
+          </a:prstGeom>
+          <a:solidFill>
+            <a:schemeClr val="accent2">
+              <a:lumMod val="20000"/>
+              <a:lumOff val="80000"/>
+            </a:schemeClr>
+          </a:solidFill>
+          <a:ln w="28575">
+            <a:solidFill>
+              <a:schemeClr val="accent2">
+                <a:lumMod val="75000"/>
+              </a:schemeClr>
+            </a:solidFill>
+          </a:ln>
+        </p:spPr>
+        <p:style>
+          <a:lnRef idx="2">
+            <a:schemeClr val="accent1">
+              <a:shade val="50000"/>
+            </a:schemeClr>
+          </a:lnRef>
+          <a:fillRef idx="1">
+            <a:schemeClr val="accent1"/>
+          </a:fillRef>
+          <a:effectRef idx="0">
+            <a:schemeClr val="accent1"/>
+          </a:effectRef>
+          <a:fontRef idx="minor">
+            <a:schemeClr val="lt1"/>
+          </a:fontRef>
+        </p:style>
+        <p:txBody>
+          <a:bodyPr rtlCol="0" anchor="ctr"/>
+          <a:lstStyle/>
+          <a:p>
+            <a:pPr algn="ctr"/>
+            <a:endParaRPr lang="fr-FR"/>
+          </a:p>
+        </p:txBody>
+      </p:sp>
+      <p:sp>
+        <p:nvSpPr>
+          <p:cNvPr id="98" name="Rectangle 97">
+            <a:extLst>
+              <a:ext uri="{FF2B5EF4-FFF2-40B4-BE49-F238E27FC236}">
+                <a16:creationId xmlns:a16="http://schemas.microsoft.com/office/drawing/2014/main" id="{1CE58261-1498-FBE3-146B-07848FCE7FF3}"/>
+              </a:ext>
+            </a:extLst>
+          </p:cNvPr>
+          <p:cNvSpPr/>
+          <p:nvPr/>
+        </p:nvSpPr>
+        <p:spPr>
+          <a:xfrm rot="486461">
+            <a:off x="9700970" y="1847899"/>
+            <a:ext cx="2047539" cy="307910"/>
+          </a:xfrm>
+          <a:prstGeom prst="rect">
+            <a:avLst/>
+          </a:prstGeom>
+          <a:solidFill>
+            <a:schemeClr val="accent2">
+              <a:lumMod val="20000"/>
+              <a:lumOff val="80000"/>
+            </a:schemeClr>
+          </a:solidFill>
+          <a:ln w="28575">
+            <a:solidFill>
+              <a:schemeClr val="accent2">
+                <a:lumMod val="75000"/>
+              </a:schemeClr>
+            </a:solidFill>
+          </a:ln>
+        </p:spPr>
+        <p:style>
+          <a:lnRef idx="2">
+            <a:schemeClr val="accent1">
+              <a:shade val="50000"/>
+            </a:schemeClr>
+          </a:lnRef>
+          <a:fillRef idx="1">
+            <a:schemeClr val="accent1"/>
+          </a:fillRef>
+          <a:effectRef idx="0">
+            <a:schemeClr val="accent1"/>
+          </a:effectRef>
+          <a:fontRef idx="minor">
+            <a:schemeClr val="lt1"/>
+          </a:fontRef>
+        </p:style>
+        <p:txBody>
+          <a:bodyPr rtlCol="0" anchor="ctr"/>
+          <a:lstStyle/>
+          <a:p>
+            <a:pPr algn="ctr"/>
+            <a:endParaRPr lang="fr-FR"/>
+          </a:p>
+        </p:txBody>
+      </p:sp>
+      <p:sp>
+        <p:nvSpPr>
+          <p:cNvPr id="99" name="Rectangle 98">
+            <a:extLst>
+              <a:ext uri="{FF2B5EF4-FFF2-40B4-BE49-F238E27FC236}">
+                <a16:creationId xmlns:a16="http://schemas.microsoft.com/office/drawing/2014/main" id="{BEBAE9D7-6472-B6BF-01EF-B3D32A964450}"/>
+              </a:ext>
+            </a:extLst>
+          </p:cNvPr>
+          <p:cNvSpPr/>
+          <p:nvPr/>
+        </p:nvSpPr>
+        <p:spPr>
+          <a:xfrm rot="21118281">
+            <a:off x="7906920" y="1849227"/>
+            <a:ext cx="2133866" cy="307910"/>
+          </a:xfrm>
+          <a:prstGeom prst="rect">
+            <a:avLst/>
+          </a:prstGeom>
+          <a:solidFill>
+            <a:srgbClr val="FBE5D6">
+              <a:alpha val="41176"/>
+            </a:srgbClr>
+          </a:solidFill>
+          <a:ln w="28575">
+            <a:solidFill>
+              <a:schemeClr val="accent2">
+                <a:lumMod val="75000"/>
+              </a:schemeClr>
+            </a:solidFill>
+          </a:ln>
+        </p:spPr>
+        <p:style>
+          <a:lnRef idx="2">
+            <a:schemeClr val="accent1">
+              <a:shade val="50000"/>
+            </a:schemeClr>
+          </a:lnRef>
+          <a:fillRef idx="1">
+            <a:schemeClr val="accent1"/>
+          </a:fillRef>
+          <a:effectRef idx="0">
+            <a:schemeClr val="accent1"/>
+          </a:effectRef>
+          <a:fontRef idx="minor">
+            <a:schemeClr val="lt1"/>
+          </a:fontRef>
+        </p:style>
+        <p:txBody>
+          <a:bodyPr rtlCol="0" anchor="ctr"/>
+          <a:lstStyle/>
+          <a:p>
+            <a:pPr algn="ctr"/>
+            <a:endParaRPr lang="fr-FR"/>
+          </a:p>
+        </p:txBody>
+      </p:sp>
+      <p:sp>
+        <p:nvSpPr>
+          <p:cNvPr id="100" name="Oval 99">
+            <a:extLst>
+              <a:ext uri="{FF2B5EF4-FFF2-40B4-BE49-F238E27FC236}">
+                <a16:creationId xmlns:a16="http://schemas.microsoft.com/office/drawing/2014/main" id="{D36BB527-7AAF-23A7-2879-30CC73567D10}"/>
+              </a:ext>
+            </a:extLst>
+          </p:cNvPr>
+          <p:cNvSpPr/>
+          <p:nvPr/>
+        </p:nvSpPr>
+        <p:spPr>
+          <a:xfrm>
+            <a:off x="9766891" y="1761649"/>
+            <a:ext cx="219075" cy="219075"/>
+          </a:xfrm>
+          <a:prstGeom prst="ellipse">
+            <a:avLst/>
+          </a:prstGeom>
+          <a:solidFill>
+            <a:schemeClr val="bg2">
+              <a:lumMod val="90000"/>
+            </a:schemeClr>
+          </a:solidFill>
+          <a:ln w="19050">
+            <a:solidFill>
+              <a:schemeClr val="tx1">
+                <a:lumMod val="85000"/>
+                <a:lumOff val="15000"/>
+              </a:schemeClr>
+            </a:solidFill>
+          </a:ln>
+        </p:spPr>
+        <p:style>
+          <a:lnRef idx="2">
+            <a:schemeClr val="accent1">
+              <a:shade val="50000"/>
+            </a:schemeClr>
+          </a:lnRef>
+          <a:fillRef idx="1">
+            <a:schemeClr val="accent1"/>
+          </a:fillRef>
+          <a:effectRef idx="0">
+            <a:schemeClr val="accent1"/>
+          </a:effectRef>
+          <a:fontRef idx="minor">
+            <a:schemeClr val="lt1"/>
+          </a:fontRef>
+        </p:style>
+        <p:txBody>
+          <a:bodyPr rtlCol="0" anchor="ctr"/>
+          <a:lstStyle/>
+          <a:p>
+            <a:pPr algn="ctr"/>
+            <a:endParaRPr lang="fr-FR"/>
+          </a:p>
+        </p:txBody>
+      </p:sp>
+      <p:sp>
+        <p:nvSpPr>
+          <p:cNvPr id="101" name="Rectangle 100">
+            <a:extLst>
+              <a:ext uri="{FF2B5EF4-FFF2-40B4-BE49-F238E27FC236}">
+                <a16:creationId xmlns:a16="http://schemas.microsoft.com/office/drawing/2014/main" id="{A626EAD5-B41C-3BC6-1186-46E55D75FE83}"/>
+              </a:ext>
+            </a:extLst>
+          </p:cNvPr>
+          <p:cNvSpPr/>
+          <p:nvPr/>
+        </p:nvSpPr>
+        <p:spPr>
+          <a:xfrm>
+            <a:off x="9288805" y="1657666"/>
+            <a:ext cx="106612" cy="88106"/>
+          </a:xfrm>
+          <a:prstGeom prst="rect">
+            <a:avLst/>
+          </a:prstGeom>
+          <a:solidFill>
+            <a:schemeClr val="accent2">
+              <a:lumMod val="20000"/>
+              <a:lumOff val="80000"/>
+            </a:schemeClr>
+          </a:solidFill>
+          <a:ln w="28575">
+            <a:solidFill>
+              <a:schemeClr val="accent2">
+                <a:lumMod val="75000"/>
+              </a:schemeClr>
+            </a:solidFill>
+          </a:ln>
+        </p:spPr>
+        <p:style>
+          <a:lnRef idx="2">
+            <a:schemeClr val="accent1">
+              <a:shade val="50000"/>
+            </a:schemeClr>
+          </a:lnRef>
+          <a:fillRef idx="1">
+            <a:schemeClr val="accent1"/>
+          </a:fillRef>
+          <a:effectRef idx="0">
+            <a:schemeClr val="accent1"/>
+          </a:effectRef>
+          <a:fontRef idx="minor">
+            <a:schemeClr val="lt1"/>
+          </a:fontRef>
+        </p:style>
+        <p:txBody>
+          <a:bodyPr rtlCol="0" anchor="ctr"/>
+          <a:lstStyle/>
+          <a:p>
+            <a:pPr algn="ctr"/>
+            <a:endParaRPr lang="fr-FR"/>
+          </a:p>
+        </p:txBody>
+      </p:sp>
+      <p:sp>
+        <p:nvSpPr>
+          <p:cNvPr id="102" name="Rectangle 101">
+            <a:extLst>
+              <a:ext uri="{FF2B5EF4-FFF2-40B4-BE49-F238E27FC236}">
+                <a16:creationId xmlns:a16="http://schemas.microsoft.com/office/drawing/2014/main" id="{53A4C07D-8FDE-6174-6702-64B3712D6F1F}"/>
+              </a:ext>
+            </a:extLst>
+          </p:cNvPr>
+          <p:cNvSpPr/>
+          <p:nvPr/>
+        </p:nvSpPr>
+        <p:spPr>
+          <a:xfrm>
+            <a:off x="10366620" y="1657666"/>
+            <a:ext cx="106612" cy="88106"/>
+          </a:xfrm>
+          <a:prstGeom prst="rect">
+            <a:avLst/>
+          </a:prstGeom>
+          <a:solidFill>
+            <a:schemeClr val="accent2">
+              <a:lumMod val="20000"/>
+              <a:lumOff val="80000"/>
+            </a:schemeClr>
+          </a:solidFill>
+          <a:ln w="28575">
+            <a:solidFill>
+              <a:schemeClr val="accent2">
+                <a:lumMod val="75000"/>
+              </a:schemeClr>
+            </a:solidFill>
+          </a:ln>
+        </p:spPr>
+        <p:style>
+          <a:lnRef idx="2">
+            <a:schemeClr val="accent1">
+              <a:shade val="50000"/>
+            </a:schemeClr>
+          </a:lnRef>
+          <a:fillRef idx="1">
+            <a:schemeClr val="accent1"/>
+          </a:fillRef>
+          <a:effectRef idx="0">
+            <a:schemeClr val="accent1"/>
+          </a:effectRef>
+          <a:fontRef idx="minor">
+            <a:schemeClr val="lt1"/>
+          </a:fontRef>
+        </p:style>
+        <p:txBody>
+          <a:bodyPr rtlCol="0" anchor="ctr"/>
+          <a:lstStyle/>
+          <a:p>
+            <a:pPr algn="ctr"/>
+            <a:endParaRPr lang="fr-FR"/>
+          </a:p>
+        </p:txBody>
+      </p:sp>
+      <p:sp>
+        <p:nvSpPr>
+          <p:cNvPr id="103" name="Rectangle 102">
+            <a:extLst>
+              <a:ext uri="{FF2B5EF4-FFF2-40B4-BE49-F238E27FC236}">
+                <a16:creationId xmlns:a16="http://schemas.microsoft.com/office/drawing/2014/main" id="{10A3A048-BFD4-C5BC-1C0A-6F3C949C3695}"/>
+              </a:ext>
+            </a:extLst>
+          </p:cNvPr>
+          <p:cNvSpPr/>
+          <p:nvPr/>
+        </p:nvSpPr>
+        <p:spPr>
+          <a:xfrm rot="2159910">
+            <a:off x="8099235" y="2521653"/>
+            <a:ext cx="2078554" cy="246068"/>
+          </a:xfrm>
+          <a:prstGeom prst="rect">
+            <a:avLst/>
+          </a:prstGeom>
+          <a:solidFill>
+            <a:srgbClr val="FBE5D6">
+              <a:alpha val="41176"/>
+            </a:srgbClr>
+          </a:solidFill>
+          <a:ln w="28575">
+            <a:solidFill>
+              <a:schemeClr val="accent2">
+                <a:lumMod val="75000"/>
+              </a:schemeClr>
+            </a:solidFill>
+          </a:ln>
+        </p:spPr>
+        <p:style>
+          <a:lnRef idx="2">
+            <a:schemeClr val="accent1">
+              <a:shade val="50000"/>
+            </a:schemeClr>
+          </a:lnRef>
+          <a:fillRef idx="1">
+            <a:schemeClr val="accent1"/>
+          </a:fillRef>
+          <a:effectRef idx="0">
+            <a:schemeClr val="accent1"/>
+          </a:effectRef>
+          <a:fontRef idx="minor">
+            <a:schemeClr val="lt1"/>
+          </a:fontRef>
+        </p:style>
+        <p:txBody>
+          <a:bodyPr rtlCol="0" anchor="ctr"/>
+          <a:lstStyle/>
+          <a:p>
+            <a:pPr algn="ctr"/>
+            <a:endParaRPr lang="fr-FR"/>
+          </a:p>
+        </p:txBody>
+      </p:sp>
+      <p:sp>
+        <p:nvSpPr>
+          <p:cNvPr id="104" name="Oval 103">
+            <a:extLst>
+              <a:ext uri="{FF2B5EF4-FFF2-40B4-BE49-F238E27FC236}">
+                <a16:creationId xmlns:a16="http://schemas.microsoft.com/office/drawing/2014/main" id="{25B47B5E-7871-2DB1-E8B1-AE8904336EFA}"/>
+              </a:ext>
+            </a:extLst>
+          </p:cNvPr>
+          <p:cNvSpPr/>
+          <p:nvPr/>
+        </p:nvSpPr>
+        <p:spPr>
+          <a:xfrm>
+            <a:off x="8268291" y="1980724"/>
+            <a:ext cx="219075" cy="219075"/>
+          </a:xfrm>
+          <a:prstGeom prst="ellipse">
+            <a:avLst/>
+          </a:prstGeom>
+          <a:solidFill>
+            <a:schemeClr val="bg2">
+              <a:lumMod val="90000"/>
+            </a:schemeClr>
+          </a:solidFill>
+          <a:ln w="19050">
+            <a:solidFill>
+              <a:schemeClr val="tx1">
+                <a:lumMod val="85000"/>
+                <a:lumOff val="15000"/>
+              </a:schemeClr>
+            </a:solidFill>
+          </a:ln>
+        </p:spPr>
+        <p:style>
+          <a:lnRef idx="2">
+            <a:schemeClr val="accent1">
+              <a:shade val="50000"/>
+            </a:schemeClr>
+          </a:lnRef>
+          <a:fillRef idx="1">
+            <a:schemeClr val="accent1"/>
+          </a:fillRef>
+          <a:effectRef idx="0">
+            <a:schemeClr val="accent1"/>
+          </a:effectRef>
+          <a:fontRef idx="minor">
+            <a:schemeClr val="lt1"/>
+          </a:fontRef>
+        </p:style>
+        <p:txBody>
+          <a:bodyPr rtlCol="0" anchor="ctr"/>
+          <a:lstStyle/>
+          <a:p>
+            <a:pPr algn="ctr"/>
+            <a:endParaRPr lang="fr-FR"/>
+          </a:p>
+        </p:txBody>
+      </p:sp>
+      <p:sp>
+        <p:nvSpPr>
+          <p:cNvPr id="105" name="Rectangle 104">
+            <a:extLst>
+              <a:ext uri="{FF2B5EF4-FFF2-40B4-BE49-F238E27FC236}">
+                <a16:creationId xmlns:a16="http://schemas.microsoft.com/office/drawing/2014/main" id="{7ECD71B8-2831-0672-41A6-F8A097263A85}"/>
+              </a:ext>
+            </a:extLst>
+          </p:cNvPr>
+          <p:cNvSpPr/>
+          <p:nvPr/>
+        </p:nvSpPr>
+        <p:spPr>
+          <a:xfrm rot="8599422">
+            <a:off x="9529552" y="2508937"/>
+            <a:ext cx="2078554" cy="246068"/>
+          </a:xfrm>
+          <a:prstGeom prst="rect">
+            <a:avLst/>
+          </a:prstGeom>
+          <a:solidFill>
+            <a:srgbClr val="FBE5D6">
+              <a:alpha val="41176"/>
+            </a:srgbClr>
+          </a:solidFill>
+          <a:ln w="28575">
+            <a:solidFill>
+              <a:schemeClr val="accent2">
+                <a:lumMod val="75000"/>
+              </a:schemeClr>
+            </a:solidFill>
+          </a:ln>
+        </p:spPr>
+        <p:style>
+          <a:lnRef idx="2">
+            <a:schemeClr val="accent1">
+              <a:shade val="50000"/>
+            </a:schemeClr>
+          </a:lnRef>
+          <a:fillRef idx="1">
+            <a:schemeClr val="accent1"/>
+          </a:fillRef>
+          <a:effectRef idx="0">
+            <a:schemeClr val="accent1"/>
+          </a:effectRef>
+          <a:fontRef idx="minor">
+            <a:schemeClr val="lt1"/>
+          </a:fontRef>
+        </p:style>
+        <p:txBody>
+          <a:bodyPr rtlCol="0" anchor="ctr"/>
+          <a:lstStyle/>
+          <a:p>
+            <a:pPr algn="ctr"/>
+            <a:endParaRPr lang="fr-FR"/>
+          </a:p>
+        </p:txBody>
+      </p:sp>
+      <p:sp>
+        <p:nvSpPr>
+          <p:cNvPr id="106" name="Oval 105">
+            <a:extLst>
+              <a:ext uri="{FF2B5EF4-FFF2-40B4-BE49-F238E27FC236}">
+                <a16:creationId xmlns:a16="http://schemas.microsoft.com/office/drawing/2014/main" id="{6726FE00-CFE2-A3A9-1AA4-7826FFE51828}"/>
+              </a:ext>
+            </a:extLst>
+          </p:cNvPr>
+          <p:cNvSpPr/>
+          <p:nvPr/>
+        </p:nvSpPr>
+        <p:spPr>
+          <a:xfrm>
+            <a:off x="11180064" y="1980724"/>
+            <a:ext cx="219075" cy="219075"/>
+          </a:xfrm>
+          <a:prstGeom prst="ellipse">
+            <a:avLst/>
+          </a:prstGeom>
+          <a:solidFill>
+            <a:schemeClr val="bg2">
+              <a:lumMod val="90000"/>
+            </a:schemeClr>
+          </a:solidFill>
+          <a:ln w="19050">
+            <a:solidFill>
+              <a:schemeClr val="tx1">
+                <a:lumMod val="85000"/>
+                <a:lumOff val="15000"/>
+              </a:schemeClr>
+            </a:solidFill>
+          </a:ln>
+        </p:spPr>
+        <p:style>
+          <a:lnRef idx="2">
+            <a:schemeClr val="accent1">
+              <a:shade val="50000"/>
+            </a:schemeClr>
+          </a:lnRef>
+          <a:fillRef idx="1">
+            <a:schemeClr val="accent1"/>
+          </a:fillRef>
+          <a:effectRef idx="0">
+            <a:schemeClr val="accent1"/>
+          </a:effectRef>
+          <a:fontRef idx="minor">
+            <a:schemeClr val="lt1"/>
+          </a:fontRef>
+        </p:style>
+        <p:txBody>
+          <a:bodyPr rtlCol="0" anchor="ctr"/>
+          <a:lstStyle/>
+          <a:p>
+            <a:pPr algn="ctr"/>
+            <a:endParaRPr lang="fr-FR"/>
+          </a:p>
+        </p:txBody>
+      </p:sp>
+      <p:sp>
+        <p:nvSpPr>
+          <p:cNvPr id="107" name="Oval 106">
+            <a:extLst>
+              <a:ext uri="{FF2B5EF4-FFF2-40B4-BE49-F238E27FC236}">
+                <a16:creationId xmlns:a16="http://schemas.microsoft.com/office/drawing/2014/main" id="{229C2332-D6B2-6292-DDFD-C4884548D461}"/>
+              </a:ext>
+            </a:extLst>
+          </p:cNvPr>
+          <p:cNvSpPr/>
+          <p:nvPr/>
+        </p:nvSpPr>
+        <p:spPr>
+          <a:xfrm>
+            <a:off x="9763414" y="3060224"/>
+            <a:ext cx="219075" cy="219075"/>
+          </a:xfrm>
+          <a:prstGeom prst="ellipse">
+            <a:avLst/>
+          </a:prstGeom>
+          <a:solidFill>
+            <a:schemeClr val="bg2">
+              <a:lumMod val="90000"/>
+            </a:schemeClr>
+          </a:solidFill>
+          <a:ln w="19050">
+            <a:solidFill>
+              <a:schemeClr val="tx1">
+                <a:lumMod val="85000"/>
+                <a:lumOff val="15000"/>
+              </a:schemeClr>
+            </a:solidFill>
+          </a:ln>
+        </p:spPr>
+        <p:style>
+          <a:lnRef idx="2">
+            <a:schemeClr val="accent1">
+              <a:shade val="50000"/>
+            </a:schemeClr>
+          </a:lnRef>
+          <a:fillRef idx="1">
+            <a:schemeClr val="accent1"/>
+          </a:fillRef>
+          <a:effectRef idx="0">
+            <a:schemeClr val="accent1"/>
+          </a:effectRef>
+          <a:fontRef idx="minor">
+            <a:schemeClr val="lt1"/>
+          </a:fontRef>
+        </p:style>
+        <p:txBody>
+          <a:bodyPr rtlCol="0" anchor="ctr"/>
+          <a:lstStyle/>
+          <a:p>
+            <a:pPr algn="ctr"/>
+            <a:endParaRPr lang="fr-FR"/>
+          </a:p>
+        </p:txBody>
+      </p:sp>
+      <p:sp>
+        <p:nvSpPr>
+          <p:cNvPr id="108" name="Flowchart: Terminator 107">
+            <a:extLst>
+              <a:ext uri="{FF2B5EF4-FFF2-40B4-BE49-F238E27FC236}">
+                <a16:creationId xmlns:a16="http://schemas.microsoft.com/office/drawing/2014/main" id="{CC0CCA4C-F00E-FFB5-0D18-B5480DDB0B88}"/>
+              </a:ext>
+            </a:extLst>
+          </p:cNvPr>
+          <p:cNvSpPr/>
+          <p:nvPr/>
+        </p:nvSpPr>
+        <p:spPr>
+          <a:xfrm rot="5400000">
+            <a:off x="9044989" y="2377336"/>
+            <a:ext cx="1649680" cy="298449"/>
+          </a:xfrm>
+          <a:prstGeom prst="flowChartTerminator">
+            <a:avLst/>
+          </a:prstGeom>
+          <a:noFill/>
+          <a:ln w="38100">
+            <a:solidFill>
+              <a:schemeClr val="tx1"/>
+            </a:solidFill>
+          </a:ln>
+        </p:spPr>
+        <p:style>
+          <a:lnRef idx="2">
+            <a:schemeClr val="accent1">
+              <a:shade val="50000"/>
+            </a:schemeClr>
+          </a:lnRef>
+          <a:fillRef idx="1">
+            <a:schemeClr val="accent1"/>
+          </a:fillRef>
+          <a:effectRef idx="0">
+            <a:schemeClr val="accent1"/>
+          </a:effectRef>
+          <a:fontRef idx="minor">
+            <a:schemeClr val="lt1"/>
+          </a:fontRef>
+        </p:style>
+        <p:txBody>
+          <a:bodyPr rtlCol="0" anchor="ctr"/>
+          <a:lstStyle/>
+          <a:p>
+            <a:pPr algn="ctr"/>
+            <a:endParaRPr lang="fr-FR"/>
+          </a:p>
+        </p:txBody>
+      </p:sp>
+      <p:sp>
+        <p:nvSpPr>
+          <p:cNvPr id="109" name="TextBox 108">
+            <a:extLst>
+              <a:ext uri="{FF2B5EF4-FFF2-40B4-BE49-F238E27FC236}">
+                <a16:creationId xmlns:a16="http://schemas.microsoft.com/office/drawing/2014/main" id="{A517C46C-875B-9255-D66E-BA00C0F71EE2}"/>
+              </a:ext>
+            </a:extLst>
+          </p:cNvPr>
+          <p:cNvSpPr txBox="1"/>
+          <p:nvPr/>
+        </p:nvSpPr>
+        <p:spPr>
+          <a:xfrm>
+            <a:off x="8662614" y="705793"/>
+            <a:ext cx="2414429" cy="369332"/>
+          </a:xfrm>
+          <a:prstGeom prst="rect">
+            <a:avLst/>
+          </a:prstGeom>
+          <a:noFill/>
+        </p:spPr>
+        <p:txBody>
+          <a:bodyPr wrap="square" rtlCol="0">
+            <a:spAutoFit/>
+          </a:bodyPr>
+          <a:lstStyle/>
+          <a:p>
+            <a:pPr algn="ctr"/>
+            <a:r>
+              <a:rPr lang="fr-FR" dirty="0"/>
+              <a:t>Version plus simple ?</a:t>
+            </a:r>
+          </a:p>
+        </p:txBody>
+      </p:sp>
+    </p:spTree>
+    <p:extLst>
+      <p:ext uri="{BB962C8B-B14F-4D97-AF65-F5344CB8AC3E}">
+        <p14:creationId xmlns:p14="http://schemas.microsoft.com/office/powerpoint/2010/main" val="2578399528"/>
+      </p:ext>
+    </p:extLst>
+  </p:cSld>
+  <p:clrMapOvr>
+    <a:masterClrMapping/>
+  </p:clrMapOvr>
+</p:sld>
+</file>
+
+<file path=ppt/slides/slide3.xml><?xml version="1.0" encoding="utf-8"?>
+<p:sld xmlns:a="http://schemas.openxmlformats.org/drawingml/2006/main" xmlns:r="http://schemas.openxmlformats.org/officeDocument/2006/relationships" xmlns:p="http://schemas.openxmlformats.org/presentationml/2006/main">
+  <p:cSld>
+    <p:spTree>
+      <p:nvGrpSpPr>
+        <p:cNvPr id="1" name=""/>
+        <p:cNvGrpSpPr/>
+        <p:nvPr/>
+      </p:nvGrpSpPr>
+      <p:grpSpPr>
+        <a:xfrm>
+          <a:off x="0" y="0"/>
+          <a:ext cx="0" cy="0"/>
+          <a:chOff x="0" y="0"/>
+          <a:chExt cx="0" cy="0"/>
+        </a:xfrm>
+      </p:grpSpPr>
+      <p:sp>
+        <p:nvSpPr>
+          <p:cNvPr id="50" name="Rectangle 49">
+            <a:extLst>
+              <a:ext uri="{FF2B5EF4-FFF2-40B4-BE49-F238E27FC236}">
+                <a16:creationId xmlns:a16="http://schemas.microsoft.com/office/drawing/2014/main" id="{8FAF714E-78E0-B28D-5FEC-E52D3AA61759}"/>
+              </a:ext>
+            </a:extLst>
+          </p:cNvPr>
+          <p:cNvSpPr/>
+          <p:nvPr/>
+        </p:nvSpPr>
+        <p:spPr>
+          <a:xfrm rot="1800000">
+            <a:off x="3681037" y="2663071"/>
+            <a:ext cx="2449503" cy="324892"/>
+          </a:xfrm>
+          <a:prstGeom prst="rect">
+            <a:avLst/>
+          </a:prstGeom>
+          <a:solidFill>
+            <a:srgbClr val="FBE5D6">
+              <a:alpha val="41176"/>
+            </a:srgbClr>
+          </a:solidFill>
+          <a:ln w="28575">
+            <a:solidFill>
+              <a:schemeClr val="accent2">
+                <a:lumMod val="75000"/>
+              </a:schemeClr>
+            </a:solidFill>
+          </a:ln>
+        </p:spPr>
+        <p:style>
+          <a:lnRef idx="2">
+            <a:schemeClr val="accent1">
+              <a:shade val="50000"/>
+            </a:schemeClr>
+          </a:lnRef>
+          <a:fillRef idx="1">
+            <a:schemeClr val="accent1"/>
+          </a:fillRef>
+          <a:effectRef idx="0">
+            <a:schemeClr val="accent1"/>
+          </a:effectRef>
+          <a:fontRef idx="minor">
+            <a:schemeClr val="lt1"/>
+          </a:fontRef>
+        </p:style>
+        <p:txBody>
+          <a:bodyPr rtlCol="0" anchor="ctr"/>
+          <a:lstStyle/>
+          <a:p>
+            <a:pPr algn="ctr"/>
+            <a:endParaRPr lang="fr-FR"/>
+          </a:p>
+        </p:txBody>
+      </p:sp>
+      <p:sp>
+        <p:nvSpPr>
+          <p:cNvPr id="4" name="Rectangle 3">
+            <a:extLst>
+              <a:ext uri="{FF2B5EF4-FFF2-40B4-BE49-F238E27FC236}">
+                <a16:creationId xmlns:a16="http://schemas.microsoft.com/office/drawing/2014/main" id="{030170D3-83CD-B995-D69B-B7E97C49A998}"/>
+              </a:ext>
+            </a:extLst>
+          </p:cNvPr>
+          <p:cNvSpPr/>
+          <p:nvPr/>
+        </p:nvSpPr>
+        <p:spPr>
+          <a:xfrm>
+            <a:off x="4123607" y="5151343"/>
+            <a:ext cx="3944786" cy="74823"/>
+          </a:xfrm>
+          <a:prstGeom prst="rect">
+            <a:avLst/>
+          </a:prstGeom>
+          <a:solidFill>
+            <a:srgbClr val="FBE5D6">
+              <a:alpha val="41176"/>
+            </a:srgbClr>
+          </a:solidFill>
+          <a:ln w="28575">
+            <a:solidFill>
+              <a:schemeClr val="accent2">
+                <a:lumMod val="75000"/>
+              </a:schemeClr>
+            </a:solidFill>
+          </a:ln>
+        </p:spPr>
+        <p:style>
+          <a:lnRef idx="2">
+            <a:schemeClr val="accent1">
+              <a:shade val="50000"/>
+            </a:schemeClr>
+          </a:lnRef>
+          <a:fillRef idx="1">
+            <a:schemeClr val="accent1"/>
+          </a:fillRef>
+          <a:effectRef idx="0">
+            <a:schemeClr val="accent1"/>
+          </a:effectRef>
+          <a:fontRef idx="minor">
+            <a:schemeClr val="lt1"/>
+          </a:fontRef>
+        </p:style>
+        <p:txBody>
+          <a:bodyPr rtlCol="0" anchor="ctr"/>
+          <a:lstStyle/>
+          <a:p>
+            <a:pPr algn="ctr"/>
+            <a:endParaRPr lang="fr-FR"/>
+          </a:p>
+        </p:txBody>
+      </p:sp>
+      <p:sp>
+        <p:nvSpPr>
+          <p:cNvPr id="5" name="Rectangle 4">
+            <a:extLst>
+              <a:ext uri="{FF2B5EF4-FFF2-40B4-BE49-F238E27FC236}">
+                <a16:creationId xmlns:a16="http://schemas.microsoft.com/office/drawing/2014/main" id="{9301FB6A-7FDB-5E4B-F10A-C4E203CD856A}"/>
+              </a:ext>
+            </a:extLst>
+          </p:cNvPr>
+          <p:cNvSpPr/>
+          <p:nvPr/>
+        </p:nvSpPr>
+        <p:spPr>
+          <a:xfrm>
+            <a:off x="3501308" y="4791179"/>
+            <a:ext cx="2608772" cy="74823"/>
+          </a:xfrm>
+          <a:prstGeom prst="rect">
+            <a:avLst/>
+          </a:prstGeom>
+          <a:solidFill>
+            <a:srgbClr val="FBE5D6">
+              <a:alpha val="41176"/>
+            </a:srgbClr>
+          </a:solidFill>
+          <a:ln w="28575">
+            <a:solidFill>
+              <a:schemeClr val="accent2">
+                <a:lumMod val="75000"/>
+              </a:schemeClr>
+            </a:solidFill>
+          </a:ln>
+        </p:spPr>
+        <p:style>
+          <a:lnRef idx="2">
+            <a:schemeClr val="accent1">
+              <a:shade val="50000"/>
+            </a:schemeClr>
+          </a:lnRef>
+          <a:fillRef idx="1">
+            <a:schemeClr val="accent1"/>
+          </a:fillRef>
+          <a:effectRef idx="0">
+            <a:schemeClr val="accent1"/>
+          </a:effectRef>
+          <a:fontRef idx="minor">
+            <a:schemeClr val="lt1"/>
+          </a:fontRef>
+        </p:style>
+        <p:txBody>
+          <a:bodyPr rtlCol="0" anchor="ctr"/>
+          <a:lstStyle/>
+          <a:p>
+            <a:pPr algn="ctr"/>
+            <a:endParaRPr lang="fr-FR"/>
+          </a:p>
+        </p:txBody>
+      </p:sp>
+      <p:sp>
+        <p:nvSpPr>
+          <p:cNvPr id="6" name="Rectangle 5">
+            <a:extLst>
+              <a:ext uri="{FF2B5EF4-FFF2-40B4-BE49-F238E27FC236}">
+                <a16:creationId xmlns:a16="http://schemas.microsoft.com/office/drawing/2014/main" id="{6FA8E181-1312-0534-E61F-9106FBE27A65}"/>
+              </a:ext>
+            </a:extLst>
+          </p:cNvPr>
+          <p:cNvSpPr/>
+          <p:nvPr/>
+        </p:nvSpPr>
+        <p:spPr>
+          <a:xfrm>
+            <a:off x="3501308" y="5231759"/>
+            <a:ext cx="2608772" cy="74823"/>
+          </a:xfrm>
+          <a:prstGeom prst="rect">
+            <a:avLst/>
+          </a:prstGeom>
+          <a:solidFill>
+            <a:srgbClr val="FBE5D6">
+              <a:alpha val="41176"/>
+            </a:srgbClr>
+          </a:solidFill>
+          <a:ln w="28575">
+            <a:solidFill>
+              <a:schemeClr val="accent2">
+                <a:lumMod val="75000"/>
+              </a:schemeClr>
+            </a:solidFill>
+          </a:ln>
+        </p:spPr>
+        <p:style>
+          <a:lnRef idx="2">
+            <a:schemeClr val="accent1">
+              <a:shade val="50000"/>
+            </a:schemeClr>
+          </a:lnRef>
+          <a:fillRef idx="1">
+            <a:schemeClr val="accent1"/>
+          </a:fillRef>
+          <a:effectRef idx="0">
+            <a:schemeClr val="accent1"/>
+          </a:effectRef>
+          <a:fontRef idx="minor">
+            <a:schemeClr val="lt1"/>
+          </a:fontRef>
+        </p:style>
+        <p:txBody>
+          <a:bodyPr rtlCol="0" anchor="ctr"/>
+          <a:lstStyle/>
+          <a:p>
+            <a:pPr algn="ctr"/>
+            <a:endParaRPr lang="fr-FR"/>
+          </a:p>
+        </p:txBody>
+      </p:sp>
+      <p:sp>
+        <p:nvSpPr>
+          <p:cNvPr id="7" name="Rectangle 6">
+            <a:extLst>
+              <a:ext uri="{FF2B5EF4-FFF2-40B4-BE49-F238E27FC236}">
+                <a16:creationId xmlns:a16="http://schemas.microsoft.com/office/drawing/2014/main" id="{192AD484-B4D0-C6CE-FE11-C1BAD5465D8A}"/>
+              </a:ext>
+            </a:extLst>
+          </p:cNvPr>
+          <p:cNvSpPr/>
+          <p:nvPr/>
+        </p:nvSpPr>
+        <p:spPr>
+          <a:xfrm>
+            <a:off x="4123607" y="4866002"/>
+            <a:ext cx="3944786" cy="74823"/>
+          </a:xfrm>
+          <a:prstGeom prst="rect">
+            <a:avLst/>
+          </a:prstGeom>
+          <a:solidFill>
+            <a:srgbClr val="FBE5D6">
+              <a:alpha val="41176"/>
+            </a:srgbClr>
+          </a:solidFill>
+          <a:ln w="28575">
+            <a:solidFill>
+              <a:schemeClr val="accent2">
+                <a:lumMod val="75000"/>
+              </a:schemeClr>
+            </a:solidFill>
+          </a:ln>
+        </p:spPr>
+        <p:style>
+          <a:lnRef idx="2">
+            <a:schemeClr val="accent1">
+              <a:shade val="50000"/>
+            </a:schemeClr>
+          </a:lnRef>
+          <a:fillRef idx="1">
+            <a:schemeClr val="accent1"/>
+          </a:fillRef>
+          <a:effectRef idx="0">
+            <a:schemeClr val="accent1"/>
+          </a:effectRef>
+          <a:fontRef idx="minor">
+            <a:schemeClr val="lt1"/>
+          </a:fontRef>
+        </p:style>
+        <p:txBody>
+          <a:bodyPr rtlCol="0" anchor="ctr"/>
+          <a:lstStyle/>
+          <a:p>
+            <a:pPr algn="ctr"/>
+            <a:endParaRPr lang="fr-FR"/>
+          </a:p>
+        </p:txBody>
+      </p:sp>
+      <p:sp>
+        <p:nvSpPr>
+          <p:cNvPr id="8" name="Rectangle 7">
+            <a:extLst>
+              <a:ext uri="{FF2B5EF4-FFF2-40B4-BE49-F238E27FC236}">
+                <a16:creationId xmlns:a16="http://schemas.microsoft.com/office/drawing/2014/main" id="{818C1711-3E57-1364-A46F-31697A885E2D}"/>
+              </a:ext>
+            </a:extLst>
+          </p:cNvPr>
+          <p:cNvSpPr/>
+          <p:nvPr/>
+        </p:nvSpPr>
+        <p:spPr>
+          <a:xfrm>
+            <a:off x="3575789" y="4764506"/>
+            <a:ext cx="120650" cy="721519"/>
+          </a:xfrm>
+          <a:prstGeom prst="rect">
+            <a:avLst/>
+          </a:prstGeom>
+          <a:solidFill>
+            <a:schemeClr val="bg2">
+              <a:alpha val="41176"/>
+            </a:schemeClr>
+          </a:solidFill>
+          <a:ln w="28575">
+            <a:solidFill>
+              <a:schemeClr val="tx1">
+                <a:lumMod val="75000"/>
+                <a:lumOff val="25000"/>
+              </a:schemeClr>
+            </a:solidFill>
+          </a:ln>
+        </p:spPr>
+        <p:style>
+          <a:lnRef idx="2">
+            <a:schemeClr val="accent1">
+              <a:shade val="50000"/>
+            </a:schemeClr>
+          </a:lnRef>
+          <a:fillRef idx="1">
+            <a:schemeClr val="accent1"/>
+          </a:fillRef>
+          <a:effectRef idx="0">
+            <a:schemeClr val="accent1"/>
+          </a:effectRef>
+          <a:fontRef idx="minor">
+            <a:schemeClr val="lt1"/>
+          </a:fontRef>
+        </p:style>
+        <p:txBody>
+          <a:bodyPr rtlCol="0" anchor="ctr"/>
+          <a:lstStyle/>
+          <a:p>
+            <a:pPr algn="ctr"/>
+            <a:endParaRPr lang="fr-FR"/>
+          </a:p>
+        </p:txBody>
+      </p:sp>
+      <p:sp>
+        <p:nvSpPr>
+          <p:cNvPr id="19" name="Rectangle 18">
+            <a:extLst>
+              <a:ext uri="{FF2B5EF4-FFF2-40B4-BE49-F238E27FC236}">
+                <a16:creationId xmlns:a16="http://schemas.microsoft.com/office/drawing/2014/main" id="{F42D87F0-7846-EC52-8A01-A3034DFB5A8D}"/>
+              </a:ext>
+            </a:extLst>
+          </p:cNvPr>
+          <p:cNvSpPr/>
+          <p:nvPr/>
+        </p:nvSpPr>
+        <p:spPr>
+          <a:xfrm>
+            <a:off x="3884577" y="2178947"/>
+            <a:ext cx="3959324" cy="238600"/>
+          </a:xfrm>
+          <a:prstGeom prst="rect">
+            <a:avLst/>
+          </a:prstGeom>
+          <a:noFill/>
+          <a:ln w="28575">
+            <a:solidFill>
+              <a:schemeClr val="tx1"/>
+            </a:solidFill>
+          </a:ln>
+        </p:spPr>
+        <p:style>
+          <a:lnRef idx="2">
+            <a:schemeClr val="accent1">
+              <a:shade val="50000"/>
+            </a:schemeClr>
+          </a:lnRef>
+          <a:fillRef idx="1">
+            <a:schemeClr val="accent1"/>
+          </a:fillRef>
+          <a:effectRef idx="0">
+            <a:schemeClr val="accent1"/>
+          </a:effectRef>
+          <a:fontRef idx="minor">
+            <a:schemeClr val="lt1"/>
+          </a:fontRef>
+        </p:style>
+        <p:txBody>
+          <a:bodyPr rtlCol="0" anchor="ctr"/>
+          <a:lstStyle/>
+          <a:p>
+            <a:pPr algn="ctr"/>
+            <a:endParaRPr lang="fr-FR"/>
+          </a:p>
+        </p:txBody>
+      </p:sp>
+      <p:sp>
+        <p:nvSpPr>
+          <p:cNvPr id="21" name="Rectangle 20">
+            <a:extLst>
+              <a:ext uri="{FF2B5EF4-FFF2-40B4-BE49-F238E27FC236}">
+                <a16:creationId xmlns:a16="http://schemas.microsoft.com/office/drawing/2014/main" id="{D1519737-84C7-62F7-7879-1538EDC45811}"/>
+              </a:ext>
+            </a:extLst>
+          </p:cNvPr>
+          <p:cNvSpPr/>
+          <p:nvPr/>
+        </p:nvSpPr>
+        <p:spPr>
+          <a:xfrm rot="19800000">
+            <a:off x="4436089" y="2996359"/>
+            <a:ext cx="3690995" cy="324892"/>
+          </a:xfrm>
+          <a:prstGeom prst="rect">
+            <a:avLst/>
+          </a:prstGeom>
+          <a:solidFill>
+            <a:srgbClr val="FBE5D6">
+              <a:alpha val="41176"/>
+            </a:srgbClr>
+          </a:solidFill>
+          <a:ln w="28575">
+            <a:solidFill>
+              <a:schemeClr val="accent2">
+                <a:lumMod val="75000"/>
+              </a:schemeClr>
+            </a:solidFill>
+          </a:ln>
+        </p:spPr>
+        <p:style>
+          <a:lnRef idx="2">
+            <a:schemeClr val="accent1">
+              <a:shade val="50000"/>
+            </a:schemeClr>
+          </a:lnRef>
+          <a:fillRef idx="1">
+            <a:schemeClr val="accent1"/>
+          </a:fillRef>
+          <a:effectRef idx="0">
+            <a:schemeClr val="accent1"/>
+          </a:effectRef>
+          <a:fontRef idx="minor">
+            <a:schemeClr val="lt1"/>
+          </a:fontRef>
+        </p:style>
+        <p:txBody>
+          <a:bodyPr rtlCol="0" anchor="ctr"/>
+          <a:lstStyle/>
+          <a:p>
+            <a:pPr algn="ctr"/>
+            <a:endParaRPr lang="fr-FR"/>
+          </a:p>
+        </p:txBody>
+      </p:sp>
+      <p:sp>
+        <p:nvSpPr>
+          <p:cNvPr id="22" name="Rectangle 21">
+            <a:extLst>
+              <a:ext uri="{FF2B5EF4-FFF2-40B4-BE49-F238E27FC236}">
+                <a16:creationId xmlns:a16="http://schemas.microsoft.com/office/drawing/2014/main" id="{EA1AAD11-07EF-AD06-8FB8-A6C2AB877E80}"/>
+              </a:ext>
+            </a:extLst>
+          </p:cNvPr>
+          <p:cNvSpPr/>
+          <p:nvPr/>
+        </p:nvSpPr>
+        <p:spPr>
+          <a:xfrm rot="19800000">
+            <a:off x="3622458" y="1578680"/>
+            <a:ext cx="2449503" cy="324892"/>
+          </a:xfrm>
+          <a:prstGeom prst="rect">
+            <a:avLst/>
+          </a:prstGeom>
+          <a:solidFill>
+            <a:srgbClr val="FBE5D6">
+              <a:alpha val="41176"/>
+            </a:srgbClr>
+          </a:solidFill>
+          <a:ln w="28575">
+            <a:solidFill>
+              <a:schemeClr val="accent2">
+                <a:lumMod val="75000"/>
+              </a:schemeClr>
+            </a:solidFill>
+          </a:ln>
+        </p:spPr>
+        <p:style>
+          <a:lnRef idx="2">
+            <a:schemeClr val="accent1">
+              <a:shade val="50000"/>
+            </a:schemeClr>
+          </a:lnRef>
+          <a:fillRef idx="1">
+            <a:schemeClr val="accent1"/>
+          </a:fillRef>
+          <a:effectRef idx="0">
+            <a:schemeClr val="accent1"/>
+          </a:effectRef>
+          <a:fontRef idx="minor">
+            <a:schemeClr val="lt1"/>
+          </a:fontRef>
+        </p:style>
+        <p:txBody>
+          <a:bodyPr rtlCol="0" anchor="ctr"/>
+          <a:lstStyle/>
+          <a:p>
+            <a:pPr algn="ctr"/>
+            <a:endParaRPr lang="fr-FR"/>
+          </a:p>
+        </p:txBody>
+      </p:sp>
+      <p:sp>
+        <p:nvSpPr>
+          <p:cNvPr id="24" name="Rectangle 23">
+            <a:extLst>
+              <a:ext uri="{FF2B5EF4-FFF2-40B4-BE49-F238E27FC236}">
+                <a16:creationId xmlns:a16="http://schemas.microsoft.com/office/drawing/2014/main" id="{C0B5FB3A-EC32-009A-9F46-56386343A962}"/>
+              </a:ext>
+            </a:extLst>
+          </p:cNvPr>
+          <p:cNvSpPr/>
+          <p:nvPr/>
+        </p:nvSpPr>
+        <p:spPr>
+          <a:xfrm rot="1800000">
+            <a:off x="4436087" y="1298410"/>
+            <a:ext cx="3690995" cy="324892"/>
+          </a:xfrm>
+          <a:prstGeom prst="rect">
+            <a:avLst/>
+          </a:prstGeom>
+          <a:solidFill>
+            <a:srgbClr val="FBE5D6">
+              <a:alpha val="41176"/>
+            </a:srgbClr>
+          </a:solidFill>
+          <a:ln w="28575">
+            <a:solidFill>
+              <a:schemeClr val="accent2">
+                <a:lumMod val="75000"/>
+              </a:schemeClr>
+            </a:solidFill>
+          </a:ln>
+        </p:spPr>
+        <p:style>
+          <a:lnRef idx="2">
+            <a:schemeClr val="accent1">
+              <a:shade val="50000"/>
+            </a:schemeClr>
+          </a:lnRef>
+          <a:fillRef idx="1">
+            <a:schemeClr val="accent1"/>
+          </a:fillRef>
+          <a:effectRef idx="0">
+            <a:schemeClr val="accent1"/>
+          </a:effectRef>
+          <a:fontRef idx="minor">
+            <a:schemeClr val="lt1"/>
+          </a:fontRef>
+        </p:style>
+        <p:txBody>
+          <a:bodyPr rtlCol="0" anchor="ctr"/>
+          <a:lstStyle/>
+          <a:p>
+            <a:pPr algn="ctr"/>
+            <a:endParaRPr lang="fr-FR"/>
+          </a:p>
+        </p:txBody>
+      </p:sp>
+      <p:sp>
+        <p:nvSpPr>
+          <p:cNvPr id="25" name="Oval 24">
+            <a:extLst>
+              <a:ext uri="{FF2B5EF4-FFF2-40B4-BE49-F238E27FC236}">
+                <a16:creationId xmlns:a16="http://schemas.microsoft.com/office/drawing/2014/main" id="{15C9E012-B268-14FE-0AB0-6BB8432FA891}"/>
+              </a:ext>
+            </a:extLst>
+          </p:cNvPr>
+          <p:cNvSpPr/>
+          <p:nvPr/>
+        </p:nvSpPr>
+        <p:spPr>
+          <a:xfrm>
+            <a:off x="5694700" y="1076905"/>
+            <a:ext cx="219075" cy="219075"/>
+          </a:xfrm>
+          <a:prstGeom prst="ellipse">
+            <a:avLst/>
+          </a:prstGeom>
+          <a:solidFill>
+            <a:schemeClr val="bg2">
+              <a:lumMod val="90000"/>
+            </a:schemeClr>
+          </a:solidFill>
+          <a:ln w="19050">
+            <a:solidFill>
+              <a:schemeClr val="tx1">
+                <a:lumMod val="85000"/>
+                <a:lumOff val="15000"/>
+              </a:schemeClr>
+            </a:solidFill>
+          </a:ln>
+        </p:spPr>
+        <p:style>
+          <a:lnRef idx="2">
+            <a:schemeClr val="accent1">
+              <a:shade val="50000"/>
+            </a:schemeClr>
+          </a:lnRef>
+          <a:fillRef idx="1">
+            <a:schemeClr val="accent1"/>
+          </a:fillRef>
+          <a:effectRef idx="0">
+            <a:schemeClr val="accent1"/>
+          </a:effectRef>
+          <a:fontRef idx="minor">
+            <a:schemeClr val="lt1"/>
+          </a:fontRef>
+        </p:style>
+        <p:txBody>
+          <a:bodyPr rtlCol="0" anchor="ctr"/>
+          <a:lstStyle/>
+          <a:p>
+            <a:pPr algn="ctr"/>
+            <a:endParaRPr lang="fr-FR"/>
+          </a:p>
+        </p:txBody>
+      </p:sp>
+      <p:sp>
+        <p:nvSpPr>
+          <p:cNvPr id="26" name="Oval 25">
+            <a:extLst>
+              <a:ext uri="{FF2B5EF4-FFF2-40B4-BE49-F238E27FC236}">
+                <a16:creationId xmlns:a16="http://schemas.microsoft.com/office/drawing/2014/main" id="{E4831BB6-B01C-83CE-C7F2-9ED7DDC39587}"/>
+              </a:ext>
+            </a:extLst>
+          </p:cNvPr>
+          <p:cNvSpPr/>
+          <p:nvPr/>
+        </p:nvSpPr>
+        <p:spPr>
+          <a:xfrm>
+            <a:off x="3884577" y="2185303"/>
+            <a:ext cx="219075" cy="219075"/>
+          </a:xfrm>
+          <a:prstGeom prst="ellipse">
+            <a:avLst/>
+          </a:prstGeom>
+          <a:solidFill>
+            <a:schemeClr val="bg2">
+              <a:lumMod val="90000"/>
+            </a:schemeClr>
+          </a:solidFill>
+          <a:ln w="19050">
+            <a:solidFill>
+              <a:schemeClr val="tx1">
+                <a:lumMod val="85000"/>
+                <a:lumOff val="15000"/>
+              </a:schemeClr>
+            </a:solidFill>
+          </a:ln>
+        </p:spPr>
+        <p:style>
+          <a:lnRef idx="2">
+            <a:schemeClr val="accent1">
+              <a:shade val="50000"/>
+            </a:schemeClr>
+          </a:lnRef>
+          <a:fillRef idx="1">
+            <a:schemeClr val="accent1"/>
+          </a:fillRef>
+          <a:effectRef idx="0">
+            <a:schemeClr val="accent1"/>
+          </a:effectRef>
+          <a:fontRef idx="minor">
+            <a:schemeClr val="lt1"/>
+          </a:fontRef>
+        </p:style>
+        <p:txBody>
+          <a:bodyPr rtlCol="0" anchor="ctr"/>
+          <a:lstStyle/>
+          <a:p>
+            <a:pPr algn="ctr"/>
+            <a:endParaRPr lang="fr-FR"/>
+          </a:p>
+        </p:txBody>
+      </p:sp>
+      <p:sp>
+        <p:nvSpPr>
+          <p:cNvPr id="28" name="Oval 27">
+            <a:extLst>
+              <a:ext uri="{FF2B5EF4-FFF2-40B4-BE49-F238E27FC236}">
+                <a16:creationId xmlns:a16="http://schemas.microsoft.com/office/drawing/2014/main" id="{34C5A6AF-2445-099F-C1A5-B39D562E1DFD}"/>
+              </a:ext>
+            </a:extLst>
+          </p:cNvPr>
+          <p:cNvSpPr/>
+          <p:nvPr/>
+        </p:nvSpPr>
+        <p:spPr>
+          <a:xfrm>
+            <a:off x="7601536" y="2198472"/>
+            <a:ext cx="219075" cy="219075"/>
+          </a:xfrm>
+          <a:prstGeom prst="ellipse">
+            <a:avLst/>
+          </a:prstGeom>
+          <a:solidFill>
+            <a:schemeClr val="bg2">
+              <a:lumMod val="90000"/>
+            </a:schemeClr>
+          </a:solidFill>
+          <a:ln w="19050">
+            <a:solidFill>
+              <a:schemeClr val="tx1">
+                <a:lumMod val="85000"/>
+                <a:lumOff val="15000"/>
+              </a:schemeClr>
+            </a:solidFill>
+          </a:ln>
+        </p:spPr>
+        <p:style>
+          <a:lnRef idx="2">
+            <a:schemeClr val="accent1">
+              <a:shade val="50000"/>
+            </a:schemeClr>
+          </a:lnRef>
+          <a:fillRef idx="1">
+            <a:schemeClr val="accent1"/>
+          </a:fillRef>
+          <a:effectRef idx="0">
+            <a:schemeClr val="accent1"/>
+          </a:effectRef>
+          <a:fontRef idx="minor">
+            <a:schemeClr val="lt1"/>
+          </a:fontRef>
+        </p:style>
+        <p:txBody>
+          <a:bodyPr rtlCol="0" anchor="ctr"/>
+          <a:lstStyle/>
+          <a:p>
+            <a:pPr algn="ctr"/>
+            <a:endParaRPr lang="fr-FR"/>
+          </a:p>
+        </p:txBody>
+      </p:sp>
+      <p:sp>
+        <p:nvSpPr>
+          <p:cNvPr id="30" name="Oval 29">
+            <a:extLst>
+              <a:ext uri="{FF2B5EF4-FFF2-40B4-BE49-F238E27FC236}">
+                <a16:creationId xmlns:a16="http://schemas.microsoft.com/office/drawing/2014/main" id="{36513631-1D7A-048E-25F4-9B48CF82E470}"/>
+              </a:ext>
+            </a:extLst>
+          </p:cNvPr>
+          <p:cNvSpPr/>
+          <p:nvPr/>
+        </p:nvSpPr>
+        <p:spPr>
+          <a:xfrm>
+            <a:off x="5714105" y="3290172"/>
+            <a:ext cx="219075" cy="219075"/>
+          </a:xfrm>
+          <a:prstGeom prst="ellipse">
+            <a:avLst/>
+          </a:prstGeom>
+          <a:solidFill>
+            <a:schemeClr val="bg2">
+              <a:lumMod val="90000"/>
+            </a:schemeClr>
+          </a:solidFill>
+          <a:ln w="19050">
+            <a:solidFill>
+              <a:schemeClr val="tx1">
+                <a:lumMod val="85000"/>
+                <a:lumOff val="15000"/>
+              </a:schemeClr>
+            </a:solidFill>
+          </a:ln>
+        </p:spPr>
+        <p:style>
+          <a:lnRef idx="2">
+            <a:schemeClr val="accent1">
+              <a:shade val="50000"/>
+            </a:schemeClr>
+          </a:lnRef>
+          <a:fillRef idx="1">
+            <a:schemeClr val="accent1"/>
+          </a:fillRef>
+          <a:effectRef idx="0">
+            <a:schemeClr val="accent1"/>
+          </a:effectRef>
+          <a:fontRef idx="minor">
+            <a:schemeClr val="lt1"/>
+          </a:fontRef>
+        </p:style>
+        <p:txBody>
+          <a:bodyPr rtlCol="0" anchor="ctr"/>
+          <a:lstStyle/>
+          <a:p>
+            <a:pPr algn="ctr"/>
+            <a:endParaRPr lang="fr-FR"/>
+          </a:p>
+        </p:txBody>
+      </p:sp>
+      <p:sp>
+        <p:nvSpPr>
+          <p:cNvPr id="33" name="Rectangle: Top Corners Rounded 32">
+            <a:extLst>
+              <a:ext uri="{FF2B5EF4-FFF2-40B4-BE49-F238E27FC236}">
+                <a16:creationId xmlns:a16="http://schemas.microsoft.com/office/drawing/2014/main" id="{ADB1191F-77F5-EB1A-6029-5587321D610C}"/>
+              </a:ext>
+            </a:extLst>
+          </p:cNvPr>
+          <p:cNvSpPr/>
+          <p:nvPr/>
+        </p:nvSpPr>
+        <p:spPr>
+          <a:xfrm>
+            <a:off x="3501308" y="4630109"/>
+            <a:ext cx="269612" cy="131647"/>
+          </a:xfrm>
+          <a:prstGeom prst="round2SameRect">
+            <a:avLst>
+              <a:gd name="adj1" fmla="val 47417"/>
+              <a:gd name="adj2" fmla="val 0"/>
+            </a:avLst>
+          </a:prstGeom>
+          <a:solidFill>
+            <a:schemeClr val="bg2">
+              <a:alpha val="41176"/>
+            </a:schemeClr>
+          </a:solidFill>
+          <a:ln w="28575">
+            <a:solidFill>
+              <a:schemeClr val="tx1">
+                <a:lumMod val="75000"/>
+                <a:lumOff val="25000"/>
+              </a:schemeClr>
+            </a:solidFill>
+          </a:ln>
+        </p:spPr>
+        <p:style>
+          <a:lnRef idx="2">
+            <a:schemeClr val="accent1">
+              <a:shade val="50000"/>
+            </a:schemeClr>
+          </a:lnRef>
+          <a:fillRef idx="1">
+            <a:schemeClr val="accent1"/>
+          </a:fillRef>
+          <a:effectRef idx="0">
+            <a:schemeClr val="accent1"/>
+          </a:effectRef>
+          <a:fontRef idx="minor">
+            <a:schemeClr val="lt1"/>
+          </a:fontRef>
+        </p:style>
+        <p:txBody>
+          <a:bodyPr rtlCol="0" anchor="ctr"/>
+          <a:lstStyle/>
+          <a:p>
+            <a:pPr algn="ctr"/>
+            <a:endParaRPr lang="fr-FR"/>
+          </a:p>
+        </p:txBody>
+      </p:sp>
+      <p:grpSp>
+        <p:nvGrpSpPr>
+          <p:cNvPr id="49" name="Group 48">
+            <a:extLst>
+              <a:ext uri="{FF2B5EF4-FFF2-40B4-BE49-F238E27FC236}">
+                <a16:creationId xmlns:a16="http://schemas.microsoft.com/office/drawing/2014/main" id="{68E4A09A-0C2E-B93E-A548-269B61CE5F7F}"/>
+              </a:ext>
+            </a:extLst>
+          </p:cNvPr>
+          <p:cNvGrpSpPr/>
+          <p:nvPr/>
+        </p:nvGrpSpPr>
+        <p:grpSpPr>
+          <a:xfrm rot="5400000">
+            <a:off x="9676612" y="1382387"/>
+            <a:ext cx="1624307" cy="1803502"/>
+            <a:chOff x="7906920" y="1323500"/>
+            <a:chExt cx="3841589" cy="4265397"/>
+          </a:xfrm>
+        </p:grpSpPr>
+        <p:sp>
+          <p:nvSpPr>
+            <p:cNvPr id="34" name="Rectangle 33">
+              <a:extLst>
+                <a:ext uri="{FF2B5EF4-FFF2-40B4-BE49-F238E27FC236}">
+                  <a16:creationId xmlns:a16="http://schemas.microsoft.com/office/drawing/2014/main" id="{F2027351-7565-35E3-34FE-321D3ED28D40}"/>
+                </a:ext>
+              </a:extLst>
+            </p:cNvPr>
+            <p:cNvSpPr/>
+            <p:nvPr/>
+          </p:nvSpPr>
+          <p:spPr>
+            <a:xfrm rot="16200000">
+              <a:off x="8291419" y="3734259"/>
+              <a:ext cx="3170023" cy="539253"/>
+            </a:xfrm>
+            <a:prstGeom prst="rect">
+              <a:avLst/>
+            </a:prstGeom>
+            <a:solidFill>
+              <a:srgbClr val="FBE5D6">
+                <a:alpha val="45098"/>
+              </a:srgbClr>
+            </a:solidFill>
+            <a:ln w="28575">
+              <a:solidFill>
+                <a:srgbClr val="C55A11">
+                  <a:alpha val="63922"/>
+                </a:srgbClr>
+              </a:solidFill>
+            </a:ln>
+          </p:spPr>
+          <p:style>
+            <a:lnRef idx="2">
+              <a:schemeClr val="accent1">
+                <a:shade val="50000"/>
+              </a:schemeClr>
+            </a:lnRef>
+            <a:fillRef idx="1">
+              <a:schemeClr val="accent1"/>
+            </a:fillRef>
+            <a:effectRef idx="0">
+              <a:schemeClr val="accent1"/>
+            </a:effectRef>
+            <a:fontRef idx="minor">
+              <a:schemeClr val="lt1"/>
+            </a:fontRef>
+          </p:style>
+          <p:txBody>
+            <a:bodyPr rtlCol="0" anchor="ctr"/>
+            <a:lstStyle/>
+            <a:p>
+              <a:pPr algn="ctr"/>
+              <a:endParaRPr lang="fr-FR"/>
+            </a:p>
+          </p:txBody>
+        </p:sp>
+        <p:sp>
+          <p:nvSpPr>
+            <p:cNvPr id="36" name="Rectangle: Top Corners Snipped 35">
+              <a:extLst>
+                <a:ext uri="{FF2B5EF4-FFF2-40B4-BE49-F238E27FC236}">
+                  <a16:creationId xmlns:a16="http://schemas.microsoft.com/office/drawing/2014/main" id="{1CA5DA50-C063-004E-3B1E-7894F7853104}"/>
+                </a:ext>
+              </a:extLst>
+            </p:cNvPr>
+            <p:cNvSpPr/>
+            <p:nvPr/>
+          </p:nvSpPr>
+          <p:spPr>
+            <a:xfrm>
+              <a:off x="9395417" y="1323500"/>
+              <a:ext cx="962025" cy="1095375"/>
+            </a:xfrm>
+            <a:prstGeom prst="snip2SameRect">
+              <a:avLst/>
+            </a:prstGeom>
+            <a:solidFill>
+              <a:schemeClr val="accent2">
+                <a:lumMod val="20000"/>
+                <a:lumOff val="80000"/>
+              </a:schemeClr>
+            </a:solidFill>
+            <a:ln w="28575">
+              <a:solidFill>
+                <a:schemeClr val="accent2">
+                  <a:lumMod val="75000"/>
+                </a:schemeClr>
+              </a:solidFill>
+            </a:ln>
+          </p:spPr>
+          <p:style>
+            <a:lnRef idx="2">
+              <a:schemeClr val="accent1">
+                <a:shade val="50000"/>
+              </a:schemeClr>
+            </a:lnRef>
+            <a:fillRef idx="1">
+              <a:schemeClr val="accent1"/>
+            </a:fillRef>
+            <a:effectRef idx="0">
+              <a:schemeClr val="accent1"/>
+            </a:effectRef>
+            <a:fontRef idx="minor">
+              <a:schemeClr val="lt1"/>
+            </a:fontRef>
+          </p:style>
+          <p:txBody>
+            <a:bodyPr rtlCol="0" anchor="ctr"/>
+            <a:lstStyle/>
+            <a:p>
+              <a:pPr algn="ctr"/>
+              <a:endParaRPr lang="fr-FR"/>
+            </a:p>
+          </p:txBody>
+        </p:sp>
+        <p:sp>
+          <p:nvSpPr>
+            <p:cNvPr id="38" name="Rectangle 37">
+              <a:extLst>
+                <a:ext uri="{FF2B5EF4-FFF2-40B4-BE49-F238E27FC236}">
+                  <a16:creationId xmlns:a16="http://schemas.microsoft.com/office/drawing/2014/main" id="{DB9BAEDA-53BF-3702-3696-F46669DF6E16}"/>
+                </a:ext>
+              </a:extLst>
+            </p:cNvPr>
+            <p:cNvSpPr/>
+            <p:nvPr/>
+          </p:nvSpPr>
+          <p:spPr>
+            <a:xfrm rot="486461">
+              <a:off x="9700970" y="1847899"/>
+              <a:ext cx="2047539" cy="307910"/>
+            </a:xfrm>
+            <a:prstGeom prst="rect">
+              <a:avLst/>
+            </a:prstGeom>
+            <a:solidFill>
+              <a:schemeClr val="accent2">
+                <a:lumMod val="20000"/>
+                <a:lumOff val="80000"/>
+              </a:schemeClr>
+            </a:solidFill>
+            <a:ln w="28575">
+              <a:solidFill>
+                <a:schemeClr val="accent2">
+                  <a:lumMod val="75000"/>
+                </a:schemeClr>
+              </a:solidFill>
+            </a:ln>
+          </p:spPr>
+          <p:style>
+            <a:lnRef idx="2">
+              <a:schemeClr val="accent1">
+                <a:shade val="50000"/>
+              </a:schemeClr>
+            </a:lnRef>
+            <a:fillRef idx="1">
+              <a:schemeClr val="accent1"/>
+            </a:fillRef>
+            <a:effectRef idx="0">
+              <a:schemeClr val="accent1"/>
+            </a:effectRef>
+            <a:fontRef idx="minor">
+              <a:schemeClr val="lt1"/>
+            </a:fontRef>
+          </p:style>
+          <p:txBody>
+            <a:bodyPr rtlCol="0" anchor="ctr"/>
+            <a:lstStyle/>
+            <a:p>
+              <a:pPr algn="ctr"/>
+              <a:endParaRPr lang="fr-FR"/>
+            </a:p>
+          </p:txBody>
+        </p:sp>
+        <p:sp>
+          <p:nvSpPr>
+            <p:cNvPr id="39" name="Rectangle 38">
+              <a:extLst>
+                <a:ext uri="{FF2B5EF4-FFF2-40B4-BE49-F238E27FC236}">
+                  <a16:creationId xmlns:a16="http://schemas.microsoft.com/office/drawing/2014/main" id="{D946DE41-C883-AECD-7862-97FAB9FD99A8}"/>
+                </a:ext>
+              </a:extLst>
+            </p:cNvPr>
+            <p:cNvSpPr/>
+            <p:nvPr/>
+          </p:nvSpPr>
+          <p:spPr>
+            <a:xfrm rot="21118281">
+              <a:off x="7906920" y="1849227"/>
+              <a:ext cx="2133866" cy="307910"/>
+            </a:xfrm>
+            <a:prstGeom prst="rect">
+              <a:avLst/>
+            </a:prstGeom>
+            <a:solidFill>
+              <a:srgbClr val="FBE5D6">
+                <a:alpha val="41176"/>
+              </a:srgbClr>
+            </a:solidFill>
+            <a:ln w="28575">
+              <a:solidFill>
+                <a:schemeClr val="accent2">
+                  <a:lumMod val="75000"/>
+                </a:schemeClr>
+              </a:solidFill>
+            </a:ln>
+          </p:spPr>
+          <p:style>
+            <a:lnRef idx="2">
+              <a:schemeClr val="accent1">
+                <a:shade val="50000"/>
+              </a:schemeClr>
+            </a:lnRef>
+            <a:fillRef idx="1">
+              <a:schemeClr val="accent1"/>
+            </a:fillRef>
+            <a:effectRef idx="0">
+              <a:schemeClr val="accent1"/>
+            </a:effectRef>
+            <a:fontRef idx="minor">
+              <a:schemeClr val="lt1"/>
+            </a:fontRef>
+          </p:style>
+          <p:txBody>
+            <a:bodyPr rtlCol="0" anchor="ctr"/>
+            <a:lstStyle/>
+            <a:p>
+              <a:pPr algn="ctr"/>
+              <a:endParaRPr lang="fr-FR"/>
+            </a:p>
+          </p:txBody>
+        </p:sp>
+        <p:sp>
+          <p:nvSpPr>
+            <p:cNvPr id="40" name="Oval 39">
+              <a:extLst>
+                <a:ext uri="{FF2B5EF4-FFF2-40B4-BE49-F238E27FC236}">
+                  <a16:creationId xmlns:a16="http://schemas.microsoft.com/office/drawing/2014/main" id="{29D76154-909A-0052-B5E4-1F2385F0D6C5}"/>
+                </a:ext>
+              </a:extLst>
+            </p:cNvPr>
+            <p:cNvSpPr/>
+            <p:nvPr/>
+          </p:nvSpPr>
+          <p:spPr>
+            <a:xfrm>
+              <a:off x="9766891" y="1761649"/>
+              <a:ext cx="219075" cy="219075"/>
+            </a:xfrm>
+            <a:prstGeom prst="ellipse">
+              <a:avLst/>
+            </a:prstGeom>
+            <a:solidFill>
+              <a:schemeClr val="bg2">
+                <a:lumMod val="90000"/>
+              </a:schemeClr>
+            </a:solidFill>
+            <a:ln w="19050">
+              <a:solidFill>
+                <a:schemeClr val="tx1">
+                  <a:lumMod val="85000"/>
+                  <a:lumOff val="15000"/>
+                </a:schemeClr>
+              </a:solidFill>
+            </a:ln>
+          </p:spPr>
+          <p:style>
+            <a:lnRef idx="2">
+              <a:schemeClr val="accent1">
+                <a:shade val="50000"/>
+              </a:schemeClr>
+            </a:lnRef>
+            <a:fillRef idx="1">
+              <a:schemeClr val="accent1"/>
+            </a:fillRef>
+            <a:effectRef idx="0">
+              <a:schemeClr val="accent1"/>
+            </a:effectRef>
+            <a:fontRef idx="minor">
+              <a:schemeClr val="lt1"/>
+            </a:fontRef>
+          </p:style>
+          <p:txBody>
+            <a:bodyPr rtlCol="0" anchor="ctr"/>
+            <a:lstStyle/>
+            <a:p>
+              <a:pPr algn="ctr"/>
+              <a:endParaRPr lang="fr-FR"/>
+            </a:p>
+          </p:txBody>
+        </p:sp>
+        <p:sp>
+          <p:nvSpPr>
+            <p:cNvPr id="41" name="Rectangle 40">
+              <a:extLst>
+                <a:ext uri="{FF2B5EF4-FFF2-40B4-BE49-F238E27FC236}">
+                  <a16:creationId xmlns:a16="http://schemas.microsoft.com/office/drawing/2014/main" id="{175A8383-F169-BE7B-1717-5CB1BF64174B}"/>
+                </a:ext>
+              </a:extLst>
+            </p:cNvPr>
+            <p:cNvSpPr/>
+            <p:nvPr/>
+          </p:nvSpPr>
+          <p:spPr>
+            <a:xfrm>
+              <a:off x="9288805" y="1657666"/>
+              <a:ext cx="106612" cy="88106"/>
+            </a:xfrm>
+            <a:prstGeom prst="rect">
+              <a:avLst/>
+            </a:prstGeom>
+            <a:solidFill>
+              <a:schemeClr val="accent2">
+                <a:lumMod val="20000"/>
+                <a:lumOff val="80000"/>
+              </a:schemeClr>
+            </a:solidFill>
+            <a:ln w="28575">
+              <a:solidFill>
+                <a:schemeClr val="accent2">
+                  <a:lumMod val="75000"/>
+                </a:schemeClr>
+              </a:solidFill>
+            </a:ln>
+          </p:spPr>
+          <p:style>
+            <a:lnRef idx="2">
+              <a:schemeClr val="accent1">
+                <a:shade val="50000"/>
+              </a:schemeClr>
+            </a:lnRef>
+            <a:fillRef idx="1">
+              <a:schemeClr val="accent1"/>
+            </a:fillRef>
+            <a:effectRef idx="0">
+              <a:schemeClr val="accent1"/>
+            </a:effectRef>
+            <a:fontRef idx="minor">
+              <a:schemeClr val="lt1"/>
+            </a:fontRef>
+          </p:style>
+          <p:txBody>
+            <a:bodyPr rtlCol="0" anchor="ctr"/>
+            <a:lstStyle/>
+            <a:p>
+              <a:pPr algn="ctr"/>
+              <a:endParaRPr lang="fr-FR"/>
+            </a:p>
+          </p:txBody>
+        </p:sp>
+        <p:sp>
+          <p:nvSpPr>
+            <p:cNvPr id="42" name="Rectangle 41">
+              <a:extLst>
+                <a:ext uri="{FF2B5EF4-FFF2-40B4-BE49-F238E27FC236}">
+                  <a16:creationId xmlns:a16="http://schemas.microsoft.com/office/drawing/2014/main" id="{A3D70772-B58F-E658-CB59-5201B0C24F9F}"/>
+                </a:ext>
+              </a:extLst>
+            </p:cNvPr>
+            <p:cNvSpPr/>
+            <p:nvPr/>
+          </p:nvSpPr>
+          <p:spPr>
+            <a:xfrm>
+              <a:off x="10366620" y="1657666"/>
+              <a:ext cx="106612" cy="88106"/>
+            </a:xfrm>
+            <a:prstGeom prst="rect">
+              <a:avLst/>
+            </a:prstGeom>
+            <a:solidFill>
+              <a:schemeClr val="accent2">
+                <a:lumMod val="20000"/>
+                <a:lumOff val="80000"/>
+              </a:schemeClr>
+            </a:solidFill>
+            <a:ln w="28575">
+              <a:solidFill>
+                <a:schemeClr val="accent2">
+                  <a:lumMod val="75000"/>
+                </a:schemeClr>
+              </a:solidFill>
+            </a:ln>
+          </p:spPr>
+          <p:style>
+            <a:lnRef idx="2">
+              <a:schemeClr val="accent1">
+                <a:shade val="50000"/>
+              </a:schemeClr>
+            </a:lnRef>
+            <a:fillRef idx="1">
+              <a:schemeClr val="accent1"/>
+            </a:fillRef>
+            <a:effectRef idx="0">
+              <a:schemeClr val="accent1"/>
+            </a:effectRef>
+            <a:fontRef idx="minor">
+              <a:schemeClr val="lt1"/>
+            </a:fontRef>
+          </p:style>
+          <p:txBody>
+            <a:bodyPr rtlCol="0" anchor="ctr"/>
+            <a:lstStyle/>
+            <a:p>
+              <a:pPr algn="ctr"/>
+              <a:endParaRPr lang="fr-FR"/>
+            </a:p>
+          </p:txBody>
+        </p:sp>
+        <p:sp>
+          <p:nvSpPr>
+            <p:cNvPr id="43" name="Rectangle 42">
+              <a:extLst>
+                <a:ext uri="{FF2B5EF4-FFF2-40B4-BE49-F238E27FC236}">
+                  <a16:creationId xmlns:a16="http://schemas.microsoft.com/office/drawing/2014/main" id="{ACA5ACFB-A2A7-1448-5245-BE372668382C}"/>
+                </a:ext>
+              </a:extLst>
+            </p:cNvPr>
+            <p:cNvSpPr/>
+            <p:nvPr/>
+          </p:nvSpPr>
+          <p:spPr>
+            <a:xfrm rot="2159910">
+              <a:off x="8099235" y="2521653"/>
+              <a:ext cx="2078554" cy="246068"/>
+            </a:xfrm>
+            <a:prstGeom prst="rect">
+              <a:avLst/>
+            </a:prstGeom>
+            <a:solidFill>
+              <a:srgbClr val="FBE5D6">
+                <a:alpha val="41176"/>
+              </a:srgbClr>
+            </a:solidFill>
+            <a:ln w="28575">
+              <a:solidFill>
+                <a:schemeClr val="accent2">
+                  <a:lumMod val="75000"/>
+                </a:schemeClr>
+              </a:solidFill>
+            </a:ln>
+          </p:spPr>
+          <p:style>
+            <a:lnRef idx="2">
+              <a:schemeClr val="accent1">
+                <a:shade val="50000"/>
+              </a:schemeClr>
+            </a:lnRef>
+            <a:fillRef idx="1">
+              <a:schemeClr val="accent1"/>
+            </a:fillRef>
+            <a:effectRef idx="0">
+              <a:schemeClr val="accent1"/>
+            </a:effectRef>
+            <a:fontRef idx="minor">
+              <a:schemeClr val="lt1"/>
+            </a:fontRef>
+          </p:style>
+          <p:txBody>
+            <a:bodyPr rtlCol="0" anchor="ctr"/>
+            <a:lstStyle/>
+            <a:p>
+              <a:pPr algn="ctr"/>
+              <a:endParaRPr lang="fr-FR"/>
+            </a:p>
+          </p:txBody>
+        </p:sp>
+        <p:sp>
+          <p:nvSpPr>
+            <p:cNvPr id="44" name="Oval 43">
+              <a:extLst>
+                <a:ext uri="{FF2B5EF4-FFF2-40B4-BE49-F238E27FC236}">
+                  <a16:creationId xmlns:a16="http://schemas.microsoft.com/office/drawing/2014/main" id="{509D9391-2EF1-9056-2C05-4FCE573E9358}"/>
+                </a:ext>
+              </a:extLst>
+            </p:cNvPr>
+            <p:cNvSpPr/>
+            <p:nvPr/>
+          </p:nvSpPr>
+          <p:spPr>
+            <a:xfrm>
+              <a:off x="8268291" y="1980724"/>
+              <a:ext cx="219075" cy="219075"/>
+            </a:xfrm>
+            <a:prstGeom prst="ellipse">
+              <a:avLst/>
+            </a:prstGeom>
+            <a:solidFill>
+              <a:schemeClr val="bg2">
+                <a:lumMod val="90000"/>
+              </a:schemeClr>
+            </a:solidFill>
+            <a:ln w="19050">
+              <a:solidFill>
+                <a:schemeClr val="tx1">
+                  <a:lumMod val="85000"/>
+                  <a:lumOff val="15000"/>
+                </a:schemeClr>
+              </a:solidFill>
+            </a:ln>
+          </p:spPr>
+          <p:style>
+            <a:lnRef idx="2">
+              <a:schemeClr val="accent1">
+                <a:shade val="50000"/>
+              </a:schemeClr>
+            </a:lnRef>
+            <a:fillRef idx="1">
+              <a:schemeClr val="accent1"/>
+            </a:fillRef>
+            <a:effectRef idx="0">
+              <a:schemeClr val="accent1"/>
+            </a:effectRef>
+            <a:fontRef idx="minor">
+              <a:schemeClr val="lt1"/>
+            </a:fontRef>
+          </p:style>
+          <p:txBody>
+            <a:bodyPr rtlCol="0" anchor="ctr"/>
+            <a:lstStyle/>
+            <a:p>
+              <a:pPr algn="ctr"/>
+              <a:endParaRPr lang="fr-FR"/>
+            </a:p>
+          </p:txBody>
+        </p:sp>
+        <p:sp>
+          <p:nvSpPr>
+            <p:cNvPr id="45" name="Rectangle 44">
+              <a:extLst>
+                <a:ext uri="{FF2B5EF4-FFF2-40B4-BE49-F238E27FC236}">
+                  <a16:creationId xmlns:a16="http://schemas.microsoft.com/office/drawing/2014/main" id="{E716EDCE-68BF-0C12-98D3-8F2E00CA2166}"/>
+                </a:ext>
+              </a:extLst>
+            </p:cNvPr>
+            <p:cNvSpPr/>
+            <p:nvPr/>
+          </p:nvSpPr>
+          <p:spPr>
+            <a:xfrm rot="8599422">
+              <a:off x="9529552" y="2508937"/>
+              <a:ext cx="2078554" cy="246068"/>
+            </a:xfrm>
+            <a:prstGeom prst="rect">
+              <a:avLst/>
+            </a:prstGeom>
+            <a:solidFill>
+              <a:srgbClr val="FBE5D6">
+                <a:alpha val="41176"/>
+              </a:srgbClr>
+            </a:solidFill>
+            <a:ln w="28575">
+              <a:solidFill>
+                <a:schemeClr val="accent2">
+                  <a:lumMod val="75000"/>
+                </a:schemeClr>
+              </a:solidFill>
+            </a:ln>
+          </p:spPr>
+          <p:style>
+            <a:lnRef idx="2">
+              <a:schemeClr val="accent1">
+                <a:shade val="50000"/>
+              </a:schemeClr>
+            </a:lnRef>
+            <a:fillRef idx="1">
+              <a:schemeClr val="accent1"/>
+            </a:fillRef>
+            <a:effectRef idx="0">
+              <a:schemeClr val="accent1"/>
+            </a:effectRef>
+            <a:fontRef idx="minor">
+              <a:schemeClr val="lt1"/>
+            </a:fontRef>
+          </p:style>
+          <p:txBody>
+            <a:bodyPr rtlCol="0" anchor="ctr"/>
+            <a:lstStyle/>
+            <a:p>
+              <a:pPr algn="ctr"/>
+              <a:endParaRPr lang="fr-FR"/>
+            </a:p>
+          </p:txBody>
+        </p:sp>
+        <p:sp>
+          <p:nvSpPr>
+            <p:cNvPr id="46" name="Oval 45">
+              <a:extLst>
+                <a:ext uri="{FF2B5EF4-FFF2-40B4-BE49-F238E27FC236}">
+                  <a16:creationId xmlns:a16="http://schemas.microsoft.com/office/drawing/2014/main" id="{1378F55C-E54C-04C7-92F2-19F9178ACA6E}"/>
+                </a:ext>
+              </a:extLst>
+            </p:cNvPr>
+            <p:cNvSpPr/>
+            <p:nvPr/>
+          </p:nvSpPr>
+          <p:spPr>
+            <a:xfrm>
+              <a:off x="11180064" y="1980724"/>
+              <a:ext cx="219075" cy="219075"/>
+            </a:xfrm>
+            <a:prstGeom prst="ellipse">
+              <a:avLst/>
+            </a:prstGeom>
+            <a:solidFill>
+              <a:schemeClr val="bg2">
+                <a:lumMod val="90000"/>
+              </a:schemeClr>
+            </a:solidFill>
+            <a:ln w="19050">
+              <a:solidFill>
+                <a:schemeClr val="tx1">
+                  <a:lumMod val="85000"/>
+                  <a:lumOff val="15000"/>
+                </a:schemeClr>
+              </a:solidFill>
+            </a:ln>
+          </p:spPr>
+          <p:style>
+            <a:lnRef idx="2">
+              <a:schemeClr val="accent1">
+                <a:shade val="50000"/>
+              </a:schemeClr>
+            </a:lnRef>
+            <a:fillRef idx="1">
+              <a:schemeClr val="accent1"/>
+            </a:fillRef>
+            <a:effectRef idx="0">
+              <a:schemeClr val="accent1"/>
+            </a:effectRef>
+            <a:fontRef idx="minor">
+              <a:schemeClr val="lt1"/>
+            </a:fontRef>
+          </p:style>
+          <p:txBody>
+            <a:bodyPr rtlCol="0" anchor="ctr"/>
+            <a:lstStyle/>
+            <a:p>
+              <a:pPr algn="ctr"/>
+              <a:endParaRPr lang="fr-FR"/>
+            </a:p>
+          </p:txBody>
+        </p:sp>
+        <p:sp>
+          <p:nvSpPr>
+            <p:cNvPr id="47" name="Oval 46">
+              <a:extLst>
+                <a:ext uri="{FF2B5EF4-FFF2-40B4-BE49-F238E27FC236}">
+                  <a16:creationId xmlns:a16="http://schemas.microsoft.com/office/drawing/2014/main" id="{182FCCCA-5AA0-2ED3-9BEB-A9C8EA1D953F}"/>
+                </a:ext>
+              </a:extLst>
+            </p:cNvPr>
+            <p:cNvSpPr/>
+            <p:nvPr/>
+          </p:nvSpPr>
+          <p:spPr>
+            <a:xfrm>
+              <a:off x="9763414" y="3060224"/>
+              <a:ext cx="219075" cy="219075"/>
+            </a:xfrm>
+            <a:prstGeom prst="ellipse">
+              <a:avLst/>
+            </a:prstGeom>
+            <a:solidFill>
+              <a:schemeClr val="bg2">
+                <a:lumMod val="90000"/>
+              </a:schemeClr>
+            </a:solidFill>
+            <a:ln w="19050">
+              <a:solidFill>
+                <a:schemeClr val="tx1">
+                  <a:lumMod val="85000"/>
+                  <a:lumOff val="15000"/>
+                </a:schemeClr>
+              </a:solidFill>
+            </a:ln>
+          </p:spPr>
+          <p:style>
+            <a:lnRef idx="2">
+              <a:schemeClr val="accent1">
+                <a:shade val="50000"/>
+              </a:schemeClr>
+            </a:lnRef>
+            <a:fillRef idx="1">
+              <a:schemeClr val="accent1"/>
+            </a:fillRef>
+            <a:effectRef idx="0">
+              <a:schemeClr val="accent1"/>
+            </a:effectRef>
+            <a:fontRef idx="minor">
+              <a:schemeClr val="lt1"/>
+            </a:fontRef>
+          </p:style>
+          <p:txBody>
+            <a:bodyPr rtlCol="0" anchor="ctr"/>
+            <a:lstStyle/>
+            <a:p>
+              <a:pPr algn="ctr"/>
+              <a:endParaRPr lang="fr-FR"/>
+            </a:p>
+          </p:txBody>
+        </p:sp>
+        <p:sp>
+          <p:nvSpPr>
+            <p:cNvPr id="48" name="Flowchart: Terminator 47">
+              <a:extLst>
+                <a:ext uri="{FF2B5EF4-FFF2-40B4-BE49-F238E27FC236}">
+                  <a16:creationId xmlns:a16="http://schemas.microsoft.com/office/drawing/2014/main" id="{3386F57E-4017-5917-E040-05CB2E305973}"/>
+                </a:ext>
+              </a:extLst>
+            </p:cNvPr>
+            <p:cNvSpPr/>
+            <p:nvPr/>
+          </p:nvSpPr>
+          <p:spPr>
+            <a:xfrm rot="5400000">
+              <a:off x="9044989" y="2377336"/>
+              <a:ext cx="1649680" cy="298449"/>
+            </a:xfrm>
+            <a:prstGeom prst="flowChartTerminator">
+              <a:avLst/>
+            </a:prstGeom>
+            <a:noFill/>
+            <a:ln w="38100">
+              <a:solidFill>
+                <a:schemeClr val="tx1"/>
+              </a:solidFill>
+            </a:ln>
+          </p:spPr>
+          <p:style>
+            <a:lnRef idx="2">
+              <a:schemeClr val="accent1">
+                <a:shade val="50000"/>
+              </a:schemeClr>
+            </a:lnRef>
+            <a:fillRef idx="1">
+              <a:schemeClr val="accent1"/>
+            </a:fillRef>
+            <a:effectRef idx="0">
+              <a:schemeClr val="accent1"/>
+            </a:effectRef>
+            <a:fontRef idx="minor">
+              <a:schemeClr val="lt1"/>
+            </a:fontRef>
+          </p:style>
+          <p:txBody>
+            <a:bodyPr rtlCol="0" anchor="ctr"/>
+            <a:lstStyle/>
+            <a:p>
+              <a:pPr algn="ctr"/>
+              <a:endParaRPr lang="fr-FR"/>
+            </a:p>
+          </p:txBody>
+        </p:sp>
+      </p:grpSp>
+      <p:sp>
+        <p:nvSpPr>
+          <p:cNvPr id="66" name="Rectangle 65">
+            <a:extLst>
+              <a:ext uri="{FF2B5EF4-FFF2-40B4-BE49-F238E27FC236}">
+                <a16:creationId xmlns:a16="http://schemas.microsoft.com/office/drawing/2014/main" id="{789C432D-42CA-64D0-B37B-CA252C08A5C8}"/>
+              </a:ext>
+            </a:extLst>
+          </p:cNvPr>
+          <p:cNvSpPr/>
+          <p:nvPr/>
+        </p:nvSpPr>
+        <p:spPr>
+          <a:xfrm>
+            <a:off x="3488904" y="5330713"/>
+            <a:ext cx="294419" cy="120144"/>
+          </a:xfrm>
+          <a:prstGeom prst="rect">
+            <a:avLst/>
+          </a:prstGeom>
+          <a:solidFill>
+            <a:schemeClr val="bg2">
+              <a:alpha val="41176"/>
+            </a:schemeClr>
+          </a:solidFill>
+          <a:ln w="28575">
+            <a:solidFill>
+              <a:schemeClr val="tx1">
+                <a:lumMod val="75000"/>
+                <a:lumOff val="25000"/>
+              </a:schemeClr>
+            </a:solidFill>
+          </a:ln>
+        </p:spPr>
+        <p:style>
+          <a:lnRef idx="2">
+            <a:schemeClr val="accent1">
+              <a:shade val="50000"/>
+            </a:schemeClr>
+          </a:lnRef>
+          <a:fillRef idx="1">
+            <a:schemeClr val="accent1"/>
+          </a:fillRef>
+          <a:effectRef idx="0">
+            <a:schemeClr val="accent1"/>
+          </a:effectRef>
+          <a:fontRef idx="minor">
+            <a:schemeClr val="lt1"/>
+          </a:fontRef>
+        </p:style>
+        <p:txBody>
+          <a:bodyPr rtlCol="0" anchor="ctr"/>
+          <a:lstStyle/>
+          <a:p>
+            <a:pPr algn="ctr"/>
+            <a:endParaRPr lang="fr-FR"/>
+          </a:p>
+        </p:txBody>
+      </p:sp>
+      <p:sp>
+        <p:nvSpPr>
+          <p:cNvPr id="67" name="Rectangle 66">
+            <a:extLst>
+              <a:ext uri="{FF2B5EF4-FFF2-40B4-BE49-F238E27FC236}">
+                <a16:creationId xmlns:a16="http://schemas.microsoft.com/office/drawing/2014/main" id="{23185E43-5312-126C-2B82-DDFC6F6E01D6}"/>
+              </a:ext>
+            </a:extLst>
+          </p:cNvPr>
+          <p:cNvSpPr/>
+          <p:nvPr/>
+        </p:nvSpPr>
+        <p:spPr>
+          <a:xfrm>
+            <a:off x="3488904" y="5150872"/>
+            <a:ext cx="294419" cy="45719"/>
+          </a:xfrm>
+          <a:prstGeom prst="rect">
+            <a:avLst/>
+          </a:prstGeom>
+          <a:solidFill>
+            <a:schemeClr val="bg2">
+              <a:alpha val="41176"/>
+            </a:schemeClr>
+          </a:solidFill>
+          <a:ln w="28575">
+            <a:solidFill>
+              <a:schemeClr val="tx1">
+                <a:lumMod val="75000"/>
+                <a:lumOff val="25000"/>
+              </a:schemeClr>
+            </a:solidFill>
+          </a:ln>
+        </p:spPr>
+        <p:style>
+          <a:lnRef idx="2">
+            <a:schemeClr val="accent1">
+              <a:shade val="50000"/>
+            </a:schemeClr>
+          </a:lnRef>
+          <a:fillRef idx="1">
+            <a:schemeClr val="accent1"/>
+          </a:fillRef>
+          <a:effectRef idx="0">
+            <a:schemeClr val="accent1"/>
+          </a:effectRef>
+          <a:fontRef idx="minor">
+            <a:schemeClr val="lt1"/>
+          </a:fontRef>
+        </p:style>
+        <p:txBody>
+          <a:bodyPr rtlCol="0" anchor="ctr"/>
+          <a:lstStyle/>
+          <a:p>
+            <a:pPr algn="ctr"/>
+            <a:endParaRPr lang="fr-FR"/>
+          </a:p>
+        </p:txBody>
+      </p:sp>
+      <p:sp>
+        <p:nvSpPr>
+          <p:cNvPr id="68" name="Rectangle 67">
+            <a:extLst>
+              <a:ext uri="{FF2B5EF4-FFF2-40B4-BE49-F238E27FC236}">
+                <a16:creationId xmlns:a16="http://schemas.microsoft.com/office/drawing/2014/main" id="{79379725-63EC-5EB7-C213-D6C658A97B5E}"/>
+              </a:ext>
+            </a:extLst>
+          </p:cNvPr>
+          <p:cNvSpPr/>
+          <p:nvPr/>
+        </p:nvSpPr>
+        <p:spPr>
+          <a:xfrm>
+            <a:off x="3488904" y="5074746"/>
+            <a:ext cx="294419" cy="45719"/>
+          </a:xfrm>
+          <a:prstGeom prst="rect">
+            <a:avLst/>
+          </a:prstGeom>
+          <a:solidFill>
+            <a:schemeClr val="bg2">
+              <a:alpha val="41176"/>
+            </a:schemeClr>
+          </a:solidFill>
+          <a:ln w="28575">
+            <a:solidFill>
+              <a:schemeClr val="tx1">
+                <a:lumMod val="75000"/>
+                <a:lumOff val="25000"/>
+              </a:schemeClr>
+            </a:solidFill>
+          </a:ln>
+        </p:spPr>
+        <p:style>
+          <a:lnRef idx="2">
+            <a:schemeClr val="accent1">
+              <a:shade val="50000"/>
+            </a:schemeClr>
+          </a:lnRef>
+          <a:fillRef idx="1">
+            <a:schemeClr val="accent1"/>
+          </a:fillRef>
+          <a:effectRef idx="0">
+            <a:schemeClr val="accent1"/>
+          </a:effectRef>
+          <a:fontRef idx="minor">
+            <a:schemeClr val="lt1"/>
+          </a:fontRef>
+        </p:style>
+        <p:txBody>
+          <a:bodyPr rtlCol="0" anchor="ctr"/>
+          <a:lstStyle/>
+          <a:p>
+            <a:pPr algn="ctr"/>
+            <a:endParaRPr lang="fr-FR"/>
+          </a:p>
+        </p:txBody>
+      </p:sp>
+      <p:sp>
+        <p:nvSpPr>
+          <p:cNvPr id="69" name="Rectangle 68">
+            <a:extLst>
+              <a:ext uri="{FF2B5EF4-FFF2-40B4-BE49-F238E27FC236}">
+                <a16:creationId xmlns:a16="http://schemas.microsoft.com/office/drawing/2014/main" id="{6D15EDD9-043C-CAC4-A5B4-90DB0B69E0E4}"/>
+              </a:ext>
+            </a:extLst>
+          </p:cNvPr>
+          <p:cNvSpPr/>
+          <p:nvPr/>
+        </p:nvSpPr>
+        <p:spPr>
+          <a:xfrm>
+            <a:off x="3488904" y="4994510"/>
+            <a:ext cx="294419" cy="45719"/>
+          </a:xfrm>
+          <a:prstGeom prst="rect">
+            <a:avLst/>
+          </a:prstGeom>
+          <a:solidFill>
+            <a:schemeClr val="bg2">
+              <a:alpha val="41176"/>
+            </a:schemeClr>
+          </a:solidFill>
+          <a:ln w="28575">
+            <a:solidFill>
+              <a:schemeClr val="tx1">
+                <a:lumMod val="75000"/>
+                <a:lumOff val="25000"/>
+              </a:schemeClr>
+            </a:solidFill>
+          </a:ln>
+        </p:spPr>
+        <p:style>
+          <a:lnRef idx="2">
+            <a:schemeClr val="accent1">
+              <a:shade val="50000"/>
+            </a:schemeClr>
+          </a:lnRef>
+          <a:fillRef idx="1">
+            <a:schemeClr val="accent1"/>
+          </a:fillRef>
+          <a:effectRef idx="0">
+            <a:schemeClr val="accent1"/>
+          </a:effectRef>
+          <a:fontRef idx="minor">
+            <a:schemeClr val="lt1"/>
+          </a:fontRef>
+        </p:style>
+        <p:txBody>
+          <a:bodyPr rtlCol="0" anchor="ctr"/>
+          <a:lstStyle/>
+          <a:p>
+            <a:pPr algn="ctr"/>
+            <a:endParaRPr lang="fr-FR"/>
+          </a:p>
+        </p:txBody>
+      </p:sp>
+      <p:sp>
+        <p:nvSpPr>
+          <p:cNvPr id="70" name="Rectangle 69">
+            <a:extLst>
+              <a:ext uri="{FF2B5EF4-FFF2-40B4-BE49-F238E27FC236}">
+                <a16:creationId xmlns:a16="http://schemas.microsoft.com/office/drawing/2014/main" id="{0817F65B-BE49-FBA9-1ED4-58310A6CA226}"/>
+              </a:ext>
+            </a:extLst>
+          </p:cNvPr>
+          <p:cNvSpPr/>
+          <p:nvPr/>
+        </p:nvSpPr>
+        <p:spPr>
+          <a:xfrm>
+            <a:off x="3488904" y="4914216"/>
+            <a:ext cx="294419" cy="45719"/>
+          </a:xfrm>
+          <a:prstGeom prst="rect">
+            <a:avLst/>
+          </a:prstGeom>
+          <a:solidFill>
+            <a:schemeClr val="bg2">
+              <a:alpha val="41176"/>
+            </a:schemeClr>
+          </a:solidFill>
+          <a:ln w="28575">
+            <a:solidFill>
+              <a:schemeClr val="tx1">
+                <a:lumMod val="75000"/>
+                <a:lumOff val="25000"/>
+              </a:schemeClr>
+            </a:solidFill>
+          </a:ln>
+        </p:spPr>
+        <p:style>
+          <a:lnRef idx="2">
+            <a:schemeClr val="accent1">
+              <a:shade val="50000"/>
+            </a:schemeClr>
+          </a:lnRef>
+          <a:fillRef idx="1">
+            <a:schemeClr val="accent1"/>
+          </a:fillRef>
+          <a:effectRef idx="0">
+            <a:schemeClr val="accent1"/>
+          </a:effectRef>
+          <a:fontRef idx="minor">
+            <a:schemeClr val="lt1"/>
+          </a:fontRef>
+        </p:style>
+        <p:txBody>
+          <a:bodyPr rtlCol="0" anchor="ctr"/>
+          <a:lstStyle/>
+          <a:p>
+            <a:pPr algn="ctr"/>
+            <a:endParaRPr lang="fr-FR"/>
+          </a:p>
+        </p:txBody>
+      </p:sp>
+      <p:sp>
+        <p:nvSpPr>
+          <p:cNvPr id="14" name="Rectangle 13">
+            <a:extLst>
+              <a:ext uri="{FF2B5EF4-FFF2-40B4-BE49-F238E27FC236}">
+                <a16:creationId xmlns:a16="http://schemas.microsoft.com/office/drawing/2014/main" id="{7EE91BB8-4DC8-514A-6652-2D98B12F70EC}"/>
+              </a:ext>
+            </a:extLst>
+          </p:cNvPr>
+          <p:cNvSpPr/>
+          <p:nvPr/>
+        </p:nvSpPr>
+        <p:spPr>
+          <a:xfrm>
+            <a:off x="3462338" y="5021785"/>
+            <a:ext cx="4597634" cy="60300"/>
+          </a:xfrm>
+          <a:prstGeom prst="rect">
+            <a:avLst/>
+          </a:prstGeom>
+          <a:noFill/>
+          <a:ln w="28575">
+            <a:solidFill>
+              <a:schemeClr val="tx1"/>
+            </a:solidFill>
+          </a:ln>
+        </p:spPr>
+        <p:style>
+          <a:lnRef idx="2">
+            <a:schemeClr val="accent1">
+              <a:shade val="50000"/>
+            </a:schemeClr>
+          </a:lnRef>
+          <a:fillRef idx="1">
+            <a:schemeClr val="accent1"/>
+          </a:fillRef>
+          <a:effectRef idx="0">
+            <a:schemeClr val="accent1"/>
+          </a:effectRef>
+          <a:fontRef idx="minor">
+            <a:schemeClr val="lt1"/>
+          </a:fontRef>
+        </p:style>
+        <p:txBody>
+          <a:bodyPr rtlCol="0" anchor="ctr"/>
+          <a:lstStyle/>
+          <a:p>
+            <a:pPr algn="ctr"/>
+            <a:endParaRPr lang="fr-FR"/>
+          </a:p>
+        </p:txBody>
+      </p:sp>
+      <p:sp>
+        <p:nvSpPr>
+          <p:cNvPr id="78" name="Rectangle 77">
+            <a:extLst>
+              <a:ext uri="{FF2B5EF4-FFF2-40B4-BE49-F238E27FC236}">
+                <a16:creationId xmlns:a16="http://schemas.microsoft.com/office/drawing/2014/main" id="{13DB3B1F-2FED-77E5-3DCE-9335BA4C4474}"/>
+              </a:ext>
+            </a:extLst>
+          </p:cNvPr>
+          <p:cNvSpPr/>
+          <p:nvPr/>
+        </p:nvSpPr>
+        <p:spPr>
+          <a:xfrm>
+            <a:off x="7863917" y="4834381"/>
+            <a:ext cx="120650" cy="852044"/>
+          </a:xfrm>
+          <a:prstGeom prst="rect">
+            <a:avLst/>
+          </a:prstGeom>
+          <a:solidFill>
+            <a:schemeClr val="bg2">
+              <a:alpha val="41176"/>
+            </a:schemeClr>
+          </a:solidFill>
+          <a:ln w="28575">
+            <a:solidFill>
+              <a:schemeClr val="tx1">
+                <a:lumMod val="75000"/>
+                <a:lumOff val="25000"/>
+              </a:schemeClr>
+            </a:solidFill>
+          </a:ln>
+        </p:spPr>
+        <p:style>
+          <a:lnRef idx="2">
+            <a:schemeClr val="accent1">
+              <a:shade val="50000"/>
+            </a:schemeClr>
+          </a:lnRef>
+          <a:fillRef idx="1">
+            <a:schemeClr val="accent1"/>
+          </a:fillRef>
+          <a:effectRef idx="0">
+            <a:schemeClr val="accent1"/>
+          </a:effectRef>
+          <a:fontRef idx="minor">
+            <a:schemeClr val="lt1"/>
+          </a:fontRef>
+        </p:style>
+        <p:txBody>
+          <a:bodyPr rtlCol="0" anchor="ctr"/>
+          <a:lstStyle/>
+          <a:p>
+            <a:pPr algn="ctr"/>
+            <a:endParaRPr lang="fr-FR"/>
+          </a:p>
+        </p:txBody>
+      </p:sp>
+      <p:sp>
+        <p:nvSpPr>
+          <p:cNvPr id="110" name="Rectangle: Top Corners Rounded 109">
+            <a:extLst>
+              <a:ext uri="{FF2B5EF4-FFF2-40B4-BE49-F238E27FC236}">
+                <a16:creationId xmlns:a16="http://schemas.microsoft.com/office/drawing/2014/main" id="{5F9565C2-3623-8CB8-B0D1-CDC78A2AA257}"/>
+              </a:ext>
+            </a:extLst>
+          </p:cNvPr>
+          <p:cNvSpPr/>
+          <p:nvPr/>
+        </p:nvSpPr>
+        <p:spPr>
+          <a:xfrm>
+            <a:off x="7789436" y="4699984"/>
+            <a:ext cx="269612" cy="131647"/>
+          </a:xfrm>
+          <a:prstGeom prst="round2SameRect">
+            <a:avLst>
+              <a:gd name="adj1" fmla="val 47417"/>
+              <a:gd name="adj2" fmla="val 0"/>
+            </a:avLst>
+          </a:prstGeom>
+          <a:solidFill>
+            <a:schemeClr val="bg2">
+              <a:alpha val="41176"/>
+            </a:schemeClr>
+          </a:solidFill>
+          <a:ln w="28575">
+            <a:solidFill>
+              <a:schemeClr val="tx1">
+                <a:lumMod val="75000"/>
+                <a:lumOff val="25000"/>
+              </a:schemeClr>
+            </a:solidFill>
+          </a:ln>
+        </p:spPr>
+        <p:style>
+          <a:lnRef idx="2">
+            <a:schemeClr val="accent1">
+              <a:shade val="50000"/>
+            </a:schemeClr>
+          </a:lnRef>
+          <a:fillRef idx="1">
+            <a:schemeClr val="accent1"/>
+          </a:fillRef>
+          <a:effectRef idx="0">
+            <a:schemeClr val="accent1"/>
+          </a:effectRef>
+          <a:fontRef idx="minor">
+            <a:schemeClr val="lt1"/>
+          </a:fontRef>
+        </p:style>
+        <p:txBody>
+          <a:bodyPr rtlCol="0" anchor="ctr"/>
+          <a:lstStyle/>
+          <a:p>
+            <a:pPr algn="ctr"/>
+            <a:endParaRPr lang="fr-FR"/>
+          </a:p>
+        </p:txBody>
+      </p:sp>
+      <p:sp>
+        <p:nvSpPr>
+          <p:cNvPr id="111" name="Rectangle 110">
+            <a:extLst>
+              <a:ext uri="{FF2B5EF4-FFF2-40B4-BE49-F238E27FC236}">
+                <a16:creationId xmlns:a16="http://schemas.microsoft.com/office/drawing/2014/main" id="{E489A513-48D3-37AA-CE19-0DE1DA6622FF}"/>
+              </a:ext>
+            </a:extLst>
+          </p:cNvPr>
+          <p:cNvSpPr/>
+          <p:nvPr/>
+        </p:nvSpPr>
+        <p:spPr>
+          <a:xfrm>
+            <a:off x="7777032" y="5258440"/>
+            <a:ext cx="291361" cy="120144"/>
+          </a:xfrm>
+          <a:prstGeom prst="rect">
+            <a:avLst/>
+          </a:prstGeom>
+          <a:solidFill>
+            <a:schemeClr val="bg2">
+              <a:alpha val="41176"/>
+            </a:schemeClr>
+          </a:solidFill>
+          <a:ln w="28575">
+            <a:solidFill>
+              <a:schemeClr val="tx1">
+                <a:lumMod val="75000"/>
+                <a:lumOff val="25000"/>
+              </a:schemeClr>
+            </a:solidFill>
+          </a:ln>
+        </p:spPr>
+        <p:style>
+          <a:lnRef idx="2">
+            <a:schemeClr val="accent1">
+              <a:shade val="50000"/>
+            </a:schemeClr>
+          </a:lnRef>
+          <a:fillRef idx="1">
+            <a:schemeClr val="accent1"/>
+          </a:fillRef>
+          <a:effectRef idx="0">
+            <a:schemeClr val="accent1"/>
+          </a:effectRef>
+          <a:fontRef idx="minor">
+            <a:schemeClr val="lt1"/>
+          </a:fontRef>
+        </p:style>
+        <p:txBody>
+          <a:bodyPr rtlCol="0" anchor="ctr"/>
+          <a:lstStyle/>
+          <a:p>
+            <a:pPr algn="ctr"/>
+            <a:endParaRPr lang="fr-FR"/>
+          </a:p>
+        </p:txBody>
+      </p:sp>
+      <p:sp>
+        <p:nvSpPr>
+          <p:cNvPr id="114" name="Rectangle 113">
+            <a:extLst>
+              <a:ext uri="{FF2B5EF4-FFF2-40B4-BE49-F238E27FC236}">
+                <a16:creationId xmlns:a16="http://schemas.microsoft.com/office/drawing/2014/main" id="{CFC665AA-8A8E-257E-96DD-6B8A86431AF4}"/>
+              </a:ext>
+            </a:extLst>
+          </p:cNvPr>
+          <p:cNvSpPr/>
+          <p:nvPr/>
+        </p:nvSpPr>
+        <p:spPr>
+          <a:xfrm>
+            <a:off x="7777032" y="5064385"/>
+            <a:ext cx="294419" cy="45719"/>
+          </a:xfrm>
+          <a:prstGeom prst="rect">
+            <a:avLst/>
+          </a:prstGeom>
+          <a:solidFill>
+            <a:schemeClr val="bg2">
+              <a:alpha val="41176"/>
+            </a:schemeClr>
+          </a:solidFill>
+          <a:ln w="28575">
+            <a:solidFill>
+              <a:schemeClr val="tx1">
+                <a:lumMod val="75000"/>
+                <a:lumOff val="25000"/>
+              </a:schemeClr>
+            </a:solidFill>
+          </a:ln>
+        </p:spPr>
+        <p:style>
+          <a:lnRef idx="2">
+            <a:schemeClr val="accent1">
+              <a:shade val="50000"/>
+            </a:schemeClr>
+          </a:lnRef>
+          <a:fillRef idx="1">
+            <a:schemeClr val="accent1"/>
+          </a:fillRef>
+          <a:effectRef idx="0">
+            <a:schemeClr val="accent1"/>
+          </a:effectRef>
+          <a:fontRef idx="minor">
+            <a:schemeClr val="lt1"/>
+          </a:fontRef>
+        </p:style>
+        <p:txBody>
+          <a:bodyPr rtlCol="0" anchor="ctr"/>
+          <a:lstStyle/>
+          <a:p>
+            <a:pPr algn="ctr"/>
+            <a:endParaRPr lang="fr-FR"/>
+          </a:p>
+        </p:txBody>
+      </p:sp>
+      <p:sp>
+        <p:nvSpPr>
+          <p:cNvPr id="115" name="Rectangle 114">
+            <a:extLst>
+              <a:ext uri="{FF2B5EF4-FFF2-40B4-BE49-F238E27FC236}">
+                <a16:creationId xmlns:a16="http://schemas.microsoft.com/office/drawing/2014/main" id="{4EE4BD1B-D89D-8454-DC3D-DC5D6EDDE934}"/>
+              </a:ext>
+            </a:extLst>
+          </p:cNvPr>
+          <p:cNvSpPr/>
+          <p:nvPr/>
+        </p:nvSpPr>
+        <p:spPr>
+          <a:xfrm>
+            <a:off x="7777032" y="4984091"/>
+            <a:ext cx="294419" cy="45719"/>
+          </a:xfrm>
+          <a:prstGeom prst="rect">
+            <a:avLst/>
+          </a:prstGeom>
+          <a:solidFill>
+            <a:schemeClr val="bg2">
+              <a:alpha val="41176"/>
+            </a:schemeClr>
+          </a:solidFill>
+          <a:ln w="28575">
+            <a:solidFill>
+              <a:schemeClr val="tx1">
+                <a:lumMod val="75000"/>
+                <a:lumOff val="25000"/>
+              </a:schemeClr>
+            </a:solidFill>
+          </a:ln>
+        </p:spPr>
+        <p:style>
+          <a:lnRef idx="2">
+            <a:schemeClr val="accent1">
+              <a:shade val="50000"/>
+            </a:schemeClr>
+          </a:lnRef>
+          <a:fillRef idx="1">
+            <a:schemeClr val="accent1"/>
+          </a:fillRef>
+          <a:effectRef idx="0">
+            <a:schemeClr val="accent1"/>
+          </a:effectRef>
+          <a:fontRef idx="minor">
+            <a:schemeClr val="lt1"/>
+          </a:fontRef>
+        </p:style>
+        <p:txBody>
+          <a:bodyPr rtlCol="0" anchor="ctr"/>
+          <a:lstStyle/>
+          <a:p>
+            <a:pPr algn="ctr"/>
+            <a:endParaRPr lang="fr-FR"/>
+          </a:p>
+        </p:txBody>
+      </p:sp>
+      <p:sp>
+        <p:nvSpPr>
+          <p:cNvPr id="116" name="Rectangle 115">
+            <a:extLst>
+              <a:ext uri="{FF2B5EF4-FFF2-40B4-BE49-F238E27FC236}">
+                <a16:creationId xmlns:a16="http://schemas.microsoft.com/office/drawing/2014/main" id="{B1338EAA-9FD3-47CF-D3FC-B11A27503B01}"/>
+              </a:ext>
+            </a:extLst>
+          </p:cNvPr>
+          <p:cNvSpPr/>
+          <p:nvPr/>
+        </p:nvSpPr>
+        <p:spPr>
+          <a:xfrm>
+            <a:off x="6385560" y="5410859"/>
+            <a:ext cx="1682833" cy="86556"/>
+          </a:xfrm>
+          <a:prstGeom prst="rect">
+            <a:avLst/>
+          </a:prstGeom>
+          <a:solidFill>
+            <a:srgbClr val="FBE5D6">
+              <a:alpha val="41176"/>
+            </a:srgbClr>
+          </a:solidFill>
+          <a:ln w="28575">
+            <a:solidFill>
+              <a:schemeClr val="accent2">
+                <a:lumMod val="75000"/>
+              </a:schemeClr>
+            </a:solidFill>
+          </a:ln>
+        </p:spPr>
+        <p:style>
+          <a:lnRef idx="2">
+            <a:schemeClr val="accent1">
+              <a:shade val="50000"/>
+            </a:schemeClr>
+          </a:lnRef>
+          <a:fillRef idx="1">
+            <a:schemeClr val="accent1"/>
+          </a:fillRef>
+          <a:effectRef idx="0">
+            <a:schemeClr val="accent1"/>
+          </a:effectRef>
+          <a:fontRef idx="minor">
+            <a:schemeClr val="lt1"/>
+          </a:fontRef>
+        </p:style>
+        <p:txBody>
+          <a:bodyPr rtlCol="0" anchor="ctr"/>
+          <a:lstStyle/>
+          <a:p>
+            <a:pPr algn="ctr"/>
+            <a:endParaRPr lang="fr-FR"/>
+          </a:p>
+        </p:txBody>
+      </p:sp>
+      <p:sp>
+        <p:nvSpPr>
+          <p:cNvPr id="117" name="Rectangle 116">
+            <a:extLst>
+              <a:ext uri="{FF2B5EF4-FFF2-40B4-BE49-F238E27FC236}">
+                <a16:creationId xmlns:a16="http://schemas.microsoft.com/office/drawing/2014/main" id="{47119417-47BC-C973-FE92-B2499D823246}"/>
+              </a:ext>
+            </a:extLst>
+          </p:cNvPr>
+          <p:cNvSpPr/>
+          <p:nvPr/>
+        </p:nvSpPr>
+        <p:spPr>
+          <a:xfrm>
+            <a:off x="7777032" y="5539943"/>
+            <a:ext cx="291361" cy="120144"/>
+          </a:xfrm>
+          <a:prstGeom prst="rect">
+            <a:avLst/>
+          </a:prstGeom>
+          <a:solidFill>
+            <a:schemeClr val="bg2">
+              <a:alpha val="41176"/>
+            </a:schemeClr>
+          </a:solidFill>
+          <a:ln w="28575">
+            <a:solidFill>
+              <a:schemeClr val="tx1">
+                <a:lumMod val="75000"/>
+                <a:lumOff val="25000"/>
+              </a:schemeClr>
+            </a:solidFill>
+          </a:ln>
+        </p:spPr>
+        <p:style>
+          <a:lnRef idx="2">
+            <a:schemeClr val="accent1">
+              <a:shade val="50000"/>
+            </a:schemeClr>
+          </a:lnRef>
+          <a:fillRef idx="1">
+            <a:schemeClr val="accent1"/>
+          </a:fillRef>
+          <a:effectRef idx="0">
+            <a:schemeClr val="accent1"/>
+          </a:effectRef>
+          <a:fontRef idx="minor">
+            <a:schemeClr val="lt1"/>
+          </a:fontRef>
+        </p:style>
+        <p:txBody>
+          <a:bodyPr rtlCol="0" anchor="ctr"/>
+          <a:lstStyle/>
+          <a:p>
+            <a:pPr algn="ctr"/>
+            <a:endParaRPr lang="fr-FR"/>
+          </a:p>
+        </p:txBody>
+      </p:sp>
+      <p:sp>
+        <p:nvSpPr>
+          <p:cNvPr id="118" name="Rectangle 117">
+            <a:extLst>
+              <a:ext uri="{FF2B5EF4-FFF2-40B4-BE49-F238E27FC236}">
+                <a16:creationId xmlns:a16="http://schemas.microsoft.com/office/drawing/2014/main" id="{56105F0D-846E-E132-D809-295493CBBA55}"/>
+              </a:ext>
+            </a:extLst>
+          </p:cNvPr>
+          <p:cNvSpPr/>
+          <p:nvPr/>
+        </p:nvSpPr>
+        <p:spPr>
+          <a:xfrm>
+            <a:off x="5888466" y="4764037"/>
+            <a:ext cx="120650" cy="363175"/>
+          </a:xfrm>
+          <a:prstGeom prst="rect">
+            <a:avLst/>
+          </a:prstGeom>
+          <a:solidFill>
+            <a:schemeClr val="bg2">
+              <a:alpha val="41176"/>
+            </a:schemeClr>
+          </a:solidFill>
+          <a:ln w="28575">
+            <a:solidFill>
+              <a:schemeClr val="tx1">
+                <a:lumMod val="75000"/>
+                <a:lumOff val="25000"/>
+              </a:schemeClr>
+            </a:solidFill>
+          </a:ln>
+        </p:spPr>
+        <p:style>
+          <a:lnRef idx="2">
+            <a:schemeClr val="accent1">
+              <a:shade val="50000"/>
+            </a:schemeClr>
+          </a:lnRef>
+          <a:fillRef idx="1">
+            <a:schemeClr val="accent1"/>
+          </a:fillRef>
+          <a:effectRef idx="0">
+            <a:schemeClr val="accent1"/>
+          </a:effectRef>
+          <a:fontRef idx="minor">
+            <a:schemeClr val="lt1"/>
+          </a:fontRef>
+        </p:style>
+        <p:txBody>
+          <a:bodyPr rtlCol="0" anchor="ctr"/>
+          <a:lstStyle/>
+          <a:p>
+            <a:pPr algn="ctr"/>
+            <a:endParaRPr lang="fr-FR"/>
+          </a:p>
+        </p:txBody>
+      </p:sp>
+      <p:sp>
+        <p:nvSpPr>
+          <p:cNvPr id="119" name="Rectangle: Top Corners Rounded 118">
+            <a:extLst>
+              <a:ext uri="{FF2B5EF4-FFF2-40B4-BE49-F238E27FC236}">
+                <a16:creationId xmlns:a16="http://schemas.microsoft.com/office/drawing/2014/main" id="{43C7FB34-CEEA-6F56-5085-B45493EE2930}"/>
+              </a:ext>
+            </a:extLst>
+          </p:cNvPr>
+          <p:cNvSpPr/>
+          <p:nvPr/>
+        </p:nvSpPr>
+        <p:spPr>
+          <a:xfrm>
+            <a:off x="5813985" y="4629639"/>
+            <a:ext cx="269612" cy="131647"/>
+          </a:xfrm>
+          <a:prstGeom prst="round2SameRect">
+            <a:avLst>
+              <a:gd name="adj1" fmla="val 47417"/>
+              <a:gd name="adj2" fmla="val 0"/>
+            </a:avLst>
+          </a:prstGeom>
+          <a:solidFill>
+            <a:schemeClr val="bg2">
+              <a:alpha val="41176"/>
+            </a:schemeClr>
+          </a:solidFill>
+          <a:ln w="28575">
+            <a:solidFill>
+              <a:schemeClr val="tx1">
+                <a:lumMod val="75000"/>
+                <a:lumOff val="25000"/>
+              </a:schemeClr>
+            </a:solidFill>
+          </a:ln>
+        </p:spPr>
+        <p:style>
+          <a:lnRef idx="2">
+            <a:schemeClr val="accent1">
+              <a:shade val="50000"/>
+            </a:schemeClr>
+          </a:lnRef>
+          <a:fillRef idx="1">
+            <a:schemeClr val="accent1"/>
+          </a:fillRef>
+          <a:effectRef idx="0">
+            <a:schemeClr val="accent1"/>
+          </a:effectRef>
+          <a:fontRef idx="minor">
+            <a:schemeClr val="lt1"/>
+          </a:fontRef>
+        </p:style>
+        <p:txBody>
+          <a:bodyPr rtlCol="0" anchor="ctr"/>
+          <a:lstStyle/>
+          <a:p>
+            <a:pPr algn="ctr"/>
+            <a:endParaRPr lang="fr-FR"/>
+          </a:p>
+        </p:txBody>
+      </p:sp>
+      <p:sp>
+        <p:nvSpPr>
+          <p:cNvPr id="120" name="Rectangle 119">
+            <a:extLst>
+              <a:ext uri="{FF2B5EF4-FFF2-40B4-BE49-F238E27FC236}">
+                <a16:creationId xmlns:a16="http://schemas.microsoft.com/office/drawing/2014/main" id="{963D07C6-5EB5-F5C4-D69A-83AD871AD92A}"/>
+              </a:ext>
+            </a:extLst>
+          </p:cNvPr>
+          <p:cNvSpPr/>
+          <p:nvPr/>
+        </p:nvSpPr>
+        <p:spPr>
+          <a:xfrm>
+            <a:off x="5801581" y="4973099"/>
+            <a:ext cx="294419" cy="120144"/>
+          </a:xfrm>
+          <a:prstGeom prst="rect">
+            <a:avLst/>
+          </a:prstGeom>
+          <a:solidFill>
+            <a:schemeClr val="bg2">
+              <a:alpha val="41176"/>
+            </a:schemeClr>
+          </a:solidFill>
+          <a:ln w="28575">
+            <a:solidFill>
+              <a:schemeClr val="tx1">
+                <a:lumMod val="75000"/>
+                <a:lumOff val="25000"/>
+              </a:schemeClr>
+            </a:solidFill>
+          </a:ln>
+        </p:spPr>
+        <p:style>
+          <a:lnRef idx="2">
+            <a:schemeClr val="accent1">
+              <a:shade val="50000"/>
+            </a:schemeClr>
+          </a:lnRef>
+          <a:fillRef idx="1">
+            <a:schemeClr val="accent1"/>
+          </a:fillRef>
+          <a:effectRef idx="0">
+            <a:schemeClr val="accent1"/>
+          </a:effectRef>
+          <a:fontRef idx="minor">
+            <a:schemeClr val="lt1"/>
+          </a:fontRef>
+        </p:style>
+        <p:txBody>
+          <a:bodyPr rtlCol="0" anchor="ctr"/>
+          <a:lstStyle/>
+          <a:p>
+            <a:pPr algn="ctr"/>
+            <a:endParaRPr lang="fr-FR"/>
+          </a:p>
+        </p:txBody>
+      </p:sp>
+      <p:sp>
+        <p:nvSpPr>
+          <p:cNvPr id="130" name="Rectangle 129">
+            <a:extLst>
+              <a:ext uri="{FF2B5EF4-FFF2-40B4-BE49-F238E27FC236}">
+                <a16:creationId xmlns:a16="http://schemas.microsoft.com/office/drawing/2014/main" id="{0BB5CA7C-A11A-38DA-2FEC-07FAFC4BC64A}"/>
+              </a:ext>
+            </a:extLst>
+          </p:cNvPr>
+          <p:cNvSpPr/>
+          <p:nvPr/>
+        </p:nvSpPr>
+        <p:spPr>
+          <a:xfrm>
+            <a:off x="5894205" y="5121166"/>
+            <a:ext cx="120650" cy="363175"/>
+          </a:xfrm>
+          <a:prstGeom prst="rect">
+            <a:avLst/>
+          </a:prstGeom>
+          <a:solidFill>
+            <a:schemeClr val="bg2">
+              <a:alpha val="41176"/>
+            </a:schemeClr>
+          </a:solidFill>
+          <a:ln w="28575">
+            <a:solidFill>
+              <a:schemeClr val="tx1">
+                <a:lumMod val="75000"/>
+                <a:lumOff val="25000"/>
+              </a:schemeClr>
+            </a:solidFill>
+          </a:ln>
+        </p:spPr>
+        <p:style>
+          <a:lnRef idx="2">
+            <a:schemeClr val="accent1">
+              <a:shade val="50000"/>
+            </a:schemeClr>
+          </a:lnRef>
+          <a:fillRef idx="1">
+            <a:schemeClr val="accent1"/>
+          </a:fillRef>
+          <a:effectRef idx="0">
+            <a:schemeClr val="accent1"/>
+          </a:effectRef>
+          <a:fontRef idx="minor">
+            <a:schemeClr val="lt1"/>
+          </a:fontRef>
+        </p:style>
+        <p:txBody>
+          <a:bodyPr rtlCol="0" anchor="ctr"/>
+          <a:lstStyle/>
+          <a:p>
+            <a:pPr algn="ctr"/>
+            <a:endParaRPr lang="fr-FR"/>
+          </a:p>
+        </p:txBody>
+      </p:sp>
+      <p:sp>
+        <p:nvSpPr>
+          <p:cNvPr id="131" name="Rectangle: Top Corners Rounded 130">
+            <a:extLst>
+              <a:ext uri="{FF2B5EF4-FFF2-40B4-BE49-F238E27FC236}">
+                <a16:creationId xmlns:a16="http://schemas.microsoft.com/office/drawing/2014/main" id="{E1D85AEF-8E25-F269-C1E7-2FE885E1B265}"/>
+              </a:ext>
+            </a:extLst>
+          </p:cNvPr>
+          <p:cNvSpPr/>
+          <p:nvPr/>
+        </p:nvSpPr>
+        <p:spPr>
+          <a:xfrm>
+            <a:off x="5819724" y="4986768"/>
+            <a:ext cx="269612" cy="131647"/>
+          </a:xfrm>
+          <a:prstGeom prst="round2SameRect">
+            <a:avLst>
+              <a:gd name="adj1" fmla="val 47417"/>
+              <a:gd name="adj2" fmla="val 0"/>
+            </a:avLst>
+          </a:prstGeom>
+          <a:solidFill>
+            <a:schemeClr val="bg2">
+              <a:alpha val="41176"/>
+            </a:schemeClr>
+          </a:solidFill>
+          <a:ln w="28575">
+            <a:solidFill>
+              <a:schemeClr val="tx1">
+                <a:lumMod val="75000"/>
+                <a:lumOff val="25000"/>
+              </a:schemeClr>
+            </a:solidFill>
+          </a:ln>
+        </p:spPr>
+        <p:style>
+          <a:lnRef idx="2">
+            <a:schemeClr val="accent1">
+              <a:shade val="50000"/>
+            </a:schemeClr>
+          </a:lnRef>
+          <a:fillRef idx="1">
+            <a:schemeClr val="accent1"/>
+          </a:fillRef>
+          <a:effectRef idx="0">
+            <a:schemeClr val="accent1"/>
+          </a:effectRef>
+          <a:fontRef idx="minor">
+            <a:schemeClr val="lt1"/>
+          </a:fontRef>
+        </p:style>
+        <p:txBody>
+          <a:bodyPr rtlCol="0" anchor="ctr"/>
+          <a:lstStyle/>
+          <a:p>
+            <a:pPr algn="ctr"/>
+            <a:endParaRPr lang="fr-FR"/>
+          </a:p>
+        </p:txBody>
+      </p:sp>
+      <p:sp>
+        <p:nvSpPr>
+          <p:cNvPr id="132" name="Rectangle 131">
+            <a:extLst>
+              <a:ext uri="{FF2B5EF4-FFF2-40B4-BE49-F238E27FC236}">
+                <a16:creationId xmlns:a16="http://schemas.microsoft.com/office/drawing/2014/main" id="{2596089A-D84D-93D4-E16F-DD7A7DD398B9}"/>
+              </a:ext>
+            </a:extLst>
+          </p:cNvPr>
+          <p:cNvSpPr/>
+          <p:nvPr/>
+        </p:nvSpPr>
+        <p:spPr>
+          <a:xfrm>
+            <a:off x="5807320" y="5330228"/>
+            <a:ext cx="294419" cy="120144"/>
+          </a:xfrm>
+          <a:prstGeom prst="rect">
+            <a:avLst/>
+          </a:prstGeom>
+          <a:solidFill>
+            <a:schemeClr val="bg2">
+              <a:alpha val="41176"/>
+            </a:schemeClr>
+          </a:solidFill>
+          <a:ln w="28575">
+            <a:solidFill>
+              <a:schemeClr val="tx1">
+                <a:lumMod val="75000"/>
+                <a:lumOff val="25000"/>
+              </a:schemeClr>
+            </a:solidFill>
+          </a:ln>
+        </p:spPr>
+        <p:style>
+          <a:lnRef idx="2">
+            <a:schemeClr val="accent1">
+              <a:shade val="50000"/>
+            </a:schemeClr>
+          </a:lnRef>
+          <a:fillRef idx="1">
+            <a:schemeClr val="accent1"/>
+          </a:fillRef>
+          <a:effectRef idx="0">
+            <a:schemeClr val="accent1"/>
+          </a:effectRef>
+          <a:fontRef idx="minor">
+            <a:schemeClr val="lt1"/>
+          </a:fontRef>
+        </p:style>
+        <p:txBody>
+          <a:bodyPr rtlCol="0" anchor="ctr"/>
+          <a:lstStyle/>
+          <a:p>
+            <a:pPr algn="ctr"/>
+            <a:endParaRPr lang="fr-FR"/>
+          </a:p>
+        </p:txBody>
+      </p:sp>
+    </p:spTree>
+    <p:extLst>
+      <p:ext uri="{BB962C8B-B14F-4D97-AF65-F5344CB8AC3E}">
+        <p14:creationId xmlns:p14="http://schemas.microsoft.com/office/powerpoint/2010/main" val="4178434942"/>
+      </p:ext>
+    </p:extLst>
+  </p:cSld>
+  <p:clrMapOvr>
+    <a:masterClrMapping/>
+  </p:clrMapOvr>
+</p:sld>
+</file>
+
+<file path=ppt/slides/slide4.xml><?xml version="1.0" encoding="utf-8"?>
+<p:sld xmlns:a="http://schemas.openxmlformats.org/drawingml/2006/main" xmlns:r="http://schemas.openxmlformats.org/officeDocument/2006/relationships" xmlns:p="http://schemas.openxmlformats.org/presentationml/2006/main">
+  <p:cSld>
+    <p:spTree>
+      <p:nvGrpSpPr>
+        <p:cNvPr id="1" name=""/>
+        <p:cNvGrpSpPr/>
+        <p:nvPr/>
+      </p:nvGrpSpPr>
+      <p:grpSpPr>
+        <a:xfrm>
+          <a:off x="0" y="0"/>
+          <a:ext cx="0" cy="0"/>
+          <a:chOff x="0" y="0"/>
+          <a:chExt cx="0" cy="0"/>
+        </a:xfrm>
+      </p:grpSpPr>
       <p:grpSp>
         <p:nvGrpSpPr>
           <p:cNvPr id="5" name="Group 4">
@@ -6281,7 +12495,7 @@
 </p:sld>
 </file>
 
-<file path=ppt/slides/slide3.xml><?xml version="1.0" encoding="utf-8"?>
+<file path=ppt/slides/slide5.xml><?xml version="1.0" encoding="utf-8"?>
 <p:sld xmlns:a="http://schemas.openxmlformats.org/drawingml/2006/main" xmlns:r="http://schemas.openxmlformats.org/officeDocument/2006/relationships" xmlns:p="http://schemas.openxmlformats.org/presentationml/2006/main">
   <p:cSld>
     <p:spTree>
@@ -7119,7 +13333,7 @@
 </p:sld>
 </file>
 
-<file path=ppt/slides/slide4.xml><?xml version="1.0" encoding="utf-8"?>
+<file path=ppt/slides/slide6.xml><?xml version="1.0" encoding="utf-8"?>
 <p:sld xmlns:a="http://schemas.openxmlformats.org/drawingml/2006/main" xmlns:r="http://schemas.openxmlformats.org/officeDocument/2006/relationships" xmlns:p="http://schemas.openxmlformats.org/presentationml/2006/main">
   <p:cSld>
     <p:spTree>
